--- a/卒論最終発表パワポ/石井康之最終発表.pptx
+++ b/卒論最終発表パワポ/石井康之最終発表.pptx
@@ -5,7 +5,7 @@
     <p:sldMasterId id="2147483660" r:id="rId1"/>
   </p:sldMasterIdLst>
   <p:notesMasterIdLst>
-    <p:notesMasterId r:id="rId14"/>
+    <p:notesMasterId r:id="rId18"/>
   </p:notesMasterIdLst>
   <p:sldIdLst>
     <p:sldId id="256" r:id="rId2"/>
@@ -15,11 +15,15 @@
     <p:sldId id="259" r:id="rId6"/>
     <p:sldId id="260" r:id="rId7"/>
     <p:sldId id="268" r:id="rId8"/>
-    <p:sldId id="269" r:id="rId9"/>
-    <p:sldId id="261" r:id="rId10"/>
-    <p:sldId id="270" r:id="rId11"/>
-    <p:sldId id="262" r:id="rId12"/>
-    <p:sldId id="263" r:id="rId13"/>
+    <p:sldId id="272" r:id="rId9"/>
+    <p:sldId id="273" r:id="rId10"/>
+    <p:sldId id="274" r:id="rId11"/>
+    <p:sldId id="269" r:id="rId12"/>
+    <p:sldId id="261" r:id="rId13"/>
+    <p:sldId id="271" r:id="rId14"/>
+    <p:sldId id="270" r:id="rId15"/>
+    <p:sldId id="262" r:id="rId16"/>
+    <p:sldId id="263" r:id="rId17"/>
   </p:sldIdLst>
   <p:sldSz cx="9144000" cy="6858000" type="screen4x3"/>
   <p:notesSz cx="6858000" cy="9144000"/>
@@ -126,6 +130,5176 @@
 </p:presentation>
 </file>
 
+<file path=ppt/charts/chart1.xml><?xml version="1.0" encoding="utf-8"?>
+<c:chartSpace xmlns:c="http://schemas.openxmlformats.org/drawingml/2006/chart" xmlns:a="http://schemas.openxmlformats.org/drawingml/2006/main" xmlns:r="http://schemas.openxmlformats.org/officeDocument/2006/relationships">
+  <c:date1904 val="0"/>
+  <c:lang val="ja-JP"/>
+  <c:roundedCorners val="0"/>
+  <mc:AlternateContent xmlns:mc="http://schemas.openxmlformats.org/markup-compatibility/2006">
+    <mc:Choice xmlns:c14="http://schemas.microsoft.com/office/drawing/2007/8/2/chart" Requires="c14">
+      <c14:style val="102"/>
+    </mc:Choice>
+    <mc:Fallback>
+      <c:style val="2"/>
+    </mc:Fallback>
+  </mc:AlternateContent>
+  <c:chart>
+    <c:autoTitleDeleted val="1"/>
+    <c:plotArea>
+      <c:layout/>
+      <c:lineChart>
+        <c:grouping val="standard"/>
+        <c:varyColors val="0"/>
+        <c:ser>
+          <c:idx val="0"/>
+          <c:order val="0"/>
+          <c:spPr>
+            <a:ln w="28575" cap="rnd">
+              <a:solidFill>
+                <a:schemeClr val="accent1"/>
+              </a:solidFill>
+              <a:round/>
+            </a:ln>
+            <a:effectLst/>
+          </c:spPr>
+          <c:marker>
+            <c:symbol val="none"/>
+          </c:marker>
+          <c:cat>
+            <c:numRef>
+              <c:f>Sheet1!$A$2:$A$163</c:f>
+              <c:numCache>
+                <c:formatCode>mmm\-yy</c:formatCode>
+                <c:ptCount val="162"/>
+                <c:pt idx="0">
+                  <c:v>37347</c:v>
+                </c:pt>
+                <c:pt idx="1">
+                  <c:v>37377</c:v>
+                </c:pt>
+                <c:pt idx="2">
+                  <c:v>37408</c:v>
+                </c:pt>
+                <c:pt idx="3">
+                  <c:v>37438</c:v>
+                </c:pt>
+                <c:pt idx="4">
+                  <c:v>37469</c:v>
+                </c:pt>
+                <c:pt idx="5">
+                  <c:v>37500</c:v>
+                </c:pt>
+                <c:pt idx="6">
+                  <c:v>37530</c:v>
+                </c:pt>
+                <c:pt idx="7">
+                  <c:v>37561</c:v>
+                </c:pt>
+                <c:pt idx="8">
+                  <c:v>37591</c:v>
+                </c:pt>
+                <c:pt idx="9">
+                  <c:v>37622</c:v>
+                </c:pt>
+                <c:pt idx="10">
+                  <c:v>37653</c:v>
+                </c:pt>
+                <c:pt idx="11">
+                  <c:v>37681</c:v>
+                </c:pt>
+                <c:pt idx="12">
+                  <c:v>37712</c:v>
+                </c:pt>
+                <c:pt idx="13">
+                  <c:v>37742</c:v>
+                </c:pt>
+                <c:pt idx="14">
+                  <c:v>37773</c:v>
+                </c:pt>
+                <c:pt idx="15">
+                  <c:v>37803</c:v>
+                </c:pt>
+                <c:pt idx="16">
+                  <c:v>37834</c:v>
+                </c:pt>
+                <c:pt idx="17">
+                  <c:v>37865</c:v>
+                </c:pt>
+                <c:pt idx="18">
+                  <c:v>37895</c:v>
+                </c:pt>
+                <c:pt idx="19">
+                  <c:v>37926</c:v>
+                </c:pt>
+                <c:pt idx="20">
+                  <c:v>37956</c:v>
+                </c:pt>
+                <c:pt idx="21">
+                  <c:v>37987</c:v>
+                </c:pt>
+                <c:pt idx="22">
+                  <c:v>38018</c:v>
+                </c:pt>
+                <c:pt idx="23">
+                  <c:v>38047</c:v>
+                </c:pt>
+                <c:pt idx="24">
+                  <c:v>38078</c:v>
+                </c:pt>
+                <c:pt idx="25">
+                  <c:v>38108</c:v>
+                </c:pt>
+                <c:pt idx="26">
+                  <c:v>38139</c:v>
+                </c:pt>
+                <c:pt idx="27">
+                  <c:v>38169</c:v>
+                </c:pt>
+                <c:pt idx="28">
+                  <c:v>38200</c:v>
+                </c:pt>
+                <c:pt idx="29">
+                  <c:v>38231</c:v>
+                </c:pt>
+                <c:pt idx="30">
+                  <c:v>38261</c:v>
+                </c:pt>
+                <c:pt idx="31">
+                  <c:v>38292</c:v>
+                </c:pt>
+                <c:pt idx="32">
+                  <c:v>38322</c:v>
+                </c:pt>
+                <c:pt idx="33">
+                  <c:v>38353</c:v>
+                </c:pt>
+                <c:pt idx="34">
+                  <c:v>38384</c:v>
+                </c:pt>
+                <c:pt idx="35">
+                  <c:v>38412</c:v>
+                </c:pt>
+                <c:pt idx="36">
+                  <c:v>38443</c:v>
+                </c:pt>
+                <c:pt idx="37">
+                  <c:v>38473</c:v>
+                </c:pt>
+                <c:pt idx="38">
+                  <c:v>38504</c:v>
+                </c:pt>
+                <c:pt idx="39">
+                  <c:v>38534</c:v>
+                </c:pt>
+                <c:pt idx="40">
+                  <c:v>38565</c:v>
+                </c:pt>
+                <c:pt idx="41">
+                  <c:v>38596</c:v>
+                </c:pt>
+                <c:pt idx="42">
+                  <c:v>38626</c:v>
+                </c:pt>
+                <c:pt idx="43">
+                  <c:v>38657</c:v>
+                </c:pt>
+                <c:pt idx="44">
+                  <c:v>38687</c:v>
+                </c:pt>
+                <c:pt idx="45">
+                  <c:v>38718</c:v>
+                </c:pt>
+                <c:pt idx="46">
+                  <c:v>38749</c:v>
+                </c:pt>
+                <c:pt idx="47">
+                  <c:v>38777</c:v>
+                </c:pt>
+                <c:pt idx="48">
+                  <c:v>38808</c:v>
+                </c:pt>
+                <c:pt idx="49">
+                  <c:v>38838</c:v>
+                </c:pt>
+                <c:pt idx="50">
+                  <c:v>38869</c:v>
+                </c:pt>
+                <c:pt idx="51">
+                  <c:v>38899</c:v>
+                </c:pt>
+                <c:pt idx="52">
+                  <c:v>38930</c:v>
+                </c:pt>
+                <c:pt idx="53">
+                  <c:v>38961</c:v>
+                </c:pt>
+                <c:pt idx="54">
+                  <c:v>38991</c:v>
+                </c:pt>
+                <c:pt idx="55">
+                  <c:v>39022</c:v>
+                </c:pt>
+                <c:pt idx="56">
+                  <c:v>39052</c:v>
+                </c:pt>
+                <c:pt idx="57">
+                  <c:v>39083</c:v>
+                </c:pt>
+                <c:pt idx="58">
+                  <c:v>39114</c:v>
+                </c:pt>
+                <c:pt idx="59">
+                  <c:v>39142</c:v>
+                </c:pt>
+                <c:pt idx="60">
+                  <c:v>39173</c:v>
+                </c:pt>
+                <c:pt idx="61">
+                  <c:v>39203</c:v>
+                </c:pt>
+                <c:pt idx="62">
+                  <c:v>39234</c:v>
+                </c:pt>
+                <c:pt idx="63">
+                  <c:v>39264</c:v>
+                </c:pt>
+                <c:pt idx="64">
+                  <c:v>39295</c:v>
+                </c:pt>
+                <c:pt idx="65">
+                  <c:v>39326</c:v>
+                </c:pt>
+                <c:pt idx="66">
+                  <c:v>39356</c:v>
+                </c:pt>
+                <c:pt idx="67">
+                  <c:v>39387</c:v>
+                </c:pt>
+                <c:pt idx="68">
+                  <c:v>39417</c:v>
+                </c:pt>
+                <c:pt idx="69">
+                  <c:v>39448</c:v>
+                </c:pt>
+                <c:pt idx="70">
+                  <c:v>39479</c:v>
+                </c:pt>
+                <c:pt idx="71">
+                  <c:v>39508</c:v>
+                </c:pt>
+                <c:pt idx="72">
+                  <c:v>39539</c:v>
+                </c:pt>
+                <c:pt idx="73">
+                  <c:v>39569</c:v>
+                </c:pt>
+                <c:pt idx="74">
+                  <c:v>39600</c:v>
+                </c:pt>
+                <c:pt idx="75">
+                  <c:v>39630</c:v>
+                </c:pt>
+                <c:pt idx="76">
+                  <c:v>39661</c:v>
+                </c:pt>
+                <c:pt idx="77">
+                  <c:v>39692</c:v>
+                </c:pt>
+                <c:pt idx="78">
+                  <c:v>39722</c:v>
+                </c:pt>
+                <c:pt idx="79">
+                  <c:v>39753</c:v>
+                </c:pt>
+                <c:pt idx="80">
+                  <c:v>39783</c:v>
+                </c:pt>
+                <c:pt idx="81">
+                  <c:v>39814</c:v>
+                </c:pt>
+                <c:pt idx="82">
+                  <c:v>39845</c:v>
+                </c:pt>
+                <c:pt idx="83">
+                  <c:v>39873</c:v>
+                </c:pt>
+                <c:pt idx="84">
+                  <c:v>39904</c:v>
+                </c:pt>
+                <c:pt idx="85">
+                  <c:v>39934</c:v>
+                </c:pt>
+                <c:pt idx="86">
+                  <c:v>39965</c:v>
+                </c:pt>
+                <c:pt idx="87">
+                  <c:v>39995</c:v>
+                </c:pt>
+                <c:pt idx="88">
+                  <c:v>40026</c:v>
+                </c:pt>
+                <c:pt idx="89">
+                  <c:v>40057</c:v>
+                </c:pt>
+                <c:pt idx="90">
+                  <c:v>40087</c:v>
+                </c:pt>
+                <c:pt idx="91">
+                  <c:v>40118</c:v>
+                </c:pt>
+                <c:pt idx="92">
+                  <c:v>40148</c:v>
+                </c:pt>
+                <c:pt idx="93">
+                  <c:v>40179</c:v>
+                </c:pt>
+                <c:pt idx="94">
+                  <c:v>40210</c:v>
+                </c:pt>
+                <c:pt idx="95">
+                  <c:v>40238</c:v>
+                </c:pt>
+                <c:pt idx="96">
+                  <c:v>40269</c:v>
+                </c:pt>
+                <c:pt idx="97">
+                  <c:v>40299</c:v>
+                </c:pt>
+                <c:pt idx="98">
+                  <c:v>40330</c:v>
+                </c:pt>
+                <c:pt idx="99">
+                  <c:v>40360</c:v>
+                </c:pt>
+                <c:pt idx="100">
+                  <c:v>40391</c:v>
+                </c:pt>
+                <c:pt idx="101">
+                  <c:v>40422</c:v>
+                </c:pt>
+                <c:pt idx="102">
+                  <c:v>40452</c:v>
+                </c:pt>
+                <c:pt idx="103">
+                  <c:v>40483</c:v>
+                </c:pt>
+                <c:pt idx="104">
+                  <c:v>40513</c:v>
+                </c:pt>
+                <c:pt idx="105">
+                  <c:v>40544</c:v>
+                </c:pt>
+                <c:pt idx="106">
+                  <c:v>40575</c:v>
+                </c:pt>
+                <c:pt idx="107">
+                  <c:v>40603</c:v>
+                </c:pt>
+                <c:pt idx="108">
+                  <c:v>40634</c:v>
+                </c:pt>
+                <c:pt idx="109">
+                  <c:v>40664</c:v>
+                </c:pt>
+                <c:pt idx="110">
+                  <c:v>40695</c:v>
+                </c:pt>
+                <c:pt idx="111">
+                  <c:v>40725</c:v>
+                </c:pt>
+                <c:pt idx="112">
+                  <c:v>40756</c:v>
+                </c:pt>
+                <c:pt idx="113">
+                  <c:v>40787</c:v>
+                </c:pt>
+                <c:pt idx="114">
+                  <c:v>40817</c:v>
+                </c:pt>
+                <c:pt idx="115">
+                  <c:v>40848</c:v>
+                </c:pt>
+                <c:pt idx="116">
+                  <c:v>40878</c:v>
+                </c:pt>
+                <c:pt idx="117">
+                  <c:v>40909</c:v>
+                </c:pt>
+                <c:pt idx="118">
+                  <c:v>40940</c:v>
+                </c:pt>
+                <c:pt idx="119">
+                  <c:v>40969</c:v>
+                </c:pt>
+                <c:pt idx="120">
+                  <c:v>41000</c:v>
+                </c:pt>
+                <c:pt idx="121">
+                  <c:v>41030</c:v>
+                </c:pt>
+                <c:pt idx="122">
+                  <c:v>41061</c:v>
+                </c:pt>
+                <c:pt idx="123">
+                  <c:v>41091</c:v>
+                </c:pt>
+                <c:pt idx="124">
+                  <c:v>41122</c:v>
+                </c:pt>
+                <c:pt idx="125">
+                  <c:v>41153</c:v>
+                </c:pt>
+                <c:pt idx="126">
+                  <c:v>41183</c:v>
+                </c:pt>
+                <c:pt idx="127">
+                  <c:v>41214</c:v>
+                </c:pt>
+                <c:pt idx="128">
+                  <c:v>41244</c:v>
+                </c:pt>
+                <c:pt idx="129">
+                  <c:v>41275</c:v>
+                </c:pt>
+                <c:pt idx="130">
+                  <c:v>41306</c:v>
+                </c:pt>
+                <c:pt idx="131">
+                  <c:v>41334</c:v>
+                </c:pt>
+                <c:pt idx="132">
+                  <c:v>41365</c:v>
+                </c:pt>
+                <c:pt idx="133">
+                  <c:v>41395</c:v>
+                </c:pt>
+                <c:pt idx="134">
+                  <c:v>41426</c:v>
+                </c:pt>
+                <c:pt idx="135">
+                  <c:v>41456</c:v>
+                </c:pt>
+                <c:pt idx="136">
+                  <c:v>41487</c:v>
+                </c:pt>
+                <c:pt idx="137">
+                  <c:v>41518</c:v>
+                </c:pt>
+                <c:pt idx="138">
+                  <c:v>41548</c:v>
+                </c:pt>
+                <c:pt idx="139">
+                  <c:v>41579</c:v>
+                </c:pt>
+                <c:pt idx="140">
+                  <c:v>41609</c:v>
+                </c:pt>
+                <c:pt idx="141">
+                  <c:v>41640</c:v>
+                </c:pt>
+                <c:pt idx="142">
+                  <c:v>41671</c:v>
+                </c:pt>
+                <c:pt idx="143">
+                  <c:v>41699</c:v>
+                </c:pt>
+                <c:pt idx="144">
+                  <c:v>41730</c:v>
+                </c:pt>
+                <c:pt idx="145">
+                  <c:v>41760</c:v>
+                </c:pt>
+                <c:pt idx="146">
+                  <c:v>41791</c:v>
+                </c:pt>
+                <c:pt idx="147">
+                  <c:v>41821</c:v>
+                </c:pt>
+                <c:pt idx="148">
+                  <c:v>41852</c:v>
+                </c:pt>
+                <c:pt idx="149">
+                  <c:v>41883</c:v>
+                </c:pt>
+                <c:pt idx="150">
+                  <c:v>41913</c:v>
+                </c:pt>
+                <c:pt idx="151">
+                  <c:v>41944</c:v>
+                </c:pt>
+                <c:pt idx="152">
+                  <c:v>41974</c:v>
+                </c:pt>
+                <c:pt idx="153">
+                  <c:v>42005</c:v>
+                </c:pt>
+                <c:pt idx="154">
+                  <c:v>42036</c:v>
+                </c:pt>
+                <c:pt idx="155">
+                  <c:v>42064</c:v>
+                </c:pt>
+                <c:pt idx="156">
+                  <c:v>42095</c:v>
+                </c:pt>
+                <c:pt idx="157">
+                  <c:v>42125</c:v>
+                </c:pt>
+                <c:pt idx="158">
+                  <c:v>42156</c:v>
+                </c:pt>
+                <c:pt idx="159">
+                  <c:v>42186</c:v>
+                </c:pt>
+                <c:pt idx="160">
+                  <c:v>42217</c:v>
+                </c:pt>
+                <c:pt idx="161">
+                  <c:v>42248</c:v>
+                </c:pt>
+              </c:numCache>
+            </c:numRef>
+          </c:cat>
+          <c:val>
+            <c:numRef>
+              <c:f>Sheet1!$B$2:$B$163</c:f>
+              <c:numCache>
+                <c:formatCode>General</c:formatCode>
+                <c:ptCount val="162"/>
+                <c:pt idx="0">
+                  <c:v>6</c:v>
+                </c:pt>
+                <c:pt idx="1">
+                  <c:v>2</c:v>
+                </c:pt>
+                <c:pt idx="2">
+                  <c:v>6</c:v>
+                </c:pt>
+                <c:pt idx="3">
+                  <c:v>4</c:v>
+                </c:pt>
+                <c:pt idx="4">
+                  <c:v>10</c:v>
+                </c:pt>
+                <c:pt idx="5">
+                  <c:v>62</c:v>
+                </c:pt>
+                <c:pt idx="6">
+                  <c:v>47</c:v>
+                </c:pt>
+                <c:pt idx="7">
+                  <c:v>120</c:v>
+                </c:pt>
+                <c:pt idx="8">
+                  <c:v>64</c:v>
+                </c:pt>
+                <c:pt idx="9">
+                  <c:v>139</c:v>
+                </c:pt>
+                <c:pt idx="10">
+                  <c:v>9819</c:v>
+                </c:pt>
+                <c:pt idx="11">
+                  <c:v>9663</c:v>
+                </c:pt>
+                <c:pt idx="12">
+                  <c:v>6925</c:v>
+                </c:pt>
+                <c:pt idx="13">
+                  <c:v>8867</c:v>
+                </c:pt>
+                <c:pt idx="14">
+                  <c:v>5167</c:v>
+                </c:pt>
+                <c:pt idx="15">
+                  <c:v>6471</c:v>
+                </c:pt>
+                <c:pt idx="16">
+                  <c:v>9450</c:v>
+                </c:pt>
+                <c:pt idx="17">
+                  <c:v>19045</c:v>
+                </c:pt>
+                <c:pt idx="18">
+                  <c:v>19168</c:v>
+                </c:pt>
+                <c:pt idx="19">
+                  <c:v>36181</c:v>
+                </c:pt>
+                <c:pt idx="20">
+                  <c:v>42028</c:v>
+                </c:pt>
+                <c:pt idx="21">
+                  <c:v>49858</c:v>
+                </c:pt>
+                <c:pt idx="22">
+                  <c:v>55357</c:v>
+                </c:pt>
+                <c:pt idx="23">
+                  <c:v>68250</c:v>
+                </c:pt>
+                <c:pt idx="24">
+                  <c:v>59650</c:v>
+                </c:pt>
+                <c:pt idx="25">
+                  <c:v>67453</c:v>
+                </c:pt>
+                <c:pt idx="26">
+                  <c:v>91264</c:v>
+                </c:pt>
+                <c:pt idx="27">
+                  <c:v>91948</c:v>
+                </c:pt>
+                <c:pt idx="28">
+                  <c:v>124479</c:v>
+                </c:pt>
+                <c:pt idx="29">
+                  <c:v>125075</c:v>
+                </c:pt>
+                <c:pt idx="30">
+                  <c:v>116476</c:v>
+                </c:pt>
+                <c:pt idx="31">
+                  <c:v>155629</c:v>
+                </c:pt>
+                <c:pt idx="32">
+                  <c:v>135287</c:v>
+                </c:pt>
+                <c:pt idx="33">
+                  <c:v>127817</c:v>
+                </c:pt>
+                <c:pt idx="34">
+                  <c:v>128087</c:v>
+                </c:pt>
+                <c:pt idx="35">
+                  <c:v>163015</c:v>
+                </c:pt>
+                <c:pt idx="36">
+                  <c:v>154094</c:v>
+                </c:pt>
+                <c:pt idx="37">
+                  <c:v>172669</c:v>
+                </c:pt>
+                <c:pt idx="38">
+                  <c:v>173541</c:v>
+                </c:pt>
+                <c:pt idx="39">
+                  <c:v>197453</c:v>
+                </c:pt>
+                <c:pt idx="40">
+                  <c:v>218616</c:v>
+                </c:pt>
+                <c:pt idx="41">
+                  <c:v>226164</c:v>
+                </c:pt>
+                <c:pt idx="42">
+                  <c:v>266527</c:v>
+                </c:pt>
+                <c:pt idx="43">
+                  <c:v>331453</c:v>
+                </c:pt>
+                <c:pt idx="44">
+                  <c:v>299228</c:v>
+                </c:pt>
+                <c:pt idx="45">
+                  <c:v>332887</c:v>
+                </c:pt>
+                <c:pt idx="46">
+                  <c:v>309244</c:v>
+                </c:pt>
+                <c:pt idx="47">
+                  <c:v>382625</c:v>
+                </c:pt>
+                <c:pt idx="48">
+                  <c:v>378446</c:v>
+                </c:pt>
+                <c:pt idx="49">
+                  <c:v>419303</c:v>
+                </c:pt>
+                <c:pt idx="50">
+                  <c:v>427085</c:v>
+                </c:pt>
+                <c:pt idx="51">
+                  <c:v>449647</c:v>
+                </c:pt>
+                <c:pt idx="52">
+                  <c:v>473437</c:v>
+                </c:pt>
+                <c:pt idx="53">
+                  <c:v>556246</c:v>
+                </c:pt>
+                <c:pt idx="54">
+                  <c:v>549255</c:v>
+                </c:pt>
+                <c:pt idx="55">
+                  <c:v>559734</c:v>
+                </c:pt>
+                <c:pt idx="56">
+                  <c:v>570828</c:v>
+                </c:pt>
+                <c:pt idx="57">
+                  <c:v>553188</c:v>
+                </c:pt>
+                <c:pt idx="58">
+                  <c:v>563730</c:v>
+                </c:pt>
+                <c:pt idx="59">
+                  <c:v>623815</c:v>
+                </c:pt>
+                <c:pt idx="60">
+                  <c:v>584616</c:v>
+                </c:pt>
+                <c:pt idx="61">
+                  <c:v>581404</c:v>
+                </c:pt>
+                <c:pt idx="62">
+                  <c:v>526678</c:v>
+                </c:pt>
+                <c:pt idx="63">
+                  <c:v>528967</c:v>
+                </c:pt>
+                <c:pt idx="64">
+                  <c:v>559661</c:v>
+                </c:pt>
+                <c:pt idx="65">
+                  <c:v>595697</c:v>
+                </c:pt>
+                <c:pt idx="66">
+                  <c:v>611983</c:v>
+                </c:pt>
+                <c:pt idx="67">
+                  <c:v>568533</c:v>
+                </c:pt>
+                <c:pt idx="68">
+                  <c:v>590313</c:v>
+                </c:pt>
+                <c:pt idx="69">
+                  <c:v>599291</c:v>
+                </c:pt>
+                <c:pt idx="70">
+                  <c:v>554427</c:v>
+                </c:pt>
+                <c:pt idx="71">
+                  <c:v>588094</c:v>
+                </c:pt>
+                <c:pt idx="72">
+                  <c:v>498837</c:v>
+                </c:pt>
+                <c:pt idx="73">
+                  <c:v>524043</c:v>
+                </c:pt>
+                <c:pt idx="74">
+                  <c:v>510915</c:v>
+                </c:pt>
+                <c:pt idx="75">
+                  <c:v>483080</c:v>
+                </c:pt>
+                <c:pt idx="76">
+                  <c:v>508469</c:v>
+                </c:pt>
+                <c:pt idx="77">
+                  <c:v>503237</c:v>
+                </c:pt>
+                <c:pt idx="78">
+                  <c:v>560078</c:v>
+                </c:pt>
+                <c:pt idx="79">
+                  <c:v>498160</c:v>
+                </c:pt>
+                <c:pt idx="80">
+                  <c:v>474482</c:v>
+                </c:pt>
+                <c:pt idx="81">
+                  <c:v>484297</c:v>
+                </c:pt>
+                <c:pt idx="82">
+                  <c:v>443198</c:v>
+                </c:pt>
+                <c:pt idx="83">
+                  <c:v>505506</c:v>
+                </c:pt>
+                <c:pt idx="84">
+                  <c:v>471452</c:v>
+                </c:pt>
+                <c:pt idx="85">
+                  <c:v>523162</c:v>
+                </c:pt>
+                <c:pt idx="86">
+                  <c:v>484619</c:v>
+                </c:pt>
+                <c:pt idx="87">
+                  <c:v>479536</c:v>
+                </c:pt>
+                <c:pt idx="88">
+                  <c:v>523219</c:v>
+                </c:pt>
+                <c:pt idx="89">
+                  <c:v>506270</c:v>
+                </c:pt>
+                <c:pt idx="90">
+                  <c:v>496587</c:v>
+                </c:pt>
+                <c:pt idx="91">
+                  <c:v>495779</c:v>
+                </c:pt>
+                <c:pt idx="92">
+                  <c:v>472802</c:v>
+                </c:pt>
+                <c:pt idx="93">
+                  <c:v>499814</c:v>
+                </c:pt>
+                <c:pt idx="94">
+                  <c:v>459895</c:v>
+                </c:pt>
+                <c:pt idx="95">
+                  <c:v>529387</c:v>
+                </c:pt>
+                <c:pt idx="96">
+                  <c:v>511931</c:v>
+                </c:pt>
+                <c:pt idx="97">
+                  <c:v>489306</c:v>
+                </c:pt>
+                <c:pt idx="98">
+                  <c:v>452751</c:v>
+                </c:pt>
+                <c:pt idx="99">
+                  <c:v>447081</c:v>
+                </c:pt>
+                <c:pt idx="100">
+                  <c:v>463543</c:v>
+                </c:pt>
+                <c:pt idx="101">
+                  <c:v>458072</c:v>
+                </c:pt>
+                <c:pt idx="102">
+                  <c:v>474945</c:v>
+                </c:pt>
+                <c:pt idx="103">
+                  <c:v>441732</c:v>
+                </c:pt>
+                <c:pt idx="104">
+                  <c:v>443850</c:v>
+                </c:pt>
+                <c:pt idx="105">
+                  <c:v>456387</c:v>
+                </c:pt>
+                <c:pt idx="106">
+                  <c:v>412841</c:v>
+                </c:pt>
+                <c:pt idx="107">
+                  <c:v>399552</c:v>
+                </c:pt>
+                <c:pt idx="108">
+                  <c:v>394634</c:v>
+                </c:pt>
+                <c:pt idx="109">
+                  <c:v>402428</c:v>
+                </c:pt>
+                <c:pt idx="110">
+                  <c:v>377827</c:v>
+                </c:pt>
+                <c:pt idx="111">
+                  <c:v>376136</c:v>
+                </c:pt>
+                <c:pt idx="112">
+                  <c:v>397741</c:v>
+                </c:pt>
+                <c:pt idx="113">
+                  <c:v>389804</c:v>
+                </c:pt>
+                <c:pt idx="114">
+                  <c:v>402884</c:v>
+                </c:pt>
+                <c:pt idx="115">
+                  <c:v>370609</c:v>
+                </c:pt>
+                <c:pt idx="116">
+                  <c:v>379427</c:v>
+                </c:pt>
+                <c:pt idx="117">
+                  <c:v>407377</c:v>
+                </c:pt>
+                <c:pt idx="118">
+                  <c:v>387228</c:v>
+                </c:pt>
+                <c:pt idx="119">
+                  <c:v>431909</c:v>
+                </c:pt>
+                <c:pt idx="120">
+                  <c:v>403814</c:v>
+                </c:pt>
+                <c:pt idx="121">
+                  <c:v>426845</c:v>
+                </c:pt>
+                <c:pt idx="122">
+                  <c:v>390791</c:v>
+                </c:pt>
+                <c:pt idx="123">
+                  <c:v>412483</c:v>
+                </c:pt>
+                <c:pt idx="124">
+                  <c:v>421456</c:v>
+                </c:pt>
+                <c:pt idx="125">
+                  <c:v>388078</c:v>
+                </c:pt>
+                <c:pt idx="126">
+                  <c:v>413152</c:v>
+                </c:pt>
+                <c:pt idx="127">
+                  <c:v>370436</c:v>
+                </c:pt>
+                <c:pt idx="128">
+                  <c:v>394463</c:v>
+                </c:pt>
+                <c:pt idx="129">
+                  <c:v>426555</c:v>
+                </c:pt>
+                <c:pt idx="130">
+                  <c:v>380329</c:v>
+                </c:pt>
+                <c:pt idx="131">
+                  <c:v>622609</c:v>
+                </c:pt>
+                <c:pt idx="132">
+                  <c:v>591956</c:v>
+                </c:pt>
+                <c:pt idx="133">
+                  <c:v>327549</c:v>
+                </c:pt>
+                <c:pt idx="134">
+                  <c:v>319024</c:v>
+                </c:pt>
+                <c:pt idx="135">
+                  <c:v>305942</c:v>
+                </c:pt>
+                <c:pt idx="136">
+                  <c:v>298360</c:v>
+                </c:pt>
+                <c:pt idx="137">
+                  <c:v>293743</c:v>
+                </c:pt>
+                <c:pt idx="138">
+                  <c:v>314684</c:v>
+                </c:pt>
+                <c:pt idx="139">
+                  <c:v>300081</c:v>
+                </c:pt>
+                <c:pt idx="140">
+                  <c:v>302094</c:v>
+                </c:pt>
+                <c:pt idx="141">
+                  <c:v>322291</c:v>
+                </c:pt>
+                <c:pt idx="142">
+                  <c:v>295452</c:v>
+                </c:pt>
+                <c:pt idx="143">
+                  <c:v>336003</c:v>
+                </c:pt>
+                <c:pt idx="144">
+                  <c:v>312999</c:v>
+                </c:pt>
+                <c:pt idx="145">
+                  <c:v>311986</c:v>
+                </c:pt>
+                <c:pt idx="146">
+                  <c:v>290608</c:v>
+                </c:pt>
+                <c:pt idx="147">
+                  <c:v>304543</c:v>
+                </c:pt>
+                <c:pt idx="148">
+                  <c:v>283213</c:v>
+                </c:pt>
+                <c:pt idx="149">
+                  <c:v>304356</c:v>
+                </c:pt>
+                <c:pt idx="150">
+                  <c:v>323821</c:v>
+                </c:pt>
+                <c:pt idx="151">
+                  <c:v>278354</c:v>
+                </c:pt>
+                <c:pt idx="152">
+                  <c:v>286695</c:v>
+                </c:pt>
+                <c:pt idx="153">
+                  <c:v>316952</c:v>
+                </c:pt>
+                <c:pt idx="154">
+                  <c:v>278675</c:v>
+                </c:pt>
+                <c:pt idx="155">
+                  <c:v>386833</c:v>
+                </c:pt>
+                <c:pt idx="156">
+                  <c:v>416572</c:v>
+                </c:pt>
+                <c:pt idx="157">
+                  <c:v>316633</c:v>
+                </c:pt>
+                <c:pt idx="158">
+                  <c:v>309347</c:v>
+                </c:pt>
+                <c:pt idx="159">
+                  <c:v>328414</c:v>
+                </c:pt>
+                <c:pt idx="160">
+                  <c:v>326744</c:v>
+                </c:pt>
+                <c:pt idx="161">
+                  <c:v>11083</c:v>
+                </c:pt>
+              </c:numCache>
+            </c:numRef>
+          </c:val>
+          <c:smooth val="0"/>
+        </c:ser>
+        <c:dLbls>
+          <c:showLegendKey val="0"/>
+          <c:showVal val="0"/>
+          <c:showCatName val="0"/>
+          <c:showSerName val="0"/>
+          <c:showPercent val="0"/>
+          <c:showBubbleSize val="0"/>
+        </c:dLbls>
+        <c:smooth val="0"/>
+        <c:axId val="181887136"/>
+        <c:axId val="367512512"/>
+      </c:lineChart>
+      <c:dateAx>
+        <c:axId val="181887136"/>
+        <c:scaling>
+          <c:orientation val="minMax"/>
+        </c:scaling>
+        <c:delete val="0"/>
+        <c:axPos val="b"/>
+        <c:numFmt formatCode="mmm\-yy" sourceLinked="1"/>
+        <c:majorTickMark val="out"/>
+        <c:minorTickMark val="none"/>
+        <c:tickLblPos val="nextTo"/>
+        <c:spPr>
+          <a:noFill/>
+          <a:ln w="9525" cap="flat" cmpd="sng" algn="ctr">
+            <a:solidFill>
+              <a:schemeClr val="tx1">
+                <a:lumMod val="15000"/>
+                <a:lumOff val="85000"/>
+              </a:schemeClr>
+            </a:solidFill>
+            <a:round/>
+          </a:ln>
+          <a:effectLst/>
+        </c:spPr>
+        <c:txPr>
+          <a:bodyPr rot="-60000000" spcFirstLastPara="1" vertOverflow="ellipsis" vert="horz" wrap="square" anchor="ctr" anchorCtr="1"/>
+          <a:lstStyle/>
+          <a:p>
+            <a:pPr>
+              <a:defRPr sz="900" b="0" i="0" u="none" strike="noStrike" kern="1200" baseline="0">
+                <a:solidFill>
+                  <a:schemeClr val="tx1">
+                    <a:lumMod val="65000"/>
+                    <a:lumOff val="35000"/>
+                  </a:schemeClr>
+                </a:solidFill>
+                <a:latin typeface="+mn-lt"/>
+                <a:ea typeface="+mn-ea"/>
+                <a:cs typeface="+mn-cs"/>
+              </a:defRPr>
+            </a:pPr>
+            <a:endParaRPr lang="ja-JP"/>
+          </a:p>
+        </c:txPr>
+        <c:crossAx val="367512512"/>
+        <c:crosses val="autoZero"/>
+        <c:auto val="1"/>
+        <c:lblOffset val="100"/>
+        <c:baseTimeUnit val="months"/>
+      </c:dateAx>
+      <c:valAx>
+        <c:axId val="367512512"/>
+        <c:scaling>
+          <c:orientation val="minMax"/>
+        </c:scaling>
+        <c:delete val="0"/>
+        <c:axPos val="l"/>
+        <c:majorGridlines>
+          <c:spPr>
+            <a:ln w="9525" cap="flat" cmpd="sng" algn="ctr">
+              <a:solidFill>
+                <a:schemeClr val="tx1">
+                  <a:lumMod val="15000"/>
+                  <a:lumOff val="85000"/>
+                </a:schemeClr>
+              </a:solidFill>
+              <a:round/>
+            </a:ln>
+            <a:effectLst/>
+          </c:spPr>
+        </c:majorGridlines>
+        <c:numFmt formatCode="General" sourceLinked="1"/>
+        <c:majorTickMark val="none"/>
+        <c:minorTickMark val="none"/>
+        <c:tickLblPos val="nextTo"/>
+        <c:spPr>
+          <a:noFill/>
+          <a:ln>
+            <a:noFill/>
+          </a:ln>
+          <a:effectLst/>
+        </c:spPr>
+        <c:txPr>
+          <a:bodyPr rot="-60000000" spcFirstLastPara="1" vertOverflow="ellipsis" vert="horz" wrap="square" anchor="ctr" anchorCtr="1"/>
+          <a:lstStyle/>
+          <a:p>
+            <a:pPr>
+              <a:defRPr sz="900" b="0" i="0" u="none" strike="noStrike" kern="1200" baseline="0">
+                <a:solidFill>
+                  <a:schemeClr val="tx1">
+                    <a:lumMod val="65000"/>
+                    <a:lumOff val="35000"/>
+                  </a:schemeClr>
+                </a:solidFill>
+                <a:latin typeface="+mn-lt"/>
+                <a:ea typeface="+mn-ea"/>
+                <a:cs typeface="+mn-cs"/>
+              </a:defRPr>
+            </a:pPr>
+            <a:endParaRPr lang="ja-JP"/>
+          </a:p>
+        </c:txPr>
+        <c:crossAx val="181887136"/>
+        <c:crosses val="autoZero"/>
+        <c:crossBetween val="between"/>
+      </c:valAx>
+      <c:spPr>
+        <a:noFill/>
+        <a:ln>
+          <a:noFill/>
+        </a:ln>
+        <a:effectLst/>
+      </c:spPr>
+    </c:plotArea>
+    <c:plotVisOnly val="1"/>
+    <c:dispBlanksAs val="gap"/>
+    <c:showDLblsOverMax val="0"/>
+  </c:chart>
+  <c:spPr>
+    <a:noFill/>
+    <a:ln>
+      <a:solidFill>
+        <a:schemeClr val="tx1"/>
+      </a:solidFill>
+    </a:ln>
+    <a:effectLst/>
+  </c:spPr>
+  <c:txPr>
+    <a:bodyPr/>
+    <a:lstStyle/>
+    <a:p>
+      <a:pPr>
+        <a:defRPr/>
+      </a:pPr>
+      <a:endParaRPr lang="ja-JP"/>
+    </a:p>
+  </c:txPr>
+  <c:externalData r:id="rId3">
+    <c:autoUpdate val="0"/>
+  </c:externalData>
+</c:chartSpace>
+</file>
+
+<file path=ppt/charts/chart2.xml><?xml version="1.0" encoding="utf-8"?>
+<c:chartSpace xmlns:c="http://schemas.openxmlformats.org/drawingml/2006/chart" xmlns:a="http://schemas.openxmlformats.org/drawingml/2006/main" xmlns:r="http://schemas.openxmlformats.org/officeDocument/2006/relationships">
+  <c:date1904 val="0"/>
+  <c:lang val="ja-JP"/>
+  <c:roundedCorners val="0"/>
+  <mc:AlternateContent xmlns:mc="http://schemas.openxmlformats.org/markup-compatibility/2006">
+    <mc:Choice xmlns:c14="http://schemas.microsoft.com/office/drawing/2007/8/2/chart" Requires="c14">
+      <c14:style val="102"/>
+    </mc:Choice>
+    <mc:Fallback>
+      <c:style val="2"/>
+    </mc:Fallback>
+  </mc:AlternateContent>
+  <c:chart>
+    <c:autoTitleDeleted val="1"/>
+    <c:plotArea>
+      <c:layout/>
+      <c:lineChart>
+        <c:grouping val="standard"/>
+        <c:varyColors val="0"/>
+        <c:ser>
+          <c:idx val="0"/>
+          <c:order val="0"/>
+          <c:spPr>
+            <a:ln w="28575" cap="rnd">
+              <a:solidFill>
+                <a:srgbClr val="FF6600"/>
+              </a:solidFill>
+              <a:round/>
+            </a:ln>
+            <a:effectLst/>
+          </c:spPr>
+          <c:marker>
+            <c:symbol val="none"/>
+          </c:marker>
+          <c:cat>
+            <c:numRef>
+              <c:f>Sheet1!$D$10:$D$163</c:f>
+              <c:numCache>
+                <c:formatCode>mmm\-yy</c:formatCode>
+                <c:ptCount val="154"/>
+                <c:pt idx="0">
+                  <c:v>37591</c:v>
+                </c:pt>
+                <c:pt idx="1">
+                  <c:v>37622</c:v>
+                </c:pt>
+                <c:pt idx="2">
+                  <c:v>37653</c:v>
+                </c:pt>
+                <c:pt idx="3">
+                  <c:v>37681</c:v>
+                </c:pt>
+                <c:pt idx="4">
+                  <c:v>37712</c:v>
+                </c:pt>
+                <c:pt idx="5">
+                  <c:v>37742</c:v>
+                </c:pt>
+                <c:pt idx="6">
+                  <c:v>37773</c:v>
+                </c:pt>
+                <c:pt idx="7">
+                  <c:v>37803</c:v>
+                </c:pt>
+                <c:pt idx="8">
+                  <c:v>37834</c:v>
+                </c:pt>
+                <c:pt idx="9">
+                  <c:v>37865</c:v>
+                </c:pt>
+                <c:pt idx="10">
+                  <c:v>37895</c:v>
+                </c:pt>
+                <c:pt idx="11">
+                  <c:v>37926</c:v>
+                </c:pt>
+                <c:pt idx="12">
+                  <c:v>37956</c:v>
+                </c:pt>
+                <c:pt idx="13">
+                  <c:v>37987</c:v>
+                </c:pt>
+                <c:pt idx="14">
+                  <c:v>38018</c:v>
+                </c:pt>
+                <c:pt idx="15">
+                  <c:v>38047</c:v>
+                </c:pt>
+                <c:pt idx="16">
+                  <c:v>38078</c:v>
+                </c:pt>
+                <c:pt idx="17">
+                  <c:v>38108</c:v>
+                </c:pt>
+                <c:pt idx="18">
+                  <c:v>38139</c:v>
+                </c:pt>
+                <c:pt idx="19">
+                  <c:v>38169</c:v>
+                </c:pt>
+                <c:pt idx="20">
+                  <c:v>38200</c:v>
+                </c:pt>
+                <c:pt idx="21">
+                  <c:v>38231</c:v>
+                </c:pt>
+                <c:pt idx="22">
+                  <c:v>38261</c:v>
+                </c:pt>
+                <c:pt idx="23">
+                  <c:v>38292</c:v>
+                </c:pt>
+                <c:pt idx="24">
+                  <c:v>38322</c:v>
+                </c:pt>
+                <c:pt idx="25">
+                  <c:v>38353</c:v>
+                </c:pt>
+                <c:pt idx="26">
+                  <c:v>38384</c:v>
+                </c:pt>
+                <c:pt idx="27">
+                  <c:v>38412</c:v>
+                </c:pt>
+                <c:pt idx="28">
+                  <c:v>38443</c:v>
+                </c:pt>
+                <c:pt idx="29">
+                  <c:v>38473</c:v>
+                </c:pt>
+                <c:pt idx="30">
+                  <c:v>38504</c:v>
+                </c:pt>
+                <c:pt idx="31">
+                  <c:v>38534</c:v>
+                </c:pt>
+                <c:pt idx="32">
+                  <c:v>38565</c:v>
+                </c:pt>
+                <c:pt idx="33">
+                  <c:v>38596</c:v>
+                </c:pt>
+                <c:pt idx="34">
+                  <c:v>38626</c:v>
+                </c:pt>
+                <c:pt idx="35">
+                  <c:v>38657</c:v>
+                </c:pt>
+                <c:pt idx="36">
+                  <c:v>38687</c:v>
+                </c:pt>
+                <c:pt idx="37">
+                  <c:v>38718</c:v>
+                </c:pt>
+                <c:pt idx="38">
+                  <c:v>38749</c:v>
+                </c:pt>
+                <c:pt idx="39">
+                  <c:v>38777</c:v>
+                </c:pt>
+                <c:pt idx="40">
+                  <c:v>38808</c:v>
+                </c:pt>
+                <c:pt idx="41">
+                  <c:v>38838</c:v>
+                </c:pt>
+                <c:pt idx="42">
+                  <c:v>38869</c:v>
+                </c:pt>
+                <c:pt idx="43">
+                  <c:v>38899</c:v>
+                </c:pt>
+                <c:pt idx="44">
+                  <c:v>38930</c:v>
+                </c:pt>
+                <c:pt idx="45">
+                  <c:v>38961</c:v>
+                </c:pt>
+                <c:pt idx="46">
+                  <c:v>38991</c:v>
+                </c:pt>
+                <c:pt idx="47">
+                  <c:v>39022</c:v>
+                </c:pt>
+                <c:pt idx="48">
+                  <c:v>39052</c:v>
+                </c:pt>
+                <c:pt idx="49">
+                  <c:v>39083</c:v>
+                </c:pt>
+                <c:pt idx="50">
+                  <c:v>39114</c:v>
+                </c:pt>
+                <c:pt idx="51">
+                  <c:v>39142</c:v>
+                </c:pt>
+                <c:pt idx="52">
+                  <c:v>39173</c:v>
+                </c:pt>
+                <c:pt idx="53">
+                  <c:v>39203</c:v>
+                </c:pt>
+                <c:pt idx="54">
+                  <c:v>39234</c:v>
+                </c:pt>
+                <c:pt idx="55">
+                  <c:v>39264</c:v>
+                </c:pt>
+                <c:pt idx="56">
+                  <c:v>39295</c:v>
+                </c:pt>
+                <c:pt idx="57">
+                  <c:v>39326</c:v>
+                </c:pt>
+                <c:pt idx="58">
+                  <c:v>39356</c:v>
+                </c:pt>
+                <c:pt idx="59">
+                  <c:v>39387</c:v>
+                </c:pt>
+                <c:pt idx="60">
+                  <c:v>39417</c:v>
+                </c:pt>
+                <c:pt idx="61">
+                  <c:v>39448</c:v>
+                </c:pt>
+                <c:pt idx="62">
+                  <c:v>39479</c:v>
+                </c:pt>
+                <c:pt idx="63">
+                  <c:v>39508</c:v>
+                </c:pt>
+                <c:pt idx="64">
+                  <c:v>39539</c:v>
+                </c:pt>
+                <c:pt idx="65">
+                  <c:v>39569</c:v>
+                </c:pt>
+                <c:pt idx="66">
+                  <c:v>39600</c:v>
+                </c:pt>
+                <c:pt idx="67">
+                  <c:v>39630</c:v>
+                </c:pt>
+                <c:pt idx="68">
+                  <c:v>39661</c:v>
+                </c:pt>
+                <c:pt idx="69">
+                  <c:v>39692</c:v>
+                </c:pt>
+                <c:pt idx="70">
+                  <c:v>39722</c:v>
+                </c:pt>
+                <c:pt idx="71">
+                  <c:v>39753</c:v>
+                </c:pt>
+                <c:pt idx="72">
+                  <c:v>39783</c:v>
+                </c:pt>
+                <c:pt idx="73">
+                  <c:v>39814</c:v>
+                </c:pt>
+                <c:pt idx="74">
+                  <c:v>39845</c:v>
+                </c:pt>
+                <c:pt idx="75">
+                  <c:v>39873</c:v>
+                </c:pt>
+                <c:pt idx="76">
+                  <c:v>39904</c:v>
+                </c:pt>
+                <c:pt idx="77">
+                  <c:v>39934</c:v>
+                </c:pt>
+                <c:pt idx="78">
+                  <c:v>39965</c:v>
+                </c:pt>
+                <c:pt idx="79">
+                  <c:v>39995</c:v>
+                </c:pt>
+                <c:pt idx="80">
+                  <c:v>40026</c:v>
+                </c:pt>
+                <c:pt idx="81">
+                  <c:v>40057</c:v>
+                </c:pt>
+                <c:pt idx="82">
+                  <c:v>40087</c:v>
+                </c:pt>
+                <c:pt idx="83">
+                  <c:v>40118</c:v>
+                </c:pt>
+                <c:pt idx="84">
+                  <c:v>40148</c:v>
+                </c:pt>
+                <c:pt idx="85">
+                  <c:v>40179</c:v>
+                </c:pt>
+                <c:pt idx="86">
+                  <c:v>40210</c:v>
+                </c:pt>
+                <c:pt idx="87">
+                  <c:v>40238</c:v>
+                </c:pt>
+                <c:pt idx="88">
+                  <c:v>40269</c:v>
+                </c:pt>
+                <c:pt idx="89">
+                  <c:v>40299</c:v>
+                </c:pt>
+                <c:pt idx="90">
+                  <c:v>40330</c:v>
+                </c:pt>
+                <c:pt idx="91">
+                  <c:v>40360</c:v>
+                </c:pt>
+                <c:pt idx="92">
+                  <c:v>40391</c:v>
+                </c:pt>
+                <c:pt idx="93">
+                  <c:v>40422</c:v>
+                </c:pt>
+                <c:pt idx="94">
+                  <c:v>40452</c:v>
+                </c:pt>
+                <c:pt idx="95">
+                  <c:v>40483</c:v>
+                </c:pt>
+                <c:pt idx="96">
+                  <c:v>40513</c:v>
+                </c:pt>
+                <c:pt idx="97">
+                  <c:v>40544</c:v>
+                </c:pt>
+                <c:pt idx="98">
+                  <c:v>40575</c:v>
+                </c:pt>
+                <c:pt idx="99">
+                  <c:v>40603</c:v>
+                </c:pt>
+                <c:pt idx="100">
+                  <c:v>40634</c:v>
+                </c:pt>
+                <c:pt idx="101">
+                  <c:v>40664</c:v>
+                </c:pt>
+                <c:pt idx="102">
+                  <c:v>40695</c:v>
+                </c:pt>
+                <c:pt idx="103">
+                  <c:v>40725</c:v>
+                </c:pt>
+                <c:pt idx="104">
+                  <c:v>40756</c:v>
+                </c:pt>
+                <c:pt idx="105">
+                  <c:v>40787</c:v>
+                </c:pt>
+                <c:pt idx="106">
+                  <c:v>40817</c:v>
+                </c:pt>
+                <c:pt idx="107">
+                  <c:v>40848</c:v>
+                </c:pt>
+                <c:pt idx="108">
+                  <c:v>40878</c:v>
+                </c:pt>
+                <c:pt idx="109">
+                  <c:v>40909</c:v>
+                </c:pt>
+                <c:pt idx="110">
+                  <c:v>40940</c:v>
+                </c:pt>
+                <c:pt idx="111">
+                  <c:v>40969</c:v>
+                </c:pt>
+                <c:pt idx="112">
+                  <c:v>41000</c:v>
+                </c:pt>
+                <c:pt idx="113">
+                  <c:v>41030</c:v>
+                </c:pt>
+                <c:pt idx="114">
+                  <c:v>41061</c:v>
+                </c:pt>
+                <c:pt idx="115">
+                  <c:v>41091</c:v>
+                </c:pt>
+                <c:pt idx="116">
+                  <c:v>41122</c:v>
+                </c:pt>
+                <c:pt idx="117">
+                  <c:v>41153</c:v>
+                </c:pt>
+                <c:pt idx="118">
+                  <c:v>41183</c:v>
+                </c:pt>
+                <c:pt idx="119">
+                  <c:v>41214</c:v>
+                </c:pt>
+                <c:pt idx="120">
+                  <c:v>41244</c:v>
+                </c:pt>
+                <c:pt idx="121">
+                  <c:v>41275</c:v>
+                </c:pt>
+                <c:pt idx="122">
+                  <c:v>41306</c:v>
+                </c:pt>
+                <c:pt idx="123">
+                  <c:v>41334</c:v>
+                </c:pt>
+                <c:pt idx="124">
+                  <c:v>41365</c:v>
+                </c:pt>
+                <c:pt idx="125">
+                  <c:v>41395</c:v>
+                </c:pt>
+                <c:pt idx="126">
+                  <c:v>41426</c:v>
+                </c:pt>
+                <c:pt idx="127">
+                  <c:v>41456</c:v>
+                </c:pt>
+                <c:pt idx="128">
+                  <c:v>41487</c:v>
+                </c:pt>
+                <c:pt idx="129">
+                  <c:v>41518</c:v>
+                </c:pt>
+                <c:pt idx="130">
+                  <c:v>41548</c:v>
+                </c:pt>
+                <c:pt idx="131">
+                  <c:v>41579</c:v>
+                </c:pt>
+                <c:pt idx="132">
+                  <c:v>41609</c:v>
+                </c:pt>
+                <c:pt idx="133">
+                  <c:v>41640</c:v>
+                </c:pt>
+                <c:pt idx="134">
+                  <c:v>41671</c:v>
+                </c:pt>
+                <c:pt idx="135">
+                  <c:v>41699</c:v>
+                </c:pt>
+                <c:pt idx="136">
+                  <c:v>41730</c:v>
+                </c:pt>
+                <c:pt idx="137">
+                  <c:v>41760</c:v>
+                </c:pt>
+                <c:pt idx="138">
+                  <c:v>41791</c:v>
+                </c:pt>
+                <c:pt idx="139">
+                  <c:v>41821</c:v>
+                </c:pt>
+                <c:pt idx="140">
+                  <c:v>41852</c:v>
+                </c:pt>
+                <c:pt idx="141">
+                  <c:v>41883</c:v>
+                </c:pt>
+                <c:pt idx="142">
+                  <c:v>41913</c:v>
+                </c:pt>
+                <c:pt idx="143">
+                  <c:v>41944</c:v>
+                </c:pt>
+                <c:pt idx="144">
+                  <c:v>41974</c:v>
+                </c:pt>
+                <c:pt idx="145">
+                  <c:v>42005</c:v>
+                </c:pt>
+                <c:pt idx="146">
+                  <c:v>42036</c:v>
+                </c:pt>
+                <c:pt idx="147">
+                  <c:v>42064</c:v>
+                </c:pt>
+                <c:pt idx="148">
+                  <c:v>42095</c:v>
+                </c:pt>
+                <c:pt idx="149">
+                  <c:v>42125</c:v>
+                </c:pt>
+                <c:pt idx="150">
+                  <c:v>42156</c:v>
+                </c:pt>
+                <c:pt idx="151">
+                  <c:v>42186</c:v>
+                </c:pt>
+                <c:pt idx="152">
+                  <c:v>42217</c:v>
+                </c:pt>
+                <c:pt idx="153">
+                  <c:v>42248</c:v>
+                </c:pt>
+              </c:numCache>
+            </c:numRef>
+          </c:cat>
+          <c:val>
+            <c:numRef>
+              <c:f>Sheet1!$E$10:$E$163</c:f>
+              <c:numCache>
+                <c:formatCode>General</c:formatCode>
+                <c:ptCount val="154"/>
+                <c:pt idx="0">
+                  <c:v>29</c:v>
+                </c:pt>
+                <c:pt idx="1">
+                  <c:v>6</c:v>
+                </c:pt>
+                <c:pt idx="2">
+                  <c:v>251</c:v>
+                </c:pt>
+                <c:pt idx="3">
+                  <c:v>370</c:v>
+                </c:pt>
+                <c:pt idx="4">
+                  <c:v>245</c:v>
+                </c:pt>
+                <c:pt idx="5">
+                  <c:v>282</c:v>
+                </c:pt>
+                <c:pt idx="6">
+                  <c:v>305</c:v>
+                </c:pt>
+                <c:pt idx="7">
+                  <c:v>165</c:v>
+                </c:pt>
+                <c:pt idx="8">
+                  <c:v>311</c:v>
+                </c:pt>
+                <c:pt idx="9">
+                  <c:v>298</c:v>
+                </c:pt>
+                <c:pt idx="10">
+                  <c:v>384</c:v>
+                </c:pt>
+                <c:pt idx="11">
+                  <c:v>434</c:v>
+                </c:pt>
+                <c:pt idx="12">
+                  <c:v>416</c:v>
+                </c:pt>
+                <c:pt idx="13">
+                  <c:v>312</c:v>
+                </c:pt>
+                <c:pt idx="14">
+                  <c:v>451</c:v>
+                </c:pt>
+                <c:pt idx="15">
+                  <c:v>317</c:v>
+                </c:pt>
+                <c:pt idx="16">
+                  <c:v>240</c:v>
+                </c:pt>
+                <c:pt idx="17">
+                  <c:v>293</c:v>
+                </c:pt>
+                <c:pt idx="18">
+                  <c:v>451</c:v>
+                </c:pt>
+                <c:pt idx="19">
+                  <c:v>287</c:v>
+                </c:pt>
+                <c:pt idx="20">
+                  <c:v>248</c:v>
+                </c:pt>
+                <c:pt idx="21">
+                  <c:v>610</c:v>
+                </c:pt>
+                <c:pt idx="22">
+                  <c:v>420</c:v>
+                </c:pt>
+                <c:pt idx="23">
+                  <c:v>380</c:v>
+                </c:pt>
+                <c:pt idx="24">
+                  <c:v>312</c:v>
+                </c:pt>
+                <c:pt idx="25">
+                  <c:v>235</c:v>
+                </c:pt>
+                <c:pt idx="26">
+                  <c:v>342</c:v>
+                </c:pt>
+                <c:pt idx="27">
+                  <c:v>351</c:v>
+                </c:pt>
+                <c:pt idx="28">
+                  <c:v>241</c:v>
+                </c:pt>
+                <c:pt idx="29">
+                  <c:v>290</c:v>
+                </c:pt>
+                <c:pt idx="30">
+                  <c:v>251</c:v>
+                </c:pt>
+                <c:pt idx="31">
+                  <c:v>308</c:v>
+                </c:pt>
+                <c:pt idx="32">
+                  <c:v>296</c:v>
+                </c:pt>
+                <c:pt idx="33">
+                  <c:v>274</c:v>
+                </c:pt>
+                <c:pt idx="34">
+                  <c:v>220</c:v>
+                </c:pt>
+                <c:pt idx="35">
+                  <c:v>154</c:v>
+                </c:pt>
+                <c:pt idx="36">
+                  <c:v>287</c:v>
+                </c:pt>
+                <c:pt idx="37">
+                  <c:v>333</c:v>
+                </c:pt>
+                <c:pt idx="38">
+                  <c:v>351</c:v>
+                </c:pt>
+                <c:pt idx="39">
+                  <c:v>247</c:v>
+                </c:pt>
+                <c:pt idx="40">
+                  <c:v>178</c:v>
+                </c:pt>
+                <c:pt idx="41">
+                  <c:v>243</c:v>
+                </c:pt>
+                <c:pt idx="42">
+                  <c:v>236</c:v>
+                </c:pt>
+                <c:pt idx="43">
+                  <c:v>211</c:v>
+                </c:pt>
+                <c:pt idx="44">
+                  <c:v>191</c:v>
+                </c:pt>
+                <c:pt idx="45">
+                  <c:v>233</c:v>
+                </c:pt>
+                <c:pt idx="46">
+                  <c:v>229</c:v>
+                </c:pt>
+                <c:pt idx="47">
+                  <c:v>273</c:v>
+                </c:pt>
+                <c:pt idx="48">
+                  <c:v>227</c:v>
+                </c:pt>
+                <c:pt idx="49">
+                  <c:v>251</c:v>
+                </c:pt>
+                <c:pt idx="50">
+                  <c:v>192</c:v>
+                </c:pt>
+                <c:pt idx="51">
+                  <c:v>166</c:v>
+                </c:pt>
+                <c:pt idx="52">
+                  <c:v>222</c:v>
+                </c:pt>
+                <c:pt idx="53">
+                  <c:v>194</c:v>
+                </c:pt>
+                <c:pt idx="54">
+                  <c:v>190</c:v>
+                </c:pt>
+                <c:pt idx="55">
+                  <c:v>146</c:v>
+                </c:pt>
+                <c:pt idx="56">
+                  <c:v>154</c:v>
+                </c:pt>
+                <c:pt idx="57">
+                  <c:v>225</c:v>
+                </c:pt>
+                <c:pt idx="58">
+                  <c:v>263</c:v>
+                </c:pt>
+                <c:pt idx="59">
+                  <c:v>187</c:v>
+                </c:pt>
+                <c:pt idx="60">
+                  <c:v>225</c:v>
+                </c:pt>
+                <c:pt idx="61">
+                  <c:v>290</c:v>
+                </c:pt>
+                <c:pt idx="62">
+                  <c:v>205</c:v>
+                </c:pt>
+                <c:pt idx="63">
+                  <c:v>116</c:v>
+                </c:pt>
+                <c:pt idx="64">
+                  <c:v>109</c:v>
+                </c:pt>
+                <c:pt idx="65">
+                  <c:v>111</c:v>
+                </c:pt>
+                <c:pt idx="66">
+                  <c:v>104</c:v>
+                </c:pt>
+                <c:pt idx="67">
+                  <c:v>97</c:v>
+                </c:pt>
+                <c:pt idx="68">
+                  <c:v>156</c:v>
+                </c:pt>
+                <c:pt idx="69">
+                  <c:v>127</c:v>
+                </c:pt>
+                <c:pt idx="70">
+                  <c:v>187</c:v>
+                </c:pt>
+                <c:pt idx="71">
+                  <c:v>122</c:v>
+                </c:pt>
+                <c:pt idx="72">
+                  <c:v>128</c:v>
+                </c:pt>
+                <c:pt idx="73">
+                  <c:v>138</c:v>
+                </c:pt>
+                <c:pt idx="74">
+                  <c:v>139</c:v>
+                </c:pt>
+                <c:pt idx="75">
+                  <c:v>109</c:v>
+                </c:pt>
+                <c:pt idx="76">
+                  <c:v>114</c:v>
+                </c:pt>
+                <c:pt idx="77">
+                  <c:v>96</c:v>
+                </c:pt>
+                <c:pt idx="78">
+                  <c:v>112</c:v>
+                </c:pt>
+                <c:pt idx="79">
+                  <c:v>156</c:v>
+                </c:pt>
+                <c:pt idx="80">
+                  <c:v>160</c:v>
+                </c:pt>
+                <c:pt idx="81">
+                  <c:v>115</c:v>
+                </c:pt>
+                <c:pt idx="82">
+                  <c:v>153</c:v>
+                </c:pt>
+                <c:pt idx="83">
+                  <c:v>122</c:v>
+                </c:pt>
+                <c:pt idx="84">
+                  <c:v>238</c:v>
+                </c:pt>
+                <c:pt idx="85">
+                  <c:v>170</c:v>
+                </c:pt>
+                <c:pt idx="86">
+                  <c:v>199</c:v>
+                </c:pt>
+                <c:pt idx="87">
+                  <c:v>164</c:v>
+                </c:pt>
+                <c:pt idx="88">
+                  <c:v>159</c:v>
+                </c:pt>
+                <c:pt idx="89">
+                  <c:v>246</c:v>
+                </c:pt>
+                <c:pt idx="90">
+                  <c:v>237</c:v>
+                </c:pt>
+                <c:pt idx="91">
+                  <c:v>254</c:v>
+                </c:pt>
+                <c:pt idx="92">
+                  <c:v>339</c:v>
+                </c:pt>
+                <c:pt idx="93">
+                  <c:v>433</c:v>
+                </c:pt>
+                <c:pt idx="94">
+                  <c:v>176</c:v>
+                </c:pt>
+                <c:pt idx="95">
+                  <c:v>221</c:v>
+                </c:pt>
+                <c:pt idx="96">
+                  <c:v>241</c:v>
+                </c:pt>
+                <c:pt idx="97">
+                  <c:v>238</c:v>
+                </c:pt>
+                <c:pt idx="98">
+                  <c:v>260</c:v>
+                </c:pt>
+                <c:pt idx="99">
+                  <c:v>141</c:v>
+                </c:pt>
+                <c:pt idx="100">
+                  <c:v>175</c:v>
+                </c:pt>
+                <c:pt idx="101">
+                  <c:v>200</c:v>
+                </c:pt>
+                <c:pt idx="102">
+                  <c:v>194</c:v>
+                </c:pt>
+                <c:pt idx="103">
+                  <c:v>151</c:v>
+                </c:pt>
+                <c:pt idx="104">
+                  <c:v>158</c:v>
+                </c:pt>
+                <c:pt idx="105">
+                  <c:v>151</c:v>
+                </c:pt>
+                <c:pt idx="106">
+                  <c:v>160</c:v>
+                </c:pt>
+                <c:pt idx="107">
+                  <c:v>161</c:v>
+                </c:pt>
+                <c:pt idx="108">
+                  <c:v>167</c:v>
+                </c:pt>
+                <c:pt idx="109">
+                  <c:v>103</c:v>
+                </c:pt>
+                <c:pt idx="110">
+                  <c:v>134</c:v>
+                </c:pt>
+                <c:pt idx="111">
+                  <c:v>88</c:v>
+                </c:pt>
+                <c:pt idx="112">
+                  <c:v>79</c:v>
+                </c:pt>
+                <c:pt idx="113">
+                  <c:v>86</c:v>
+                </c:pt>
+                <c:pt idx="114">
+                  <c:v>109</c:v>
+                </c:pt>
+                <c:pt idx="115">
+                  <c:v>98</c:v>
+                </c:pt>
+                <c:pt idx="116">
+                  <c:v>85</c:v>
+                </c:pt>
+                <c:pt idx="117">
+                  <c:v>78</c:v>
+                </c:pt>
+                <c:pt idx="118">
+                  <c:v>108</c:v>
+                </c:pt>
+                <c:pt idx="119">
+                  <c:v>100</c:v>
+                </c:pt>
+                <c:pt idx="120">
+                  <c:v>95</c:v>
+                </c:pt>
+                <c:pt idx="121">
+                  <c:v>104</c:v>
+                </c:pt>
+                <c:pt idx="122">
+                  <c:v>92</c:v>
+                </c:pt>
+                <c:pt idx="123">
+                  <c:v>100</c:v>
+                </c:pt>
+                <c:pt idx="124">
+                  <c:v>90</c:v>
+                </c:pt>
+                <c:pt idx="125">
+                  <c:v>105</c:v>
+                </c:pt>
+                <c:pt idx="126">
+                  <c:v>59</c:v>
+                </c:pt>
+                <c:pt idx="127">
+                  <c:v>93</c:v>
+                </c:pt>
+                <c:pt idx="128">
+                  <c:v>55</c:v>
+                </c:pt>
+                <c:pt idx="129">
+                  <c:v>88</c:v>
+                </c:pt>
+                <c:pt idx="130">
+                  <c:v>60</c:v>
+                </c:pt>
+                <c:pt idx="131">
+                  <c:v>62</c:v>
+                </c:pt>
+                <c:pt idx="132">
+                  <c:v>86</c:v>
+                </c:pt>
+                <c:pt idx="133">
+                  <c:v>86</c:v>
+                </c:pt>
+                <c:pt idx="134">
+                  <c:v>191</c:v>
+                </c:pt>
+                <c:pt idx="135">
+                  <c:v>78</c:v>
+                </c:pt>
+                <c:pt idx="136">
+                  <c:v>87</c:v>
+                </c:pt>
+                <c:pt idx="137">
+                  <c:v>68</c:v>
+                </c:pt>
+                <c:pt idx="138">
+                  <c:v>70</c:v>
+                </c:pt>
+                <c:pt idx="139">
+                  <c:v>54</c:v>
+                </c:pt>
+                <c:pt idx="140">
+                  <c:v>73</c:v>
+                </c:pt>
+                <c:pt idx="141">
+                  <c:v>46</c:v>
+                </c:pt>
+                <c:pt idx="142">
+                  <c:v>57</c:v>
+                </c:pt>
+                <c:pt idx="143">
+                  <c:v>97</c:v>
+                </c:pt>
+                <c:pt idx="144">
+                  <c:v>76</c:v>
+                </c:pt>
+                <c:pt idx="145">
+                  <c:v>86</c:v>
+                </c:pt>
+                <c:pt idx="146">
+                  <c:v>54</c:v>
+                </c:pt>
+                <c:pt idx="147">
+                  <c:v>79</c:v>
+                </c:pt>
+                <c:pt idx="148">
+                  <c:v>227</c:v>
+                </c:pt>
+                <c:pt idx="149">
+                  <c:v>50</c:v>
+                </c:pt>
+                <c:pt idx="150">
+                  <c:v>46</c:v>
+                </c:pt>
+                <c:pt idx="151">
+                  <c:v>59</c:v>
+                </c:pt>
+                <c:pt idx="152">
+                  <c:v>72</c:v>
+                </c:pt>
+                <c:pt idx="153">
+                  <c:v>2</c:v>
+                </c:pt>
+              </c:numCache>
+            </c:numRef>
+          </c:val>
+          <c:smooth val="0"/>
+        </c:ser>
+        <c:dLbls>
+          <c:showLegendKey val="0"/>
+          <c:showVal val="0"/>
+          <c:showCatName val="0"/>
+          <c:showSerName val="0"/>
+          <c:showPercent val="0"/>
+          <c:showBubbleSize val="0"/>
+        </c:dLbls>
+        <c:smooth val="0"/>
+        <c:axId val="374381104"/>
+        <c:axId val="374381664"/>
+      </c:lineChart>
+      <c:dateAx>
+        <c:axId val="374381104"/>
+        <c:scaling>
+          <c:orientation val="minMax"/>
+        </c:scaling>
+        <c:delete val="0"/>
+        <c:axPos val="b"/>
+        <c:numFmt formatCode="mmm\-yy" sourceLinked="1"/>
+        <c:majorTickMark val="out"/>
+        <c:minorTickMark val="none"/>
+        <c:tickLblPos val="nextTo"/>
+        <c:spPr>
+          <a:noFill/>
+          <a:ln w="9525" cap="flat" cmpd="sng" algn="ctr">
+            <a:solidFill>
+              <a:schemeClr val="tx1">
+                <a:lumMod val="15000"/>
+                <a:lumOff val="85000"/>
+              </a:schemeClr>
+            </a:solidFill>
+            <a:round/>
+          </a:ln>
+          <a:effectLst/>
+        </c:spPr>
+        <c:txPr>
+          <a:bodyPr rot="-60000000" spcFirstLastPara="1" vertOverflow="ellipsis" vert="horz" wrap="square" anchor="ctr" anchorCtr="1"/>
+          <a:lstStyle/>
+          <a:p>
+            <a:pPr>
+              <a:defRPr sz="900" b="0" i="0" u="none" strike="noStrike" kern="1200" baseline="0">
+                <a:solidFill>
+                  <a:schemeClr val="tx1">
+                    <a:lumMod val="65000"/>
+                    <a:lumOff val="35000"/>
+                  </a:schemeClr>
+                </a:solidFill>
+                <a:latin typeface="+mn-lt"/>
+                <a:ea typeface="+mn-ea"/>
+                <a:cs typeface="+mn-cs"/>
+              </a:defRPr>
+            </a:pPr>
+            <a:endParaRPr lang="ja-JP"/>
+          </a:p>
+        </c:txPr>
+        <c:crossAx val="374381664"/>
+        <c:crosses val="autoZero"/>
+        <c:auto val="1"/>
+        <c:lblOffset val="100"/>
+        <c:baseTimeUnit val="months"/>
+      </c:dateAx>
+      <c:valAx>
+        <c:axId val="374381664"/>
+        <c:scaling>
+          <c:orientation val="minMax"/>
+        </c:scaling>
+        <c:delete val="0"/>
+        <c:axPos val="l"/>
+        <c:majorGridlines>
+          <c:spPr>
+            <a:ln w="9525" cap="flat" cmpd="sng" algn="ctr">
+              <a:solidFill>
+                <a:schemeClr val="tx1">
+                  <a:lumMod val="15000"/>
+                  <a:lumOff val="85000"/>
+                </a:schemeClr>
+              </a:solidFill>
+              <a:round/>
+            </a:ln>
+            <a:effectLst/>
+          </c:spPr>
+        </c:majorGridlines>
+        <c:numFmt formatCode="General" sourceLinked="1"/>
+        <c:majorTickMark val="none"/>
+        <c:minorTickMark val="none"/>
+        <c:tickLblPos val="nextTo"/>
+        <c:spPr>
+          <a:noFill/>
+          <a:ln>
+            <a:noFill/>
+          </a:ln>
+          <a:effectLst/>
+        </c:spPr>
+        <c:txPr>
+          <a:bodyPr rot="-60000000" spcFirstLastPara="1" vertOverflow="ellipsis" vert="horz" wrap="square" anchor="ctr" anchorCtr="1"/>
+          <a:lstStyle/>
+          <a:p>
+            <a:pPr>
+              <a:defRPr sz="900" b="0" i="0" u="none" strike="noStrike" kern="1200" baseline="0">
+                <a:solidFill>
+                  <a:schemeClr val="tx1">
+                    <a:lumMod val="65000"/>
+                    <a:lumOff val="35000"/>
+                  </a:schemeClr>
+                </a:solidFill>
+                <a:latin typeface="+mn-lt"/>
+                <a:ea typeface="+mn-ea"/>
+                <a:cs typeface="+mn-cs"/>
+              </a:defRPr>
+            </a:pPr>
+            <a:endParaRPr lang="ja-JP"/>
+          </a:p>
+        </c:txPr>
+        <c:crossAx val="374381104"/>
+        <c:crosses val="autoZero"/>
+        <c:crossBetween val="between"/>
+      </c:valAx>
+      <c:spPr>
+        <a:noFill/>
+        <a:ln>
+          <a:noFill/>
+        </a:ln>
+        <a:effectLst/>
+      </c:spPr>
+    </c:plotArea>
+    <c:plotVisOnly val="1"/>
+    <c:dispBlanksAs val="gap"/>
+    <c:showDLblsOverMax val="0"/>
+  </c:chart>
+  <c:spPr>
+    <a:solidFill>
+      <a:schemeClr val="bg1"/>
+    </a:solidFill>
+    <a:ln w="9525" cap="flat" cmpd="sng" algn="ctr">
+      <a:solidFill>
+        <a:schemeClr val="tx1"/>
+      </a:solidFill>
+      <a:round/>
+    </a:ln>
+    <a:effectLst/>
+  </c:spPr>
+  <c:txPr>
+    <a:bodyPr/>
+    <a:lstStyle/>
+    <a:p>
+      <a:pPr>
+        <a:defRPr/>
+      </a:pPr>
+      <a:endParaRPr lang="ja-JP"/>
+    </a:p>
+  </c:txPr>
+  <c:externalData r:id="rId3">
+    <c:autoUpdate val="0"/>
+  </c:externalData>
+</c:chartSpace>
+</file>
+
+<file path=ppt/charts/chart3.xml><?xml version="1.0" encoding="utf-8"?>
+<c:chartSpace xmlns:c="http://schemas.openxmlformats.org/drawingml/2006/chart" xmlns:a="http://schemas.openxmlformats.org/drawingml/2006/main" xmlns:r="http://schemas.openxmlformats.org/officeDocument/2006/relationships">
+  <c:date1904 val="0"/>
+  <c:lang val="ja-JP"/>
+  <c:roundedCorners val="0"/>
+  <mc:AlternateContent xmlns:mc="http://schemas.openxmlformats.org/markup-compatibility/2006">
+    <mc:Choice xmlns:c14="http://schemas.microsoft.com/office/drawing/2007/8/2/chart" Requires="c14">
+      <c14:style val="102"/>
+    </mc:Choice>
+    <mc:Fallback>
+      <c:style val="2"/>
+    </mc:Fallback>
+  </mc:AlternateContent>
+  <c:chart>
+    <c:autoTitleDeleted val="1"/>
+    <c:plotArea>
+      <c:layout>
+        <c:manualLayout>
+          <c:layoutTarget val="inner"/>
+          <c:xMode val="edge"/>
+          <c:yMode val="edge"/>
+          <c:x val="0.1383977762271984"/>
+          <c:y val="0.10241938430097755"/>
+          <c:w val="0.83840037045016846"/>
+          <c:h val="0.76520215228592736"/>
+        </c:manualLayout>
+      </c:layout>
+      <c:lineChart>
+        <c:grouping val="standard"/>
+        <c:varyColors val="0"/>
+        <c:ser>
+          <c:idx val="0"/>
+          <c:order val="0"/>
+          <c:spPr>
+            <a:ln w="28575" cap="rnd">
+              <a:solidFill>
+                <a:schemeClr val="accent1"/>
+              </a:solidFill>
+              <a:round/>
+            </a:ln>
+            <a:effectLst/>
+          </c:spPr>
+          <c:marker>
+            <c:symbol val="none"/>
+          </c:marker>
+          <c:cat>
+            <c:numRef>
+              <c:f>Sheet1!$D$10:$D$163</c:f>
+              <c:numCache>
+                <c:formatCode>mmm\-yy</c:formatCode>
+                <c:ptCount val="154"/>
+                <c:pt idx="0">
+                  <c:v>37591</c:v>
+                </c:pt>
+                <c:pt idx="1">
+                  <c:v>37622</c:v>
+                </c:pt>
+                <c:pt idx="2">
+                  <c:v>37653</c:v>
+                </c:pt>
+                <c:pt idx="3">
+                  <c:v>37681</c:v>
+                </c:pt>
+                <c:pt idx="4">
+                  <c:v>37712</c:v>
+                </c:pt>
+                <c:pt idx="5">
+                  <c:v>37742</c:v>
+                </c:pt>
+                <c:pt idx="6">
+                  <c:v>37773</c:v>
+                </c:pt>
+                <c:pt idx="7">
+                  <c:v>37803</c:v>
+                </c:pt>
+                <c:pt idx="8">
+                  <c:v>37834</c:v>
+                </c:pt>
+                <c:pt idx="9">
+                  <c:v>37865</c:v>
+                </c:pt>
+                <c:pt idx="10">
+                  <c:v>37895</c:v>
+                </c:pt>
+                <c:pt idx="11">
+                  <c:v>37926</c:v>
+                </c:pt>
+                <c:pt idx="12">
+                  <c:v>37956</c:v>
+                </c:pt>
+                <c:pt idx="13">
+                  <c:v>37987</c:v>
+                </c:pt>
+                <c:pt idx="14">
+                  <c:v>38018</c:v>
+                </c:pt>
+                <c:pt idx="15">
+                  <c:v>38047</c:v>
+                </c:pt>
+                <c:pt idx="16">
+                  <c:v>38078</c:v>
+                </c:pt>
+                <c:pt idx="17">
+                  <c:v>38108</c:v>
+                </c:pt>
+                <c:pt idx="18">
+                  <c:v>38139</c:v>
+                </c:pt>
+                <c:pt idx="19">
+                  <c:v>38169</c:v>
+                </c:pt>
+                <c:pt idx="20">
+                  <c:v>38200</c:v>
+                </c:pt>
+                <c:pt idx="21">
+                  <c:v>38231</c:v>
+                </c:pt>
+                <c:pt idx="22">
+                  <c:v>38261</c:v>
+                </c:pt>
+                <c:pt idx="23">
+                  <c:v>38292</c:v>
+                </c:pt>
+                <c:pt idx="24">
+                  <c:v>38322</c:v>
+                </c:pt>
+                <c:pt idx="25">
+                  <c:v>38353</c:v>
+                </c:pt>
+                <c:pt idx="26">
+                  <c:v>38384</c:v>
+                </c:pt>
+                <c:pt idx="27">
+                  <c:v>38412</c:v>
+                </c:pt>
+                <c:pt idx="28">
+                  <c:v>38443</c:v>
+                </c:pt>
+                <c:pt idx="29">
+                  <c:v>38473</c:v>
+                </c:pt>
+                <c:pt idx="30">
+                  <c:v>38504</c:v>
+                </c:pt>
+                <c:pt idx="31">
+                  <c:v>38534</c:v>
+                </c:pt>
+                <c:pt idx="32">
+                  <c:v>38565</c:v>
+                </c:pt>
+                <c:pt idx="33">
+                  <c:v>38596</c:v>
+                </c:pt>
+                <c:pt idx="34">
+                  <c:v>38626</c:v>
+                </c:pt>
+                <c:pt idx="35">
+                  <c:v>38657</c:v>
+                </c:pt>
+                <c:pt idx="36">
+                  <c:v>38687</c:v>
+                </c:pt>
+                <c:pt idx="37">
+                  <c:v>38718</c:v>
+                </c:pt>
+                <c:pt idx="38">
+                  <c:v>38749</c:v>
+                </c:pt>
+                <c:pt idx="39">
+                  <c:v>38777</c:v>
+                </c:pt>
+                <c:pt idx="40">
+                  <c:v>38808</c:v>
+                </c:pt>
+                <c:pt idx="41">
+                  <c:v>38838</c:v>
+                </c:pt>
+                <c:pt idx="42">
+                  <c:v>38869</c:v>
+                </c:pt>
+                <c:pt idx="43">
+                  <c:v>38899</c:v>
+                </c:pt>
+                <c:pt idx="44">
+                  <c:v>38930</c:v>
+                </c:pt>
+                <c:pt idx="45">
+                  <c:v>38961</c:v>
+                </c:pt>
+                <c:pt idx="46">
+                  <c:v>38991</c:v>
+                </c:pt>
+                <c:pt idx="47">
+                  <c:v>39022</c:v>
+                </c:pt>
+                <c:pt idx="48">
+                  <c:v>39052</c:v>
+                </c:pt>
+                <c:pt idx="49">
+                  <c:v>39083</c:v>
+                </c:pt>
+                <c:pt idx="50">
+                  <c:v>39114</c:v>
+                </c:pt>
+                <c:pt idx="51">
+                  <c:v>39142</c:v>
+                </c:pt>
+                <c:pt idx="52">
+                  <c:v>39173</c:v>
+                </c:pt>
+                <c:pt idx="53">
+                  <c:v>39203</c:v>
+                </c:pt>
+                <c:pt idx="54">
+                  <c:v>39234</c:v>
+                </c:pt>
+                <c:pt idx="55">
+                  <c:v>39264</c:v>
+                </c:pt>
+                <c:pt idx="56">
+                  <c:v>39295</c:v>
+                </c:pt>
+                <c:pt idx="57">
+                  <c:v>39326</c:v>
+                </c:pt>
+                <c:pt idx="58">
+                  <c:v>39356</c:v>
+                </c:pt>
+                <c:pt idx="59">
+                  <c:v>39387</c:v>
+                </c:pt>
+                <c:pt idx="60">
+                  <c:v>39417</c:v>
+                </c:pt>
+                <c:pt idx="61">
+                  <c:v>39448</c:v>
+                </c:pt>
+                <c:pt idx="62">
+                  <c:v>39479</c:v>
+                </c:pt>
+                <c:pt idx="63">
+                  <c:v>39508</c:v>
+                </c:pt>
+                <c:pt idx="64">
+                  <c:v>39539</c:v>
+                </c:pt>
+                <c:pt idx="65">
+                  <c:v>39569</c:v>
+                </c:pt>
+                <c:pt idx="66">
+                  <c:v>39600</c:v>
+                </c:pt>
+                <c:pt idx="67">
+                  <c:v>39630</c:v>
+                </c:pt>
+                <c:pt idx="68">
+                  <c:v>39661</c:v>
+                </c:pt>
+                <c:pt idx="69">
+                  <c:v>39692</c:v>
+                </c:pt>
+                <c:pt idx="70">
+                  <c:v>39722</c:v>
+                </c:pt>
+                <c:pt idx="71">
+                  <c:v>39753</c:v>
+                </c:pt>
+                <c:pt idx="72">
+                  <c:v>39783</c:v>
+                </c:pt>
+                <c:pt idx="73">
+                  <c:v>39814</c:v>
+                </c:pt>
+                <c:pt idx="74">
+                  <c:v>39845</c:v>
+                </c:pt>
+                <c:pt idx="75">
+                  <c:v>39873</c:v>
+                </c:pt>
+                <c:pt idx="76">
+                  <c:v>39904</c:v>
+                </c:pt>
+                <c:pt idx="77">
+                  <c:v>39934</c:v>
+                </c:pt>
+                <c:pt idx="78">
+                  <c:v>39965</c:v>
+                </c:pt>
+                <c:pt idx="79">
+                  <c:v>39995</c:v>
+                </c:pt>
+                <c:pt idx="80">
+                  <c:v>40026</c:v>
+                </c:pt>
+                <c:pt idx="81">
+                  <c:v>40057</c:v>
+                </c:pt>
+                <c:pt idx="82">
+                  <c:v>40087</c:v>
+                </c:pt>
+                <c:pt idx="83">
+                  <c:v>40118</c:v>
+                </c:pt>
+                <c:pt idx="84">
+                  <c:v>40148</c:v>
+                </c:pt>
+                <c:pt idx="85">
+                  <c:v>40179</c:v>
+                </c:pt>
+                <c:pt idx="86">
+                  <c:v>40210</c:v>
+                </c:pt>
+                <c:pt idx="87">
+                  <c:v>40238</c:v>
+                </c:pt>
+                <c:pt idx="88">
+                  <c:v>40269</c:v>
+                </c:pt>
+                <c:pt idx="89">
+                  <c:v>40299</c:v>
+                </c:pt>
+                <c:pt idx="90">
+                  <c:v>40330</c:v>
+                </c:pt>
+                <c:pt idx="91">
+                  <c:v>40360</c:v>
+                </c:pt>
+                <c:pt idx="92">
+                  <c:v>40391</c:v>
+                </c:pt>
+                <c:pt idx="93">
+                  <c:v>40422</c:v>
+                </c:pt>
+                <c:pt idx="94">
+                  <c:v>40452</c:v>
+                </c:pt>
+                <c:pt idx="95">
+                  <c:v>40483</c:v>
+                </c:pt>
+                <c:pt idx="96">
+                  <c:v>40513</c:v>
+                </c:pt>
+                <c:pt idx="97">
+                  <c:v>40544</c:v>
+                </c:pt>
+                <c:pt idx="98">
+                  <c:v>40575</c:v>
+                </c:pt>
+                <c:pt idx="99">
+                  <c:v>40603</c:v>
+                </c:pt>
+                <c:pt idx="100">
+                  <c:v>40634</c:v>
+                </c:pt>
+                <c:pt idx="101">
+                  <c:v>40664</c:v>
+                </c:pt>
+                <c:pt idx="102">
+                  <c:v>40695</c:v>
+                </c:pt>
+                <c:pt idx="103">
+                  <c:v>40725</c:v>
+                </c:pt>
+                <c:pt idx="104">
+                  <c:v>40756</c:v>
+                </c:pt>
+                <c:pt idx="105">
+                  <c:v>40787</c:v>
+                </c:pt>
+                <c:pt idx="106">
+                  <c:v>40817</c:v>
+                </c:pt>
+                <c:pt idx="107">
+                  <c:v>40848</c:v>
+                </c:pt>
+                <c:pt idx="108">
+                  <c:v>40878</c:v>
+                </c:pt>
+                <c:pt idx="109">
+                  <c:v>40909</c:v>
+                </c:pt>
+                <c:pt idx="110">
+                  <c:v>40940</c:v>
+                </c:pt>
+                <c:pt idx="111">
+                  <c:v>40969</c:v>
+                </c:pt>
+                <c:pt idx="112">
+                  <c:v>41000</c:v>
+                </c:pt>
+                <c:pt idx="113">
+                  <c:v>41030</c:v>
+                </c:pt>
+                <c:pt idx="114">
+                  <c:v>41061</c:v>
+                </c:pt>
+                <c:pt idx="115">
+                  <c:v>41091</c:v>
+                </c:pt>
+                <c:pt idx="116">
+                  <c:v>41122</c:v>
+                </c:pt>
+                <c:pt idx="117">
+                  <c:v>41153</c:v>
+                </c:pt>
+                <c:pt idx="118">
+                  <c:v>41183</c:v>
+                </c:pt>
+                <c:pt idx="119">
+                  <c:v>41214</c:v>
+                </c:pt>
+                <c:pt idx="120">
+                  <c:v>41244</c:v>
+                </c:pt>
+                <c:pt idx="121">
+                  <c:v>41275</c:v>
+                </c:pt>
+                <c:pt idx="122">
+                  <c:v>41306</c:v>
+                </c:pt>
+                <c:pt idx="123">
+                  <c:v>41334</c:v>
+                </c:pt>
+                <c:pt idx="124">
+                  <c:v>41365</c:v>
+                </c:pt>
+                <c:pt idx="125">
+                  <c:v>41395</c:v>
+                </c:pt>
+                <c:pt idx="126">
+                  <c:v>41426</c:v>
+                </c:pt>
+                <c:pt idx="127">
+                  <c:v>41456</c:v>
+                </c:pt>
+                <c:pt idx="128">
+                  <c:v>41487</c:v>
+                </c:pt>
+                <c:pt idx="129">
+                  <c:v>41518</c:v>
+                </c:pt>
+                <c:pt idx="130">
+                  <c:v>41548</c:v>
+                </c:pt>
+                <c:pt idx="131">
+                  <c:v>41579</c:v>
+                </c:pt>
+                <c:pt idx="132">
+                  <c:v>41609</c:v>
+                </c:pt>
+                <c:pt idx="133">
+                  <c:v>41640</c:v>
+                </c:pt>
+                <c:pt idx="134">
+                  <c:v>41671</c:v>
+                </c:pt>
+                <c:pt idx="135">
+                  <c:v>41699</c:v>
+                </c:pt>
+                <c:pt idx="136">
+                  <c:v>41730</c:v>
+                </c:pt>
+                <c:pt idx="137">
+                  <c:v>41760</c:v>
+                </c:pt>
+                <c:pt idx="138">
+                  <c:v>41791</c:v>
+                </c:pt>
+                <c:pt idx="139">
+                  <c:v>41821</c:v>
+                </c:pt>
+                <c:pt idx="140">
+                  <c:v>41852</c:v>
+                </c:pt>
+                <c:pt idx="141">
+                  <c:v>41883</c:v>
+                </c:pt>
+                <c:pt idx="142">
+                  <c:v>41913</c:v>
+                </c:pt>
+                <c:pt idx="143">
+                  <c:v>41944</c:v>
+                </c:pt>
+                <c:pt idx="144">
+                  <c:v>41974</c:v>
+                </c:pt>
+                <c:pt idx="145">
+                  <c:v>42005</c:v>
+                </c:pt>
+                <c:pt idx="146">
+                  <c:v>42036</c:v>
+                </c:pt>
+                <c:pt idx="147">
+                  <c:v>42064</c:v>
+                </c:pt>
+                <c:pt idx="148">
+                  <c:v>42095</c:v>
+                </c:pt>
+                <c:pt idx="149">
+                  <c:v>42125</c:v>
+                </c:pt>
+                <c:pt idx="150">
+                  <c:v>42156</c:v>
+                </c:pt>
+                <c:pt idx="151">
+                  <c:v>42186</c:v>
+                </c:pt>
+                <c:pt idx="152">
+                  <c:v>42217</c:v>
+                </c:pt>
+                <c:pt idx="153">
+                  <c:v>42248</c:v>
+                </c:pt>
+              </c:numCache>
+            </c:numRef>
+          </c:cat>
+          <c:val>
+            <c:numRef>
+              <c:f>Sheet1!$G$10:$G$163</c:f>
+              <c:numCache>
+                <c:formatCode>0.000%</c:formatCode>
+                <c:ptCount val="154"/>
+                <c:pt idx="0">
+                  <c:v>0.453125</c:v>
+                </c:pt>
+                <c:pt idx="1">
+                  <c:v>4.3165467625899283E-2</c:v>
+                </c:pt>
+                <c:pt idx="2">
+                  <c:v>2.5562684591098891E-2</c:v>
+                </c:pt>
+                <c:pt idx="3">
+                  <c:v>3.8290386008485978E-2</c:v>
+                </c:pt>
+                <c:pt idx="4">
+                  <c:v>3.5379061371841158E-2</c:v>
+                </c:pt>
+                <c:pt idx="5">
+                  <c:v>3.1803315664824632E-2</c:v>
+                </c:pt>
+                <c:pt idx="6">
+                  <c:v>5.9028449777433711E-2</c:v>
+                </c:pt>
+                <c:pt idx="7">
+                  <c:v>2.5498377375985166E-2</c:v>
+                </c:pt>
+                <c:pt idx="8">
+                  <c:v>3.291005291005291E-2</c:v>
+                </c:pt>
+                <c:pt idx="9">
+                  <c:v>1.5647151483328958E-2</c:v>
+                </c:pt>
+                <c:pt idx="10">
+                  <c:v>2.003338898163606E-2</c:v>
+                </c:pt>
+                <c:pt idx="11">
+                  <c:v>1.1995246123656062E-2</c:v>
+                </c:pt>
+                <c:pt idx="12">
+                  <c:v>9.8981631293423439E-3</c:v>
+                </c:pt>
+                <c:pt idx="13">
+                  <c:v>6.2577720726864298E-3</c:v>
+                </c:pt>
+                <c:pt idx="14">
+                  <c:v>8.1471177990136753E-3</c:v>
+                </c:pt>
+                <c:pt idx="15">
+                  <c:v>4.6446886446886446E-3</c:v>
+                </c:pt>
+                <c:pt idx="16">
+                  <c:v>4.0234702430846604E-3</c:v>
+                </c:pt>
+                <c:pt idx="17">
+                  <c:v>4.3437652884230505E-3</c:v>
+                </c:pt>
+                <c:pt idx="18">
+                  <c:v>4.9417075736325382E-3</c:v>
+                </c:pt>
+                <c:pt idx="19">
+                  <c:v>3.1213294470787837E-3</c:v>
+                </c:pt>
+                <c:pt idx="20">
+                  <c:v>1.9923039227500222E-3</c:v>
+                </c:pt>
+                <c:pt idx="21">
+                  <c:v>4.8770737557465521E-3</c:v>
+                </c:pt>
+                <c:pt idx="22">
+                  <c:v>3.6058930595144062E-3</c:v>
+                </c:pt>
+                <c:pt idx="23">
+                  <c:v>2.4417043096081063E-3</c:v>
+                </c:pt>
+                <c:pt idx="24">
+                  <c:v>2.3062082831314169E-3</c:v>
+                </c:pt>
+                <c:pt idx="25">
+                  <c:v>1.838566074935259E-3</c:v>
+                </c:pt>
+                <c:pt idx="26">
+                  <c:v>2.6700601934622563E-3</c:v>
+                </c:pt>
+                <c:pt idx="27">
+                  <c:v>2.1531760880900532E-3</c:v>
+                </c:pt>
+                <c:pt idx="28">
+                  <c:v>1.5639804275312471E-3</c:v>
+                </c:pt>
+                <c:pt idx="29">
+                  <c:v>1.6795139834017688E-3</c:v>
+                </c:pt>
+                <c:pt idx="30">
+                  <c:v>1.4463440915979508E-3</c:v>
+                </c:pt>
+                <c:pt idx="31">
+                  <c:v>1.5598648792370842E-3</c:v>
+                </c:pt>
+                <c:pt idx="32">
+                  <c:v>1.3539722618655541E-3</c:v>
+                </c:pt>
+                <c:pt idx="33">
+                  <c:v>1.2115102315134151E-3</c:v>
+                </c:pt>
+                <c:pt idx="34">
+                  <c:v>8.2543232017769303E-4</c:v>
+                </c:pt>
+                <c:pt idx="35">
+                  <c:v>4.6462092664721697E-4</c:v>
+                </c:pt>
+                <c:pt idx="36">
+                  <c:v>9.5913484032242975E-4</c:v>
+                </c:pt>
+                <c:pt idx="37">
+                  <c:v>1.0003394545296152E-3</c:v>
+                </c:pt>
+                <c:pt idx="38">
+                  <c:v>1.1350260635614596E-3</c:v>
+                </c:pt>
+                <c:pt idx="39">
+                  <c:v>6.4554067298268542E-4</c:v>
+                </c:pt>
+                <c:pt idx="40">
+                  <c:v>4.7034451414468644E-4</c:v>
+                </c:pt>
+                <c:pt idx="41">
+                  <c:v>5.7953317767819455E-4</c:v>
+                </c:pt>
+                <c:pt idx="42">
+                  <c:v>5.5258320943137778E-4</c:v>
+                </c:pt>
+                <c:pt idx="43">
+                  <c:v>4.6925699493157965E-4</c:v>
+                </c:pt>
+                <c:pt idx="44">
+                  <c:v>4.0343276930193456E-4</c:v>
+                </c:pt>
+                <c:pt idx="45">
+                  <c:v>4.1887941666097372E-4</c:v>
+                </c:pt>
+                <c:pt idx="46">
+                  <c:v>4.1692838481215464E-4</c:v>
+                </c:pt>
+                <c:pt idx="47">
+                  <c:v>4.8773167254445864E-4</c:v>
+                </c:pt>
+                <c:pt idx="48">
+                  <c:v>3.9766794901441413E-4</c:v>
+                </c:pt>
+                <c:pt idx="49">
+                  <c:v>4.5373363124290474E-4</c:v>
+                </c:pt>
+                <c:pt idx="50">
+                  <c:v>3.4058857963918898E-4</c:v>
+                </c:pt>
+                <c:pt idx="51">
+                  <c:v>2.6610453419683718E-4</c:v>
+                </c:pt>
+                <c:pt idx="52">
+                  <c:v>3.797364423826922E-4</c:v>
+                </c:pt>
+                <c:pt idx="53">
+                  <c:v>3.3367503491548047E-4</c:v>
+                </c:pt>
+                <c:pt idx="54">
+                  <c:v>3.607517306589605E-4</c:v>
+                </c:pt>
+                <c:pt idx="55">
+                  <c:v>2.7600965655702529E-4</c:v>
+                </c:pt>
+                <c:pt idx="56">
+                  <c:v>2.7516657405107737E-4</c:v>
+                </c:pt>
+                <c:pt idx="57">
+                  <c:v>3.7770880162230129E-4</c:v>
+                </c:pt>
+                <c:pt idx="58">
+                  <c:v>4.2975049960538122E-4</c:v>
+                </c:pt>
+                <c:pt idx="59">
+                  <c:v>3.2891670316410833E-4</c:v>
+                </c:pt>
+                <c:pt idx="60">
+                  <c:v>3.8115372692114184E-4</c:v>
+                </c:pt>
+                <c:pt idx="61">
+                  <c:v>4.8390514791645461E-4</c:v>
+                </c:pt>
+                <c:pt idx="62">
+                  <c:v>3.6975111240974918E-4</c:v>
+                </c:pt>
+                <c:pt idx="63">
+                  <c:v>1.9724737882039265E-4</c:v>
+                </c:pt>
+                <c:pt idx="64">
+                  <c:v>2.1850825018994181E-4</c:v>
+                </c:pt>
+                <c:pt idx="65">
+                  <c:v>2.1181467932974965E-4</c:v>
+                </c:pt>
+                <c:pt idx="66">
+                  <c:v>2.0355636456161985E-4</c:v>
+                </c:pt>
+                <c:pt idx="67">
+                  <c:v>2.0079489939554525E-4</c:v>
+                </c:pt>
+                <c:pt idx="68">
+                  <c:v>3.068033646102319E-4</c:v>
+                </c:pt>
+                <c:pt idx="69">
+                  <c:v>2.5236618134199195E-4</c:v>
+                </c:pt>
+                <c:pt idx="70">
+                  <c:v>3.3388206642646201E-4</c:v>
+                </c:pt>
+                <c:pt idx="71">
+                  <c:v>2.4490123655050586E-4</c:v>
+                </c:pt>
+                <c:pt idx="72">
+                  <c:v>2.6976787317537865E-4</c:v>
+                </c:pt>
+                <c:pt idx="73">
+                  <c:v>2.8494911180535913E-4</c:v>
+                </c:pt>
+                <c:pt idx="74">
+                  <c:v>3.1362957414067755E-4</c:v>
+                </c:pt>
+                <c:pt idx="75">
+                  <c:v>2.1562553164551954E-4</c:v>
+                </c:pt>
+                <c:pt idx="76">
+                  <c:v>2.4180616478453799E-4</c:v>
+                </c:pt>
+                <c:pt idx="77">
+                  <c:v>1.8349956609998433E-4</c:v>
+                </c:pt>
+                <c:pt idx="78">
+                  <c:v>2.3110938696171632E-4</c:v>
+                </c:pt>
+                <c:pt idx="79">
+                  <c:v>3.2531447065496649E-4</c:v>
+                </c:pt>
+                <c:pt idx="80">
+                  <c:v>3.0579929245688709E-4</c:v>
+                </c:pt>
+                <c:pt idx="81">
+                  <c:v>2.27151519939953E-4</c:v>
+                </c:pt>
+                <c:pt idx="82">
+                  <c:v>3.0810311184142962E-4</c:v>
+                </c:pt>
+                <c:pt idx="83">
+                  <c:v>2.460773852865894E-4</c:v>
+                </c:pt>
+                <c:pt idx="84">
+                  <c:v>5.0338196538931733E-4</c:v>
+                </c:pt>
+                <c:pt idx="85">
+                  <c:v>3.4012652706806931E-4</c:v>
+                </c:pt>
+                <c:pt idx="86">
+                  <c:v>4.3270746583459269E-4</c:v>
+                </c:pt>
+                <c:pt idx="87">
+                  <c:v>3.0979226917170237E-4</c:v>
+                </c:pt>
+                <c:pt idx="88">
+                  <c:v>3.105887316845434E-4</c:v>
+                </c:pt>
+                <c:pt idx="89">
+                  <c:v>5.0275287856678646E-4</c:v>
+                </c:pt>
+                <c:pt idx="90">
+                  <c:v>5.2346654121139438E-4</c:v>
+                </c:pt>
+                <c:pt idx="91">
+                  <c:v>5.6812971251294503E-4</c:v>
+                </c:pt>
+                <c:pt idx="92">
+                  <c:v>7.3132373911373916E-4</c:v>
+                </c:pt>
+                <c:pt idx="93">
+                  <c:v>9.452662463542849E-4</c:v>
+                </c:pt>
+                <c:pt idx="94">
+                  <c:v>3.7056922380486164E-4</c:v>
+                </c:pt>
+                <c:pt idx="95">
+                  <c:v>5.003033513533092E-4</c:v>
+                </c:pt>
+                <c:pt idx="96">
+                  <c:v>5.4297623070857272E-4</c:v>
+                </c:pt>
+                <c:pt idx="97">
+                  <c:v>5.2148724656924934E-4</c:v>
+                </c:pt>
+                <c:pt idx="98">
+                  <c:v>6.2978241017728369E-4</c:v>
+                </c:pt>
+                <c:pt idx="99">
+                  <c:v>3.5289524267179243E-4</c:v>
+                </c:pt>
+                <c:pt idx="100">
+                  <c:v>4.434488665446971E-4</c:v>
+                </c:pt>
+                <c:pt idx="101">
+                  <c:v>4.9698331130040656E-4</c:v>
+                </c:pt>
+                <c:pt idx="102">
+                  <c:v>5.1346251061993979E-4</c:v>
+                </c:pt>
+                <c:pt idx="103">
+                  <c:v>4.0145053916668442E-4</c:v>
+                </c:pt>
+                <c:pt idx="104">
+                  <c:v>3.9724343228382286E-4</c:v>
+                </c:pt>
+                <c:pt idx="105">
+                  <c:v>3.873741675303486E-4</c:v>
+                </c:pt>
+                <c:pt idx="106">
+                  <c:v>3.9713664479105646E-4</c:v>
+                </c:pt>
+                <c:pt idx="107">
+                  <c:v>4.3442010312755492E-4</c:v>
+                </c:pt>
+                <c:pt idx="108">
+                  <c:v>4.4013736502673768E-4</c:v>
+                </c:pt>
+                <c:pt idx="109">
+                  <c:v>2.5283705265638463E-4</c:v>
+                </c:pt>
+                <c:pt idx="110">
+                  <c:v>3.4604935593500469E-4</c:v>
+                </c:pt>
+                <c:pt idx="111">
+                  <c:v>2.037466225524358E-4</c:v>
+                </c:pt>
+                <c:pt idx="112">
+                  <c:v>1.9563462386148079E-4</c:v>
+                </c:pt>
+                <c:pt idx="113">
+                  <c:v>2.0147828837165717E-4</c:v>
+                </c:pt>
+                <c:pt idx="114">
+                  <c:v>2.7892146953230757E-4</c:v>
+                </c:pt>
+                <c:pt idx="115">
+                  <c:v>2.3758554898020039E-4</c:v>
+                </c:pt>
+                <c:pt idx="116">
+                  <c:v>2.0168178884628525E-4</c:v>
+                </c:pt>
+                <c:pt idx="117">
+                  <c:v>2.0099052252382254E-4</c:v>
+                </c:pt>
+                <c:pt idx="118">
+                  <c:v>2.6140500348540005E-4</c:v>
+                </c:pt>
+                <c:pt idx="119">
+                  <c:v>2.6995216447645476E-4</c:v>
+                </c:pt>
+                <c:pt idx="120">
+                  <c:v>2.4083374106063181E-4</c:v>
+                </c:pt>
+                <c:pt idx="121">
+                  <c:v>2.4381381064575495E-4</c:v>
+                </c:pt>
+                <c:pt idx="122">
+                  <c:v>2.4189583229256774E-4</c:v>
+                </c:pt>
+                <c:pt idx="123">
+                  <c:v>1.6061444662701633E-4</c:v>
+                </c:pt>
+                <c:pt idx="124">
+                  <c:v>1.5203832717296557E-4</c:v>
+                </c:pt>
+                <c:pt idx="125">
+                  <c:v>3.205627249663409E-4</c:v>
+                </c:pt>
+                <c:pt idx="126">
+                  <c:v>1.8493906414564421E-4</c:v>
+                </c:pt>
+                <c:pt idx="127">
+                  <c:v>3.0397918559727009E-4</c:v>
+                </c:pt>
+                <c:pt idx="128">
+                  <c:v>1.84341064485856E-4</c:v>
+                </c:pt>
+                <c:pt idx="129">
+                  <c:v>2.9958160705106164E-4</c:v>
+                </c:pt>
+                <c:pt idx="130">
+                  <c:v>1.906674632329575E-4</c:v>
+                </c:pt>
+                <c:pt idx="131">
+                  <c:v>2.0661088172859994E-4</c:v>
+                </c:pt>
+                <c:pt idx="132">
+                  <c:v>2.8467960303746515E-4</c:v>
+                </c:pt>
+                <c:pt idx="133">
+                  <c:v>2.6683959527259527E-4</c:v>
+                </c:pt>
+                <c:pt idx="134">
+                  <c:v>6.4646710802431526E-4</c:v>
+                </c:pt>
+                <c:pt idx="135">
+                  <c:v>2.3214078445728164E-4</c:v>
+                </c:pt>
+                <c:pt idx="136">
+                  <c:v>2.7795615960434379E-4</c:v>
+                </c:pt>
+                <c:pt idx="137">
+                  <c:v>2.1795849813773695E-4</c:v>
+                </c:pt>
+                <c:pt idx="138">
+                  <c:v>2.4087430490557727E-4</c:v>
+                </c:pt>
+                <c:pt idx="139">
+                  <c:v>1.7731486194067834E-4</c:v>
+                </c:pt>
+                <c:pt idx="140">
+                  <c:v>2.5775652953783902E-4</c:v>
+                </c:pt>
+                <c:pt idx="141">
+                  <c:v>1.5113879798656836E-4</c:v>
+                </c:pt>
+                <c:pt idx="142">
+                  <c:v>1.7602317329635817E-4</c:v>
+                </c:pt>
+                <c:pt idx="143">
+                  <c:v>3.4847711906421322E-4</c:v>
+                </c:pt>
+                <c:pt idx="144">
+                  <c:v>2.6509007830621394E-4</c:v>
+                </c:pt>
+                <c:pt idx="145">
+                  <c:v>2.7133446073853454E-4</c:v>
+                </c:pt>
+                <c:pt idx="146">
+                  <c:v>1.937741096259083E-4</c:v>
+                </c:pt>
+                <c:pt idx="147">
+                  <c:v>2.0422249394441529E-4</c:v>
+                </c:pt>
+                <c:pt idx="148">
+                  <c:v>5.4492380668887976E-4</c:v>
+                </c:pt>
+                <c:pt idx="149">
+                  <c:v>1.5791152533058779E-4</c:v>
+                </c:pt>
+                <c:pt idx="150">
+                  <c:v>1.4870032681745741E-4</c:v>
+                </c:pt>
+                <c:pt idx="151">
+                  <c:v>1.7965129379380904E-4</c:v>
+                </c:pt>
+                <c:pt idx="152">
+                  <c:v>2.2035599735572802E-4</c:v>
+                </c:pt>
+                <c:pt idx="153">
+                  <c:v>1.8045655508436344E-4</c:v>
+                </c:pt>
+              </c:numCache>
+            </c:numRef>
+          </c:val>
+          <c:smooth val="0"/>
+        </c:ser>
+        <c:dLbls>
+          <c:showLegendKey val="0"/>
+          <c:showVal val="0"/>
+          <c:showCatName val="0"/>
+          <c:showSerName val="0"/>
+          <c:showPercent val="0"/>
+          <c:showBubbleSize val="0"/>
+        </c:dLbls>
+        <c:smooth val="0"/>
+        <c:axId val="321678528"/>
+        <c:axId val="321671248"/>
+      </c:lineChart>
+      <c:dateAx>
+        <c:axId val="321678528"/>
+        <c:scaling>
+          <c:orientation val="minMax"/>
+        </c:scaling>
+        <c:delete val="0"/>
+        <c:axPos val="b"/>
+        <c:numFmt formatCode="mmm\-yy" sourceLinked="1"/>
+        <c:majorTickMark val="out"/>
+        <c:minorTickMark val="none"/>
+        <c:tickLblPos val="nextTo"/>
+        <c:spPr>
+          <a:noFill/>
+          <a:ln w="9525" cap="flat" cmpd="sng" algn="ctr">
+            <a:solidFill>
+              <a:schemeClr val="tx1">
+                <a:lumMod val="15000"/>
+                <a:lumOff val="85000"/>
+              </a:schemeClr>
+            </a:solidFill>
+            <a:round/>
+          </a:ln>
+          <a:effectLst/>
+        </c:spPr>
+        <c:txPr>
+          <a:bodyPr rot="-60000000" spcFirstLastPara="1" vertOverflow="ellipsis" vert="horz" wrap="square" anchor="ctr" anchorCtr="1"/>
+          <a:lstStyle/>
+          <a:p>
+            <a:pPr>
+              <a:defRPr sz="900" b="0" i="0" u="none" strike="noStrike" kern="1200" baseline="0">
+                <a:solidFill>
+                  <a:schemeClr val="tx1">
+                    <a:lumMod val="65000"/>
+                    <a:lumOff val="35000"/>
+                  </a:schemeClr>
+                </a:solidFill>
+                <a:latin typeface="+mn-lt"/>
+                <a:ea typeface="+mn-ea"/>
+                <a:cs typeface="+mn-cs"/>
+              </a:defRPr>
+            </a:pPr>
+            <a:endParaRPr lang="ja-JP"/>
+          </a:p>
+        </c:txPr>
+        <c:crossAx val="321671248"/>
+        <c:crosses val="autoZero"/>
+        <c:auto val="1"/>
+        <c:lblOffset val="100"/>
+        <c:baseTimeUnit val="months"/>
+      </c:dateAx>
+      <c:valAx>
+        <c:axId val="321671248"/>
+        <c:scaling>
+          <c:logBase val="10"/>
+          <c:orientation val="minMax"/>
+        </c:scaling>
+        <c:delete val="0"/>
+        <c:axPos val="l"/>
+        <c:majorGridlines>
+          <c:spPr>
+            <a:ln w="9525" cap="flat" cmpd="sng" algn="ctr">
+              <a:solidFill>
+                <a:schemeClr val="tx1">
+                  <a:lumMod val="15000"/>
+                  <a:lumOff val="85000"/>
+                </a:schemeClr>
+              </a:solidFill>
+              <a:round/>
+            </a:ln>
+            <a:effectLst/>
+          </c:spPr>
+        </c:majorGridlines>
+        <c:numFmt formatCode="0.000%" sourceLinked="1"/>
+        <c:majorTickMark val="none"/>
+        <c:minorTickMark val="none"/>
+        <c:tickLblPos val="nextTo"/>
+        <c:spPr>
+          <a:noFill/>
+          <a:ln>
+            <a:noFill/>
+          </a:ln>
+          <a:effectLst/>
+        </c:spPr>
+        <c:txPr>
+          <a:bodyPr rot="-60000000" spcFirstLastPara="1" vertOverflow="ellipsis" vert="horz" wrap="square" anchor="ctr" anchorCtr="1"/>
+          <a:lstStyle/>
+          <a:p>
+            <a:pPr>
+              <a:defRPr sz="900" b="0" i="0" u="none" strike="noStrike" kern="1200" baseline="0">
+                <a:solidFill>
+                  <a:schemeClr val="tx1">
+                    <a:lumMod val="65000"/>
+                    <a:lumOff val="35000"/>
+                  </a:schemeClr>
+                </a:solidFill>
+                <a:latin typeface="+mn-lt"/>
+                <a:ea typeface="+mn-ea"/>
+                <a:cs typeface="+mn-cs"/>
+              </a:defRPr>
+            </a:pPr>
+            <a:endParaRPr lang="ja-JP"/>
+          </a:p>
+        </c:txPr>
+        <c:crossAx val="321678528"/>
+        <c:crosses val="autoZero"/>
+        <c:crossBetween val="between"/>
+      </c:valAx>
+      <c:spPr>
+        <a:noFill/>
+        <a:ln>
+          <a:noFill/>
+        </a:ln>
+        <a:effectLst/>
+      </c:spPr>
+    </c:plotArea>
+    <c:plotVisOnly val="1"/>
+    <c:dispBlanksAs val="gap"/>
+    <c:showDLblsOverMax val="0"/>
+  </c:chart>
+  <c:spPr>
+    <a:noFill/>
+    <a:ln>
+      <a:solidFill>
+        <a:schemeClr val="tx1"/>
+      </a:solidFill>
+    </a:ln>
+    <a:effectLst/>
+  </c:spPr>
+  <c:txPr>
+    <a:bodyPr/>
+    <a:lstStyle/>
+    <a:p>
+      <a:pPr>
+        <a:defRPr/>
+      </a:pPr>
+      <a:endParaRPr lang="ja-JP"/>
+    </a:p>
+  </c:txPr>
+  <c:externalData r:id="rId3">
+    <c:autoUpdate val="0"/>
+  </c:externalData>
+  <c:userShapes r:id="rId4"/>
+</c:chartSpace>
+</file>
+
+<file path=ppt/charts/colors1.xml><?xml version="1.0" encoding="utf-8"?>
+<cs:colorStyle xmlns:cs="http://schemas.microsoft.com/office/drawing/2012/chartStyle" xmlns:a="http://schemas.openxmlformats.org/drawingml/2006/main" meth="cycle" id="10">
+  <a:schemeClr val="accent1"/>
+  <a:schemeClr val="accent2"/>
+  <a:schemeClr val="accent3"/>
+  <a:schemeClr val="accent4"/>
+  <a:schemeClr val="accent5"/>
+  <a:schemeClr val="accent6"/>
+  <cs:variation/>
+  <cs:variation>
+    <a:lumMod val="60000"/>
+  </cs:variation>
+  <cs:variation>
+    <a:lumMod val="80000"/>
+    <a:lumOff val="20000"/>
+  </cs:variation>
+  <cs:variation>
+    <a:lumMod val="80000"/>
+  </cs:variation>
+  <cs:variation>
+    <a:lumMod val="60000"/>
+    <a:lumOff val="40000"/>
+  </cs:variation>
+  <cs:variation>
+    <a:lumMod val="50000"/>
+  </cs:variation>
+  <cs:variation>
+    <a:lumMod val="70000"/>
+    <a:lumOff val="30000"/>
+  </cs:variation>
+  <cs:variation>
+    <a:lumMod val="70000"/>
+  </cs:variation>
+  <cs:variation>
+    <a:lumMod val="50000"/>
+    <a:lumOff val="50000"/>
+  </cs:variation>
+</cs:colorStyle>
+</file>
+
+<file path=ppt/charts/colors2.xml><?xml version="1.0" encoding="utf-8"?>
+<cs:colorStyle xmlns:cs="http://schemas.microsoft.com/office/drawing/2012/chartStyle" xmlns:a="http://schemas.openxmlformats.org/drawingml/2006/main" meth="cycle" id="10">
+  <a:schemeClr val="accent1"/>
+  <a:schemeClr val="accent2"/>
+  <a:schemeClr val="accent3"/>
+  <a:schemeClr val="accent4"/>
+  <a:schemeClr val="accent5"/>
+  <a:schemeClr val="accent6"/>
+  <cs:variation/>
+  <cs:variation>
+    <a:lumMod val="60000"/>
+  </cs:variation>
+  <cs:variation>
+    <a:lumMod val="80000"/>
+    <a:lumOff val="20000"/>
+  </cs:variation>
+  <cs:variation>
+    <a:lumMod val="80000"/>
+  </cs:variation>
+  <cs:variation>
+    <a:lumMod val="60000"/>
+    <a:lumOff val="40000"/>
+  </cs:variation>
+  <cs:variation>
+    <a:lumMod val="50000"/>
+  </cs:variation>
+  <cs:variation>
+    <a:lumMod val="70000"/>
+    <a:lumOff val="30000"/>
+  </cs:variation>
+  <cs:variation>
+    <a:lumMod val="70000"/>
+  </cs:variation>
+  <cs:variation>
+    <a:lumMod val="50000"/>
+    <a:lumOff val="50000"/>
+  </cs:variation>
+</cs:colorStyle>
+</file>
+
+<file path=ppt/charts/colors3.xml><?xml version="1.0" encoding="utf-8"?>
+<cs:colorStyle xmlns:cs="http://schemas.microsoft.com/office/drawing/2012/chartStyle" xmlns:a="http://schemas.openxmlformats.org/drawingml/2006/main" meth="cycle" id="10">
+  <a:schemeClr val="accent1"/>
+  <a:schemeClr val="accent2"/>
+  <a:schemeClr val="accent3"/>
+  <a:schemeClr val="accent4"/>
+  <a:schemeClr val="accent5"/>
+  <a:schemeClr val="accent6"/>
+  <cs:variation/>
+  <cs:variation>
+    <a:lumMod val="60000"/>
+  </cs:variation>
+  <cs:variation>
+    <a:lumMod val="80000"/>
+    <a:lumOff val="20000"/>
+  </cs:variation>
+  <cs:variation>
+    <a:lumMod val="80000"/>
+  </cs:variation>
+  <cs:variation>
+    <a:lumMod val="60000"/>
+    <a:lumOff val="40000"/>
+  </cs:variation>
+  <cs:variation>
+    <a:lumMod val="50000"/>
+  </cs:variation>
+  <cs:variation>
+    <a:lumMod val="70000"/>
+    <a:lumOff val="30000"/>
+  </cs:variation>
+  <cs:variation>
+    <a:lumMod val="70000"/>
+  </cs:variation>
+  <cs:variation>
+    <a:lumMod val="50000"/>
+    <a:lumOff val="50000"/>
+  </cs:variation>
+</cs:colorStyle>
+</file>
+
+<file path=ppt/charts/style1.xml><?xml version="1.0" encoding="utf-8"?>
+<cs:chartStyle xmlns:cs="http://schemas.microsoft.com/office/drawing/2012/chartStyle" xmlns:a="http://schemas.openxmlformats.org/drawingml/2006/main" id="227">
+  <cs:axisTitle>
+    <cs:lnRef idx="0"/>
+    <cs:fillRef idx="0"/>
+    <cs:effectRef idx="0"/>
+    <cs:fontRef idx="minor">
+      <a:schemeClr val="tx1">
+        <a:lumMod val="65000"/>
+        <a:lumOff val="35000"/>
+      </a:schemeClr>
+    </cs:fontRef>
+    <cs:defRPr sz="1000" kern="1200"/>
+  </cs:axisTitle>
+  <cs:categoryAxis>
+    <cs:lnRef idx="0"/>
+    <cs:fillRef idx="0"/>
+    <cs:effectRef idx="0"/>
+    <cs:fontRef idx="minor">
+      <a:schemeClr val="tx1">
+        <a:lumMod val="65000"/>
+        <a:lumOff val="35000"/>
+      </a:schemeClr>
+    </cs:fontRef>
+    <cs:spPr>
+      <a:ln w="9525" cap="flat" cmpd="sng" algn="ctr">
+        <a:solidFill>
+          <a:schemeClr val="tx1">
+            <a:lumMod val="15000"/>
+            <a:lumOff val="85000"/>
+          </a:schemeClr>
+        </a:solidFill>
+        <a:round/>
+      </a:ln>
+    </cs:spPr>
+    <cs:defRPr sz="900" kern="1200"/>
+  </cs:categoryAxis>
+  <cs:chartArea mods="allowNoFillOverride allowNoLineOverride">
+    <cs:lnRef idx="0"/>
+    <cs:fillRef idx="0"/>
+    <cs:effectRef idx="0"/>
+    <cs:fontRef idx="minor">
+      <a:schemeClr val="tx1"/>
+    </cs:fontRef>
+    <cs:spPr>
+      <a:solidFill>
+        <a:schemeClr val="bg1"/>
+      </a:solidFill>
+      <a:ln w="9525" cap="flat" cmpd="sng" algn="ctr">
+        <a:solidFill>
+          <a:schemeClr val="tx1">
+            <a:lumMod val="15000"/>
+            <a:lumOff val="85000"/>
+          </a:schemeClr>
+        </a:solidFill>
+        <a:round/>
+      </a:ln>
+    </cs:spPr>
+    <cs:defRPr sz="1000" kern="1200"/>
+  </cs:chartArea>
+  <cs:dataLabel>
+    <cs:lnRef idx="0"/>
+    <cs:fillRef idx="0"/>
+    <cs:effectRef idx="0"/>
+    <cs:fontRef idx="minor">
+      <a:schemeClr val="tx1">
+        <a:lumMod val="75000"/>
+        <a:lumOff val="25000"/>
+      </a:schemeClr>
+    </cs:fontRef>
+    <cs:defRPr sz="900" kern="1200"/>
+  </cs:dataLabel>
+  <cs:dataLabelCallout>
+    <cs:lnRef idx="0"/>
+    <cs:fillRef idx="0"/>
+    <cs:effectRef idx="0"/>
+    <cs:fontRef idx="minor">
+      <a:schemeClr val="dk1">
+        <a:lumMod val="65000"/>
+        <a:lumOff val="35000"/>
+      </a:schemeClr>
+    </cs:fontRef>
+    <cs:spPr>
+      <a:solidFill>
+        <a:schemeClr val="lt1"/>
+      </a:solidFill>
+      <a:ln>
+        <a:solidFill>
+          <a:schemeClr val="dk1">
+            <a:lumMod val="25000"/>
+            <a:lumOff val="75000"/>
+          </a:schemeClr>
+        </a:solidFill>
+      </a:ln>
+    </cs:spPr>
+    <cs:defRPr sz="900" kern="1200"/>
+    <cs:bodyPr rot="0" spcFirstLastPara="1" vertOverflow="clip" horzOverflow="clip" vert="horz" wrap="square" lIns="36576" tIns="18288" rIns="36576" bIns="18288" anchor="ctr" anchorCtr="1">
+      <a:spAutoFit/>
+    </cs:bodyPr>
+  </cs:dataLabelCallout>
+  <cs:dataPoint>
+    <cs:lnRef idx="0"/>
+    <cs:fillRef idx="1">
+      <cs:styleClr val="auto"/>
+    </cs:fillRef>
+    <cs:effectRef idx="0"/>
+    <cs:fontRef idx="minor">
+      <a:schemeClr val="tx1"/>
+    </cs:fontRef>
+    <cs:spPr>
+      <a:solidFill>
+        <a:schemeClr val="phClr"/>
+      </a:solidFill>
+    </cs:spPr>
+  </cs:dataPoint>
+  <cs:dataPoint3D>
+    <cs:lnRef idx="0"/>
+    <cs:fillRef idx="1">
+      <cs:styleClr val="auto"/>
+    </cs:fillRef>
+    <cs:effectRef idx="0"/>
+    <cs:fontRef idx="minor">
+      <a:schemeClr val="tx1"/>
+    </cs:fontRef>
+    <cs:spPr>
+      <a:solidFill>
+        <a:schemeClr val="phClr"/>
+      </a:solidFill>
+    </cs:spPr>
+  </cs:dataPoint3D>
+  <cs:dataPointLine>
+    <cs:lnRef idx="0">
+      <cs:styleClr val="auto"/>
+    </cs:lnRef>
+    <cs:fillRef idx="1"/>
+    <cs:effectRef idx="0"/>
+    <cs:fontRef idx="minor">
+      <a:schemeClr val="tx1"/>
+    </cs:fontRef>
+    <cs:spPr>
+      <a:ln w="28575" cap="rnd">
+        <a:solidFill>
+          <a:schemeClr val="phClr"/>
+        </a:solidFill>
+        <a:round/>
+      </a:ln>
+    </cs:spPr>
+  </cs:dataPointLine>
+  <cs:dataPointMarker>
+    <cs:lnRef idx="0">
+      <cs:styleClr val="auto"/>
+    </cs:lnRef>
+    <cs:fillRef idx="1">
+      <cs:styleClr val="auto"/>
+    </cs:fillRef>
+    <cs:effectRef idx="0"/>
+    <cs:fontRef idx="minor">
+      <a:schemeClr val="tx1"/>
+    </cs:fontRef>
+    <cs:spPr>
+      <a:solidFill>
+        <a:schemeClr val="phClr"/>
+      </a:solidFill>
+      <a:ln w="9525">
+        <a:solidFill>
+          <a:schemeClr val="phClr"/>
+        </a:solidFill>
+      </a:ln>
+    </cs:spPr>
+  </cs:dataPointMarker>
+  <cs:dataPointMarkerLayout symbol="circle" size="5"/>
+  <cs:dataPointWireframe>
+    <cs:lnRef idx="0">
+      <cs:styleClr val="auto"/>
+    </cs:lnRef>
+    <cs:fillRef idx="1"/>
+    <cs:effectRef idx="0"/>
+    <cs:fontRef idx="minor">
+      <a:schemeClr val="tx1"/>
+    </cs:fontRef>
+    <cs:spPr>
+      <a:ln w="9525" cap="rnd">
+        <a:solidFill>
+          <a:schemeClr val="phClr"/>
+        </a:solidFill>
+        <a:round/>
+      </a:ln>
+    </cs:spPr>
+  </cs:dataPointWireframe>
+  <cs:dataTable>
+    <cs:lnRef idx="0"/>
+    <cs:fillRef idx="0"/>
+    <cs:effectRef idx="0"/>
+    <cs:fontRef idx="minor">
+      <a:schemeClr val="tx1">
+        <a:lumMod val="65000"/>
+        <a:lumOff val="35000"/>
+      </a:schemeClr>
+    </cs:fontRef>
+    <cs:spPr>
+      <a:noFill/>
+      <a:ln w="9525" cap="flat" cmpd="sng" algn="ctr">
+        <a:solidFill>
+          <a:schemeClr val="tx1">
+            <a:lumMod val="15000"/>
+            <a:lumOff val="85000"/>
+          </a:schemeClr>
+        </a:solidFill>
+        <a:round/>
+      </a:ln>
+    </cs:spPr>
+    <cs:defRPr sz="900" kern="1200"/>
+  </cs:dataTable>
+  <cs:downBar>
+    <cs:lnRef idx="0"/>
+    <cs:fillRef idx="0"/>
+    <cs:effectRef idx="0"/>
+    <cs:fontRef idx="minor">
+      <a:schemeClr val="dk1"/>
+    </cs:fontRef>
+    <cs:spPr>
+      <a:solidFill>
+        <a:schemeClr val="dk1">
+          <a:lumMod val="65000"/>
+          <a:lumOff val="35000"/>
+        </a:schemeClr>
+      </a:solidFill>
+      <a:ln w="9525">
+        <a:solidFill>
+          <a:schemeClr val="tx1">
+            <a:lumMod val="65000"/>
+            <a:lumOff val="35000"/>
+          </a:schemeClr>
+        </a:solidFill>
+      </a:ln>
+    </cs:spPr>
+  </cs:downBar>
+  <cs:dropLine>
+    <cs:lnRef idx="0"/>
+    <cs:fillRef idx="0"/>
+    <cs:effectRef idx="0"/>
+    <cs:fontRef idx="minor">
+      <a:schemeClr val="tx1"/>
+    </cs:fontRef>
+    <cs:spPr>
+      <a:ln w="9525" cap="flat" cmpd="sng" algn="ctr">
+        <a:solidFill>
+          <a:schemeClr val="tx1">
+            <a:lumMod val="35000"/>
+            <a:lumOff val="65000"/>
+          </a:schemeClr>
+        </a:solidFill>
+        <a:round/>
+      </a:ln>
+    </cs:spPr>
+  </cs:dropLine>
+  <cs:errorBar>
+    <cs:lnRef idx="0"/>
+    <cs:fillRef idx="0"/>
+    <cs:effectRef idx="0"/>
+    <cs:fontRef idx="minor">
+      <a:schemeClr val="tx1"/>
+    </cs:fontRef>
+    <cs:spPr>
+      <a:ln w="9525" cap="flat" cmpd="sng" algn="ctr">
+        <a:solidFill>
+          <a:schemeClr val="tx1">
+            <a:lumMod val="65000"/>
+            <a:lumOff val="35000"/>
+          </a:schemeClr>
+        </a:solidFill>
+        <a:round/>
+      </a:ln>
+    </cs:spPr>
+  </cs:errorBar>
+  <cs:floor>
+    <cs:lnRef idx="0"/>
+    <cs:fillRef idx="0"/>
+    <cs:effectRef idx="0"/>
+    <cs:fontRef idx="minor">
+      <a:schemeClr val="tx1"/>
+    </cs:fontRef>
+    <cs:spPr>
+      <a:noFill/>
+      <a:ln>
+        <a:noFill/>
+      </a:ln>
+    </cs:spPr>
+  </cs:floor>
+  <cs:gridlineMajor>
+    <cs:lnRef idx="0"/>
+    <cs:fillRef idx="0"/>
+    <cs:effectRef idx="0"/>
+    <cs:fontRef idx="minor">
+      <a:schemeClr val="tx1"/>
+    </cs:fontRef>
+    <cs:spPr>
+      <a:ln w="9525" cap="flat" cmpd="sng" algn="ctr">
+        <a:solidFill>
+          <a:schemeClr val="tx1">
+            <a:lumMod val="15000"/>
+            <a:lumOff val="85000"/>
+          </a:schemeClr>
+        </a:solidFill>
+        <a:round/>
+      </a:ln>
+    </cs:spPr>
+  </cs:gridlineMajor>
+  <cs:gridlineMinor>
+    <cs:lnRef idx="0"/>
+    <cs:fillRef idx="0"/>
+    <cs:effectRef idx="0"/>
+    <cs:fontRef idx="minor">
+      <a:schemeClr val="tx1"/>
+    </cs:fontRef>
+    <cs:spPr>
+      <a:ln w="9525" cap="flat" cmpd="sng" algn="ctr">
+        <a:solidFill>
+          <a:schemeClr val="tx1">
+            <a:lumMod val="5000"/>
+            <a:lumOff val="95000"/>
+          </a:schemeClr>
+        </a:solidFill>
+        <a:round/>
+      </a:ln>
+    </cs:spPr>
+  </cs:gridlineMinor>
+  <cs:hiLoLine>
+    <cs:lnRef idx="0"/>
+    <cs:fillRef idx="0"/>
+    <cs:effectRef idx="0"/>
+    <cs:fontRef idx="minor">
+      <a:schemeClr val="tx1"/>
+    </cs:fontRef>
+    <cs:spPr>
+      <a:ln w="9525" cap="flat" cmpd="sng" algn="ctr">
+        <a:solidFill>
+          <a:schemeClr val="tx1">
+            <a:lumMod val="75000"/>
+            <a:lumOff val="25000"/>
+          </a:schemeClr>
+        </a:solidFill>
+        <a:round/>
+      </a:ln>
+    </cs:spPr>
+  </cs:hiLoLine>
+  <cs:leaderLine>
+    <cs:lnRef idx="0"/>
+    <cs:fillRef idx="0"/>
+    <cs:effectRef idx="0"/>
+    <cs:fontRef idx="minor">
+      <a:schemeClr val="tx1"/>
+    </cs:fontRef>
+    <cs:spPr>
+      <a:ln w="9525" cap="flat" cmpd="sng" algn="ctr">
+        <a:solidFill>
+          <a:schemeClr val="tx1">
+            <a:lumMod val="35000"/>
+            <a:lumOff val="65000"/>
+          </a:schemeClr>
+        </a:solidFill>
+        <a:round/>
+      </a:ln>
+    </cs:spPr>
+  </cs:leaderLine>
+  <cs:legend>
+    <cs:lnRef idx="0"/>
+    <cs:fillRef idx="0"/>
+    <cs:effectRef idx="0"/>
+    <cs:fontRef idx="minor">
+      <a:schemeClr val="tx1">
+        <a:lumMod val="65000"/>
+        <a:lumOff val="35000"/>
+      </a:schemeClr>
+    </cs:fontRef>
+    <cs:defRPr sz="900" kern="1200"/>
+  </cs:legend>
+  <cs:plotArea mods="allowNoFillOverride allowNoLineOverride">
+    <cs:lnRef idx="0"/>
+    <cs:fillRef idx="0"/>
+    <cs:effectRef idx="0"/>
+    <cs:fontRef idx="minor">
+      <a:schemeClr val="tx1"/>
+    </cs:fontRef>
+  </cs:plotArea>
+  <cs:plotArea3D mods="allowNoFillOverride allowNoLineOverride">
+    <cs:lnRef idx="0"/>
+    <cs:fillRef idx="0"/>
+    <cs:effectRef idx="0"/>
+    <cs:fontRef idx="minor">
+      <a:schemeClr val="tx1"/>
+    </cs:fontRef>
+  </cs:plotArea3D>
+  <cs:seriesAxis>
+    <cs:lnRef idx="0"/>
+    <cs:fillRef idx="0"/>
+    <cs:effectRef idx="0"/>
+    <cs:fontRef idx="minor">
+      <a:schemeClr val="tx1">
+        <a:lumMod val="65000"/>
+        <a:lumOff val="35000"/>
+      </a:schemeClr>
+    </cs:fontRef>
+    <cs:defRPr sz="900" kern="1200"/>
+  </cs:seriesAxis>
+  <cs:seriesLine>
+    <cs:lnRef idx="0"/>
+    <cs:fillRef idx="0"/>
+    <cs:effectRef idx="0"/>
+    <cs:fontRef idx="minor">
+      <a:schemeClr val="tx1"/>
+    </cs:fontRef>
+    <cs:spPr>
+      <a:ln w="9525" cap="flat" cmpd="sng" algn="ctr">
+        <a:solidFill>
+          <a:schemeClr val="tx1">
+            <a:lumMod val="35000"/>
+            <a:lumOff val="65000"/>
+          </a:schemeClr>
+        </a:solidFill>
+        <a:round/>
+      </a:ln>
+    </cs:spPr>
+  </cs:seriesLine>
+  <cs:title>
+    <cs:lnRef idx="0"/>
+    <cs:fillRef idx="0"/>
+    <cs:effectRef idx="0"/>
+    <cs:fontRef idx="minor">
+      <a:schemeClr val="tx1">
+        <a:lumMod val="65000"/>
+        <a:lumOff val="35000"/>
+      </a:schemeClr>
+    </cs:fontRef>
+    <cs:defRPr sz="1400" b="0" kern="1200" spc="0" baseline="0"/>
+  </cs:title>
+  <cs:trendline>
+    <cs:lnRef idx="0">
+      <cs:styleClr val="auto"/>
+    </cs:lnRef>
+    <cs:fillRef idx="0"/>
+    <cs:effectRef idx="0"/>
+    <cs:fontRef idx="minor">
+      <a:schemeClr val="tx1"/>
+    </cs:fontRef>
+    <cs:spPr>
+      <a:ln w="19050" cap="rnd">
+        <a:solidFill>
+          <a:schemeClr val="phClr"/>
+        </a:solidFill>
+        <a:prstDash val="sysDot"/>
+      </a:ln>
+    </cs:spPr>
+  </cs:trendline>
+  <cs:trendlineLabel>
+    <cs:lnRef idx="0"/>
+    <cs:fillRef idx="0"/>
+    <cs:effectRef idx="0"/>
+    <cs:fontRef idx="minor">
+      <a:schemeClr val="tx1">
+        <a:lumMod val="65000"/>
+        <a:lumOff val="35000"/>
+      </a:schemeClr>
+    </cs:fontRef>
+    <cs:defRPr sz="900" kern="1200"/>
+  </cs:trendlineLabel>
+  <cs:upBar>
+    <cs:lnRef idx="0"/>
+    <cs:fillRef idx="0"/>
+    <cs:effectRef idx="0"/>
+    <cs:fontRef idx="minor">
+      <a:schemeClr val="dk1"/>
+    </cs:fontRef>
+    <cs:spPr>
+      <a:solidFill>
+        <a:schemeClr val="lt1"/>
+      </a:solidFill>
+      <a:ln w="9525">
+        <a:solidFill>
+          <a:schemeClr val="tx1">
+            <a:lumMod val="15000"/>
+            <a:lumOff val="85000"/>
+          </a:schemeClr>
+        </a:solidFill>
+      </a:ln>
+    </cs:spPr>
+  </cs:upBar>
+  <cs:valueAxis>
+    <cs:lnRef idx="0"/>
+    <cs:fillRef idx="0"/>
+    <cs:effectRef idx="0"/>
+    <cs:fontRef idx="minor">
+      <a:schemeClr val="tx1">
+        <a:lumMod val="65000"/>
+        <a:lumOff val="35000"/>
+      </a:schemeClr>
+    </cs:fontRef>
+    <cs:defRPr sz="900" kern="1200"/>
+  </cs:valueAxis>
+  <cs:wall>
+    <cs:lnRef idx="0"/>
+    <cs:fillRef idx="0"/>
+    <cs:effectRef idx="0"/>
+    <cs:fontRef idx="minor">
+      <a:schemeClr val="tx1"/>
+    </cs:fontRef>
+    <cs:spPr>
+      <a:noFill/>
+      <a:ln>
+        <a:noFill/>
+      </a:ln>
+    </cs:spPr>
+  </cs:wall>
+</cs:chartStyle>
+</file>
+
+<file path=ppt/charts/style2.xml><?xml version="1.0" encoding="utf-8"?>
+<cs:chartStyle xmlns:cs="http://schemas.microsoft.com/office/drawing/2012/chartStyle" xmlns:a="http://schemas.openxmlformats.org/drawingml/2006/main" id="227">
+  <cs:axisTitle>
+    <cs:lnRef idx="0"/>
+    <cs:fillRef idx="0"/>
+    <cs:effectRef idx="0"/>
+    <cs:fontRef idx="minor">
+      <a:schemeClr val="tx1">
+        <a:lumMod val="65000"/>
+        <a:lumOff val="35000"/>
+      </a:schemeClr>
+    </cs:fontRef>
+    <cs:defRPr sz="1000" kern="1200"/>
+  </cs:axisTitle>
+  <cs:categoryAxis>
+    <cs:lnRef idx="0"/>
+    <cs:fillRef idx="0"/>
+    <cs:effectRef idx="0"/>
+    <cs:fontRef idx="minor">
+      <a:schemeClr val="tx1">
+        <a:lumMod val="65000"/>
+        <a:lumOff val="35000"/>
+      </a:schemeClr>
+    </cs:fontRef>
+    <cs:spPr>
+      <a:ln w="9525" cap="flat" cmpd="sng" algn="ctr">
+        <a:solidFill>
+          <a:schemeClr val="tx1">
+            <a:lumMod val="15000"/>
+            <a:lumOff val="85000"/>
+          </a:schemeClr>
+        </a:solidFill>
+        <a:round/>
+      </a:ln>
+    </cs:spPr>
+    <cs:defRPr sz="900" kern="1200"/>
+  </cs:categoryAxis>
+  <cs:chartArea mods="allowNoFillOverride allowNoLineOverride">
+    <cs:lnRef idx="0"/>
+    <cs:fillRef idx="0"/>
+    <cs:effectRef idx="0"/>
+    <cs:fontRef idx="minor">
+      <a:schemeClr val="tx1"/>
+    </cs:fontRef>
+    <cs:spPr>
+      <a:solidFill>
+        <a:schemeClr val="bg1"/>
+      </a:solidFill>
+      <a:ln w="9525" cap="flat" cmpd="sng" algn="ctr">
+        <a:solidFill>
+          <a:schemeClr val="tx1">
+            <a:lumMod val="15000"/>
+            <a:lumOff val="85000"/>
+          </a:schemeClr>
+        </a:solidFill>
+        <a:round/>
+      </a:ln>
+    </cs:spPr>
+    <cs:defRPr sz="1000" kern="1200"/>
+  </cs:chartArea>
+  <cs:dataLabel>
+    <cs:lnRef idx="0"/>
+    <cs:fillRef idx="0"/>
+    <cs:effectRef idx="0"/>
+    <cs:fontRef idx="minor">
+      <a:schemeClr val="tx1">
+        <a:lumMod val="75000"/>
+        <a:lumOff val="25000"/>
+      </a:schemeClr>
+    </cs:fontRef>
+    <cs:defRPr sz="900" kern="1200"/>
+  </cs:dataLabel>
+  <cs:dataLabelCallout>
+    <cs:lnRef idx="0"/>
+    <cs:fillRef idx="0"/>
+    <cs:effectRef idx="0"/>
+    <cs:fontRef idx="minor">
+      <a:schemeClr val="dk1">
+        <a:lumMod val="65000"/>
+        <a:lumOff val="35000"/>
+      </a:schemeClr>
+    </cs:fontRef>
+    <cs:spPr>
+      <a:solidFill>
+        <a:schemeClr val="lt1"/>
+      </a:solidFill>
+      <a:ln>
+        <a:solidFill>
+          <a:schemeClr val="dk1">
+            <a:lumMod val="25000"/>
+            <a:lumOff val="75000"/>
+          </a:schemeClr>
+        </a:solidFill>
+      </a:ln>
+    </cs:spPr>
+    <cs:defRPr sz="900" kern="1200"/>
+    <cs:bodyPr rot="0" spcFirstLastPara="1" vertOverflow="clip" horzOverflow="clip" vert="horz" wrap="square" lIns="36576" tIns="18288" rIns="36576" bIns="18288" anchor="ctr" anchorCtr="1">
+      <a:spAutoFit/>
+    </cs:bodyPr>
+  </cs:dataLabelCallout>
+  <cs:dataPoint>
+    <cs:lnRef idx="0"/>
+    <cs:fillRef idx="1">
+      <cs:styleClr val="auto"/>
+    </cs:fillRef>
+    <cs:effectRef idx="0"/>
+    <cs:fontRef idx="minor">
+      <a:schemeClr val="tx1"/>
+    </cs:fontRef>
+    <cs:spPr>
+      <a:solidFill>
+        <a:schemeClr val="phClr"/>
+      </a:solidFill>
+    </cs:spPr>
+  </cs:dataPoint>
+  <cs:dataPoint3D>
+    <cs:lnRef idx="0"/>
+    <cs:fillRef idx="1">
+      <cs:styleClr val="auto"/>
+    </cs:fillRef>
+    <cs:effectRef idx="0"/>
+    <cs:fontRef idx="minor">
+      <a:schemeClr val="tx1"/>
+    </cs:fontRef>
+    <cs:spPr>
+      <a:solidFill>
+        <a:schemeClr val="phClr"/>
+      </a:solidFill>
+    </cs:spPr>
+  </cs:dataPoint3D>
+  <cs:dataPointLine>
+    <cs:lnRef idx="0">
+      <cs:styleClr val="auto"/>
+    </cs:lnRef>
+    <cs:fillRef idx="1"/>
+    <cs:effectRef idx="0"/>
+    <cs:fontRef idx="minor">
+      <a:schemeClr val="tx1"/>
+    </cs:fontRef>
+    <cs:spPr>
+      <a:ln w="28575" cap="rnd">
+        <a:solidFill>
+          <a:schemeClr val="phClr"/>
+        </a:solidFill>
+        <a:round/>
+      </a:ln>
+    </cs:spPr>
+  </cs:dataPointLine>
+  <cs:dataPointMarker>
+    <cs:lnRef idx="0">
+      <cs:styleClr val="auto"/>
+    </cs:lnRef>
+    <cs:fillRef idx="1">
+      <cs:styleClr val="auto"/>
+    </cs:fillRef>
+    <cs:effectRef idx="0"/>
+    <cs:fontRef idx="minor">
+      <a:schemeClr val="tx1"/>
+    </cs:fontRef>
+    <cs:spPr>
+      <a:solidFill>
+        <a:schemeClr val="phClr"/>
+      </a:solidFill>
+      <a:ln w="9525">
+        <a:solidFill>
+          <a:schemeClr val="phClr"/>
+        </a:solidFill>
+      </a:ln>
+    </cs:spPr>
+  </cs:dataPointMarker>
+  <cs:dataPointMarkerLayout symbol="circle" size="5"/>
+  <cs:dataPointWireframe>
+    <cs:lnRef idx="0">
+      <cs:styleClr val="auto"/>
+    </cs:lnRef>
+    <cs:fillRef idx="1"/>
+    <cs:effectRef idx="0"/>
+    <cs:fontRef idx="minor">
+      <a:schemeClr val="tx1"/>
+    </cs:fontRef>
+    <cs:spPr>
+      <a:ln w="9525" cap="rnd">
+        <a:solidFill>
+          <a:schemeClr val="phClr"/>
+        </a:solidFill>
+        <a:round/>
+      </a:ln>
+    </cs:spPr>
+  </cs:dataPointWireframe>
+  <cs:dataTable>
+    <cs:lnRef idx="0"/>
+    <cs:fillRef idx="0"/>
+    <cs:effectRef idx="0"/>
+    <cs:fontRef idx="minor">
+      <a:schemeClr val="tx1">
+        <a:lumMod val="65000"/>
+        <a:lumOff val="35000"/>
+      </a:schemeClr>
+    </cs:fontRef>
+    <cs:spPr>
+      <a:noFill/>
+      <a:ln w="9525" cap="flat" cmpd="sng" algn="ctr">
+        <a:solidFill>
+          <a:schemeClr val="tx1">
+            <a:lumMod val="15000"/>
+            <a:lumOff val="85000"/>
+          </a:schemeClr>
+        </a:solidFill>
+        <a:round/>
+      </a:ln>
+    </cs:spPr>
+    <cs:defRPr sz="900" kern="1200"/>
+  </cs:dataTable>
+  <cs:downBar>
+    <cs:lnRef idx="0"/>
+    <cs:fillRef idx="0"/>
+    <cs:effectRef idx="0"/>
+    <cs:fontRef idx="minor">
+      <a:schemeClr val="dk1"/>
+    </cs:fontRef>
+    <cs:spPr>
+      <a:solidFill>
+        <a:schemeClr val="dk1">
+          <a:lumMod val="65000"/>
+          <a:lumOff val="35000"/>
+        </a:schemeClr>
+      </a:solidFill>
+      <a:ln w="9525">
+        <a:solidFill>
+          <a:schemeClr val="tx1">
+            <a:lumMod val="65000"/>
+            <a:lumOff val="35000"/>
+          </a:schemeClr>
+        </a:solidFill>
+      </a:ln>
+    </cs:spPr>
+  </cs:downBar>
+  <cs:dropLine>
+    <cs:lnRef idx="0"/>
+    <cs:fillRef idx="0"/>
+    <cs:effectRef idx="0"/>
+    <cs:fontRef idx="minor">
+      <a:schemeClr val="tx1"/>
+    </cs:fontRef>
+    <cs:spPr>
+      <a:ln w="9525" cap="flat" cmpd="sng" algn="ctr">
+        <a:solidFill>
+          <a:schemeClr val="tx1">
+            <a:lumMod val="35000"/>
+            <a:lumOff val="65000"/>
+          </a:schemeClr>
+        </a:solidFill>
+        <a:round/>
+      </a:ln>
+    </cs:spPr>
+  </cs:dropLine>
+  <cs:errorBar>
+    <cs:lnRef idx="0"/>
+    <cs:fillRef idx="0"/>
+    <cs:effectRef idx="0"/>
+    <cs:fontRef idx="minor">
+      <a:schemeClr val="tx1"/>
+    </cs:fontRef>
+    <cs:spPr>
+      <a:ln w="9525" cap="flat" cmpd="sng" algn="ctr">
+        <a:solidFill>
+          <a:schemeClr val="tx1">
+            <a:lumMod val="65000"/>
+            <a:lumOff val="35000"/>
+          </a:schemeClr>
+        </a:solidFill>
+        <a:round/>
+      </a:ln>
+    </cs:spPr>
+  </cs:errorBar>
+  <cs:floor>
+    <cs:lnRef idx="0"/>
+    <cs:fillRef idx="0"/>
+    <cs:effectRef idx="0"/>
+    <cs:fontRef idx="minor">
+      <a:schemeClr val="tx1"/>
+    </cs:fontRef>
+    <cs:spPr>
+      <a:noFill/>
+      <a:ln>
+        <a:noFill/>
+      </a:ln>
+    </cs:spPr>
+  </cs:floor>
+  <cs:gridlineMajor>
+    <cs:lnRef idx="0"/>
+    <cs:fillRef idx="0"/>
+    <cs:effectRef idx="0"/>
+    <cs:fontRef idx="minor">
+      <a:schemeClr val="tx1"/>
+    </cs:fontRef>
+    <cs:spPr>
+      <a:ln w="9525" cap="flat" cmpd="sng" algn="ctr">
+        <a:solidFill>
+          <a:schemeClr val="tx1">
+            <a:lumMod val="15000"/>
+            <a:lumOff val="85000"/>
+          </a:schemeClr>
+        </a:solidFill>
+        <a:round/>
+      </a:ln>
+    </cs:spPr>
+  </cs:gridlineMajor>
+  <cs:gridlineMinor>
+    <cs:lnRef idx="0"/>
+    <cs:fillRef idx="0"/>
+    <cs:effectRef idx="0"/>
+    <cs:fontRef idx="minor">
+      <a:schemeClr val="tx1"/>
+    </cs:fontRef>
+    <cs:spPr>
+      <a:ln w="9525" cap="flat" cmpd="sng" algn="ctr">
+        <a:solidFill>
+          <a:schemeClr val="tx1">
+            <a:lumMod val="5000"/>
+            <a:lumOff val="95000"/>
+          </a:schemeClr>
+        </a:solidFill>
+        <a:round/>
+      </a:ln>
+    </cs:spPr>
+  </cs:gridlineMinor>
+  <cs:hiLoLine>
+    <cs:lnRef idx="0"/>
+    <cs:fillRef idx="0"/>
+    <cs:effectRef idx="0"/>
+    <cs:fontRef idx="minor">
+      <a:schemeClr val="tx1"/>
+    </cs:fontRef>
+    <cs:spPr>
+      <a:ln w="9525" cap="flat" cmpd="sng" algn="ctr">
+        <a:solidFill>
+          <a:schemeClr val="tx1">
+            <a:lumMod val="75000"/>
+            <a:lumOff val="25000"/>
+          </a:schemeClr>
+        </a:solidFill>
+        <a:round/>
+      </a:ln>
+    </cs:spPr>
+  </cs:hiLoLine>
+  <cs:leaderLine>
+    <cs:lnRef idx="0"/>
+    <cs:fillRef idx="0"/>
+    <cs:effectRef idx="0"/>
+    <cs:fontRef idx="minor">
+      <a:schemeClr val="tx1"/>
+    </cs:fontRef>
+    <cs:spPr>
+      <a:ln w="9525" cap="flat" cmpd="sng" algn="ctr">
+        <a:solidFill>
+          <a:schemeClr val="tx1">
+            <a:lumMod val="35000"/>
+            <a:lumOff val="65000"/>
+          </a:schemeClr>
+        </a:solidFill>
+        <a:round/>
+      </a:ln>
+    </cs:spPr>
+  </cs:leaderLine>
+  <cs:legend>
+    <cs:lnRef idx="0"/>
+    <cs:fillRef idx="0"/>
+    <cs:effectRef idx="0"/>
+    <cs:fontRef idx="minor">
+      <a:schemeClr val="tx1">
+        <a:lumMod val="65000"/>
+        <a:lumOff val="35000"/>
+      </a:schemeClr>
+    </cs:fontRef>
+    <cs:defRPr sz="900" kern="1200"/>
+  </cs:legend>
+  <cs:plotArea mods="allowNoFillOverride allowNoLineOverride">
+    <cs:lnRef idx="0"/>
+    <cs:fillRef idx="0"/>
+    <cs:effectRef idx="0"/>
+    <cs:fontRef idx="minor">
+      <a:schemeClr val="tx1"/>
+    </cs:fontRef>
+  </cs:plotArea>
+  <cs:plotArea3D mods="allowNoFillOverride allowNoLineOverride">
+    <cs:lnRef idx="0"/>
+    <cs:fillRef idx="0"/>
+    <cs:effectRef idx="0"/>
+    <cs:fontRef idx="minor">
+      <a:schemeClr val="tx1"/>
+    </cs:fontRef>
+  </cs:plotArea3D>
+  <cs:seriesAxis>
+    <cs:lnRef idx="0"/>
+    <cs:fillRef idx="0"/>
+    <cs:effectRef idx="0"/>
+    <cs:fontRef idx="minor">
+      <a:schemeClr val="tx1">
+        <a:lumMod val="65000"/>
+        <a:lumOff val="35000"/>
+      </a:schemeClr>
+    </cs:fontRef>
+    <cs:defRPr sz="900" kern="1200"/>
+  </cs:seriesAxis>
+  <cs:seriesLine>
+    <cs:lnRef idx="0"/>
+    <cs:fillRef idx="0"/>
+    <cs:effectRef idx="0"/>
+    <cs:fontRef idx="minor">
+      <a:schemeClr val="tx1"/>
+    </cs:fontRef>
+    <cs:spPr>
+      <a:ln w="9525" cap="flat" cmpd="sng" algn="ctr">
+        <a:solidFill>
+          <a:schemeClr val="tx1">
+            <a:lumMod val="35000"/>
+            <a:lumOff val="65000"/>
+          </a:schemeClr>
+        </a:solidFill>
+        <a:round/>
+      </a:ln>
+    </cs:spPr>
+  </cs:seriesLine>
+  <cs:title>
+    <cs:lnRef idx="0"/>
+    <cs:fillRef idx="0"/>
+    <cs:effectRef idx="0"/>
+    <cs:fontRef idx="minor">
+      <a:schemeClr val="tx1">
+        <a:lumMod val="65000"/>
+        <a:lumOff val="35000"/>
+      </a:schemeClr>
+    </cs:fontRef>
+    <cs:defRPr sz="1400" b="0" kern="1200" spc="0" baseline="0"/>
+  </cs:title>
+  <cs:trendline>
+    <cs:lnRef idx="0">
+      <cs:styleClr val="auto"/>
+    </cs:lnRef>
+    <cs:fillRef idx="0"/>
+    <cs:effectRef idx="0"/>
+    <cs:fontRef idx="minor">
+      <a:schemeClr val="tx1"/>
+    </cs:fontRef>
+    <cs:spPr>
+      <a:ln w="19050" cap="rnd">
+        <a:solidFill>
+          <a:schemeClr val="phClr"/>
+        </a:solidFill>
+        <a:prstDash val="sysDot"/>
+      </a:ln>
+    </cs:spPr>
+  </cs:trendline>
+  <cs:trendlineLabel>
+    <cs:lnRef idx="0"/>
+    <cs:fillRef idx="0"/>
+    <cs:effectRef idx="0"/>
+    <cs:fontRef idx="minor">
+      <a:schemeClr val="tx1">
+        <a:lumMod val="65000"/>
+        <a:lumOff val="35000"/>
+      </a:schemeClr>
+    </cs:fontRef>
+    <cs:defRPr sz="900" kern="1200"/>
+  </cs:trendlineLabel>
+  <cs:upBar>
+    <cs:lnRef idx="0"/>
+    <cs:fillRef idx="0"/>
+    <cs:effectRef idx="0"/>
+    <cs:fontRef idx="minor">
+      <a:schemeClr val="dk1"/>
+    </cs:fontRef>
+    <cs:spPr>
+      <a:solidFill>
+        <a:schemeClr val="lt1"/>
+      </a:solidFill>
+      <a:ln w="9525">
+        <a:solidFill>
+          <a:schemeClr val="tx1">
+            <a:lumMod val="15000"/>
+            <a:lumOff val="85000"/>
+          </a:schemeClr>
+        </a:solidFill>
+      </a:ln>
+    </cs:spPr>
+  </cs:upBar>
+  <cs:valueAxis>
+    <cs:lnRef idx="0"/>
+    <cs:fillRef idx="0"/>
+    <cs:effectRef idx="0"/>
+    <cs:fontRef idx="minor">
+      <a:schemeClr val="tx1">
+        <a:lumMod val="65000"/>
+        <a:lumOff val="35000"/>
+      </a:schemeClr>
+    </cs:fontRef>
+    <cs:defRPr sz="900" kern="1200"/>
+  </cs:valueAxis>
+  <cs:wall>
+    <cs:lnRef idx="0"/>
+    <cs:fillRef idx="0"/>
+    <cs:effectRef idx="0"/>
+    <cs:fontRef idx="minor">
+      <a:schemeClr val="tx1"/>
+    </cs:fontRef>
+    <cs:spPr>
+      <a:noFill/>
+      <a:ln>
+        <a:noFill/>
+      </a:ln>
+    </cs:spPr>
+  </cs:wall>
+</cs:chartStyle>
+</file>
+
+<file path=ppt/charts/style3.xml><?xml version="1.0" encoding="utf-8"?>
+<cs:chartStyle xmlns:cs="http://schemas.microsoft.com/office/drawing/2012/chartStyle" xmlns:a="http://schemas.openxmlformats.org/drawingml/2006/main" id="227">
+  <cs:axisTitle>
+    <cs:lnRef idx="0"/>
+    <cs:fillRef idx="0"/>
+    <cs:effectRef idx="0"/>
+    <cs:fontRef idx="minor">
+      <a:schemeClr val="tx1">
+        <a:lumMod val="65000"/>
+        <a:lumOff val="35000"/>
+      </a:schemeClr>
+    </cs:fontRef>
+    <cs:defRPr sz="1000" kern="1200"/>
+  </cs:axisTitle>
+  <cs:categoryAxis>
+    <cs:lnRef idx="0"/>
+    <cs:fillRef idx="0"/>
+    <cs:effectRef idx="0"/>
+    <cs:fontRef idx="minor">
+      <a:schemeClr val="tx1">
+        <a:lumMod val="65000"/>
+        <a:lumOff val="35000"/>
+      </a:schemeClr>
+    </cs:fontRef>
+    <cs:spPr>
+      <a:ln w="9525" cap="flat" cmpd="sng" algn="ctr">
+        <a:solidFill>
+          <a:schemeClr val="tx1">
+            <a:lumMod val="15000"/>
+            <a:lumOff val="85000"/>
+          </a:schemeClr>
+        </a:solidFill>
+        <a:round/>
+      </a:ln>
+    </cs:spPr>
+    <cs:defRPr sz="900" kern="1200"/>
+  </cs:categoryAxis>
+  <cs:chartArea mods="allowNoFillOverride allowNoLineOverride">
+    <cs:lnRef idx="0"/>
+    <cs:fillRef idx="0"/>
+    <cs:effectRef idx="0"/>
+    <cs:fontRef idx="minor">
+      <a:schemeClr val="tx1"/>
+    </cs:fontRef>
+    <cs:spPr>
+      <a:solidFill>
+        <a:schemeClr val="bg1"/>
+      </a:solidFill>
+      <a:ln w="9525" cap="flat" cmpd="sng" algn="ctr">
+        <a:solidFill>
+          <a:schemeClr val="tx1">
+            <a:lumMod val="15000"/>
+            <a:lumOff val="85000"/>
+          </a:schemeClr>
+        </a:solidFill>
+        <a:round/>
+      </a:ln>
+    </cs:spPr>
+    <cs:defRPr sz="1000" kern="1200"/>
+  </cs:chartArea>
+  <cs:dataLabel>
+    <cs:lnRef idx="0"/>
+    <cs:fillRef idx="0"/>
+    <cs:effectRef idx="0"/>
+    <cs:fontRef idx="minor">
+      <a:schemeClr val="tx1">
+        <a:lumMod val="75000"/>
+        <a:lumOff val="25000"/>
+      </a:schemeClr>
+    </cs:fontRef>
+    <cs:defRPr sz="900" kern="1200"/>
+  </cs:dataLabel>
+  <cs:dataLabelCallout>
+    <cs:lnRef idx="0"/>
+    <cs:fillRef idx="0"/>
+    <cs:effectRef idx="0"/>
+    <cs:fontRef idx="minor">
+      <a:schemeClr val="dk1">
+        <a:lumMod val="65000"/>
+        <a:lumOff val="35000"/>
+      </a:schemeClr>
+    </cs:fontRef>
+    <cs:spPr>
+      <a:solidFill>
+        <a:schemeClr val="lt1"/>
+      </a:solidFill>
+      <a:ln>
+        <a:solidFill>
+          <a:schemeClr val="dk1">
+            <a:lumMod val="25000"/>
+            <a:lumOff val="75000"/>
+          </a:schemeClr>
+        </a:solidFill>
+      </a:ln>
+    </cs:spPr>
+    <cs:defRPr sz="900" kern="1200"/>
+    <cs:bodyPr rot="0" spcFirstLastPara="1" vertOverflow="clip" horzOverflow="clip" vert="horz" wrap="square" lIns="36576" tIns="18288" rIns="36576" bIns="18288" anchor="ctr" anchorCtr="1">
+      <a:spAutoFit/>
+    </cs:bodyPr>
+  </cs:dataLabelCallout>
+  <cs:dataPoint>
+    <cs:lnRef idx="0"/>
+    <cs:fillRef idx="1">
+      <cs:styleClr val="auto"/>
+    </cs:fillRef>
+    <cs:effectRef idx="0"/>
+    <cs:fontRef idx="minor">
+      <a:schemeClr val="tx1"/>
+    </cs:fontRef>
+    <cs:spPr>
+      <a:solidFill>
+        <a:schemeClr val="phClr"/>
+      </a:solidFill>
+    </cs:spPr>
+  </cs:dataPoint>
+  <cs:dataPoint3D>
+    <cs:lnRef idx="0"/>
+    <cs:fillRef idx="1">
+      <cs:styleClr val="auto"/>
+    </cs:fillRef>
+    <cs:effectRef idx="0"/>
+    <cs:fontRef idx="minor">
+      <a:schemeClr val="tx1"/>
+    </cs:fontRef>
+    <cs:spPr>
+      <a:solidFill>
+        <a:schemeClr val="phClr"/>
+      </a:solidFill>
+    </cs:spPr>
+  </cs:dataPoint3D>
+  <cs:dataPointLine>
+    <cs:lnRef idx="0">
+      <cs:styleClr val="auto"/>
+    </cs:lnRef>
+    <cs:fillRef idx="1"/>
+    <cs:effectRef idx="0"/>
+    <cs:fontRef idx="minor">
+      <a:schemeClr val="tx1"/>
+    </cs:fontRef>
+    <cs:spPr>
+      <a:ln w="28575" cap="rnd">
+        <a:solidFill>
+          <a:schemeClr val="phClr"/>
+        </a:solidFill>
+        <a:round/>
+      </a:ln>
+    </cs:spPr>
+  </cs:dataPointLine>
+  <cs:dataPointMarker>
+    <cs:lnRef idx="0">
+      <cs:styleClr val="auto"/>
+    </cs:lnRef>
+    <cs:fillRef idx="1">
+      <cs:styleClr val="auto"/>
+    </cs:fillRef>
+    <cs:effectRef idx="0"/>
+    <cs:fontRef idx="minor">
+      <a:schemeClr val="tx1"/>
+    </cs:fontRef>
+    <cs:spPr>
+      <a:solidFill>
+        <a:schemeClr val="phClr"/>
+      </a:solidFill>
+      <a:ln w="9525">
+        <a:solidFill>
+          <a:schemeClr val="phClr"/>
+        </a:solidFill>
+      </a:ln>
+    </cs:spPr>
+  </cs:dataPointMarker>
+  <cs:dataPointMarkerLayout symbol="circle" size="5"/>
+  <cs:dataPointWireframe>
+    <cs:lnRef idx="0">
+      <cs:styleClr val="auto"/>
+    </cs:lnRef>
+    <cs:fillRef idx="1"/>
+    <cs:effectRef idx="0"/>
+    <cs:fontRef idx="minor">
+      <a:schemeClr val="tx1"/>
+    </cs:fontRef>
+    <cs:spPr>
+      <a:ln w="9525" cap="rnd">
+        <a:solidFill>
+          <a:schemeClr val="phClr"/>
+        </a:solidFill>
+        <a:round/>
+      </a:ln>
+    </cs:spPr>
+  </cs:dataPointWireframe>
+  <cs:dataTable>
+    <cs:lnRef idx="0"/>
+    <cs:fillRef idx="0"/>
+    <cs:effectRef idx="0"/>
+    <cs:fontRef idx="minor">
+      <a:schemeClr val="tx1">
+        <a:lumMod val="65000"/>
+        <a:lumOff val="35000"/>
+      </a:schemeClr>
+    </cs:fontRef>
+    <cs:spPr>
+      <a:noFill/>
+      <a:ln w="9525" cap="flat" cmpd="sng" algn="ctr">
+        <a:solidFill>
+          <a:schemeClr val="tx1">
+            <a:lumMod val="15000"/>
+            <a:lumOff val="85000"/>
+          </a:schemeClr>
+        </a:solidFill>
+        <a:round/>
+      </a:ln>
+    </cs:spPr>
+    <cs:defRPr sz="900" kern="1200"/>
+  </cs:dataTable>
+  <cs:downBar>
+    <cs:lnRef idx="0"/>
+    <cs:fillRef idx="0"/>
+    <cs:effectRef idx="0"/>
+    <cs:fontRef idx="minor">
+      <a:schemeClr val="dk1"/>
+    </cs:fontRef>
+    <cs:spPr>
+      <a:solidFill>
+        <a:schemeClr val="dk1">
+          <a:lumMod val="65000"/>
+          <a:lumOff val="35000"/>
+        </a:schemeClr>
+      </a:solidFill>
+      <a:ln w="9525">
+        <a:solidFill>
+          <a:schemeClr val="tx1">
+            <a:lumMod val="65000"/>
+            <a:lumOff val="35000"/>
+          </a:schemeClr>
+        </a:solidFill>
+      </a:ln>
+    </cs:spPr>
+  </cs:downBar>
+  <cs:dropLine>
+    <cs:lnRef idx="0"/>
+    <cs:fillRef idx="0"/>
+    <cs:effectRef idx="0"/>
+    <cs:fontRef idx="minor">
+      <a:schemeClr val="tx1"/>
+    </cs:fontRef>
+    <cs:spPr>
+      <a:ln w="9525" cap="flat" cmpd="sng" algn="ctr">
+        <a:solidFill>
+          <a:schemeClr val="tx1">
+            <a:lumMod val="35000"/>
+            <a:lumOff val="65000"/>
+          </a:schemeClr>
+        </a:solidFill>
+        <a:round/>
+      </a:ln>
+    </cs:spPr>
+  </cs:dropLine>
+  <cs:errorBar>
+    <cs:lnRef idx="0"/>
+    <cs:fillRef idx="0"/>
+    <cs:effectRef idx="0"/>
+    <cs:fontRef idx="minor">
+      <a:schemeClr val="tx1"/>
+    </cs:fontRef>
+    <cs:spPr>
+      <a:ln w="9525" cap="flat" cmpd="sng" algn="ctr">
+        <a:solidFill>
+          <a:schemeClr val="tx1">
+            <a:lumMod val="65000"/>
+            <a:lumOff val="35000"/>
+          </a:schemeClr>
+        </a:solidFill>
+        <a:round/>
+      </a:ln>
+    </cs:spPr>
+  </cs:errorBar>
+  <cs:floor>
+    <cs:lnRef idx="0"/>
+    <cs:fillRef idx="0"/>
+    <cs:effectRef idx="0"/>
+    <cs:fontRef idx="minor">
+      <a:schemeClr val="tx1"/>
+    </cs:fontRef>
+    <cs:spPr>
+      <a:noFill/>
+      <a:ln>
+        <a:noFill/>
+      </a:ln>
+    </cs:spPr>
+  </cs:floor>
+  <cs:gridlineMajor>
+    <cs:lnRef idx="0"/>
+    <cs:fillRef idx="0"/>
+    <cs:effectRef idx="0"/>
+    <cs:fontRef idx="minor">
+      <a:schemeClr val="tx1"/>
+    </cs:fontRef>
+    <cs:spPr>
+      <a:ln w="9525" cap="flat" cmpd="sng" algn="ctr">
+        <a:solidFill>
+          <a:schemeClr val="tx1">
+            <a:lumMod val="15000"/>
+            <a:lumOff val="85000"/>
+          </a:schemeClr>
+        </a:solidFill>
+        <a:round/>
+      </a:ln>
+    </cs:spPr>
+  </cs:gridlineMajor>
+  <cs:gridlineMinor>
+    <cs:lnRef idx="0"/>
+    <cs:fillRef idx="0"/>
+    <cs:effectRef idx="0"/>
+    <cs:fontRef idx="minor">
+      <a:schemeClr val="tx1"/>
+    </cs:fontRef>
+    <cs:spPr>
+      <a:ln w="9525" cap="flat" cmpd="sng" algn="ctr">
+        <a:solidFill>
+          <a:schemeClr val="tx1">
+            <a:lumMod val="5000"/>
+            <a:lumOff val="95000"/>
+          </a:schemeClr>
+        </a:solidFill>
+        <a:round/>
+      </a:ln>
+    </cs:spPr>
+  </cs:gridlineMinor>
+  <cs:hiLoLine>
+    <cs:lnRef idx="0"/>
+    <cs:fillRef idx="0"/>
+    <cs:effectRef idx="0"/>
+    <cs:fontRef idx="minor">
+      <a:schemeClr val="tx1"/>
+    </cs:fontRef>
+    <cs:spPr>
+      <a:ln w="9525" cap="flat" cmpd="sng" algn="ctr">
+        <a:solidFill>
+          <a:schemeClr val="tx1">
+            <a:lumMod val="75000"/>
+            <a:lumOff val="25000"/>
+          </a:schemeClr>
+        </a:solidFill>
+        <a:round/>
+      </a:ln>
+    </cs:spPr>
+  </cs:hiLoLine>
+  <cs:leaderLine>
+    <cs:lnRef idx="0"/>
+    <cs:fillRef idx="0"/>
+    <cs:effectRef idx="0"/>
+    <cs:fontRef idx="minor">
+      <a:schemeClr val="tx1"/>
+    </cs:fontRef>
+    <cs:spPr>
+      <a:ln w="9525" cap="flat" cmpd="sng" algn="ctr">
+        <a:solidFill>
+          <a:schemeClr val="tx1">
+            <a:lumMod val="35000"/>
+            <a:lumOff val="65000"/>
+          </a:schemeClr>
+        </a:solidFill>
+        <a:round/>
+      </a:ln>
+    </cs:spPr>
+  </cs:leaderLine>
+  <cs:legend>
+    <cs:lnRef idx="0"/>
+    <cs:fillRef idx="0"/>
+    <cs:effectRef idx="0"/>
+    <cs:fontRef idx="minor">
+      <a:schemeClr val="tx1">
+        <a:lumMod val="65000"/>
+        <a:lumOff val="35000"/>
+      </a:schemeClr>
+    </cs:fontRef>
+    <cs:defRPr sz="900" kern="1200"/>
+  </cs:legend>
+  <cs:plotArea mods="allowNoFillOverride allowNoLineOverride">
+    <cs:lnRef idx="0"/>
+    <cs:fillRef idx="0"/>
+    <cs:effectRef idx="0"/>
+    <cs:fontRef idx="minor">
+      <a:schemeClr val="tx1"/>
+    </cs:fontRef>
+  </cs:plotArea>
+  <cs:plotArea3D mods="allowNoFillOverride allowNoLineOverride">
+    <cs:lnRef idx="0"/>
+    <cs:fillRef idx="0"/>
+    <cs:effectRef idx="0"/>
+    <cs:fontRef idx="minor">
+      <a:schemeClr val="tx1"/>
+    </cs:fontRef>
+  </cs:plotArea3D>
+  <cs:seriesAxis>
+    <cs:lnRef idx="0"/>
+    <cs:fillRef idx="0"/>
+    <cs:effectRef idx="0"/>
+    <cs:fontRef idx="minor">
+      <a:schemeClr val="tx1">
+        <a:lumMod val="65000"/>
+        <a:lumOff val="35000"/>
+      </a:schemeClr>
+    </cs:fontRef>
+    <cs:defRPr sz="900" kern="1200"/>
+  </cs:seriesAxis>
+  <cs:seriesLine>
+    <cs:lnRef idx="0"/>
+    <cs:fillRef idx="0"/>
+    <cs:effectRef idx="0"/>
+    <cs:fontRef idx="minor">
+      <a:schemeClr val="tx1"/>
+    </cs:fontRef>
+    <cs:spPr>
+      <a:ln w="9525" cap="flat" cmpd="sng" algn="ctr">
+        <a:solidFill>
+          <a:schemeClr val="tx1">
+            <a:lumMod val="35000"/>
+            <a:lumOff val="65000"/>
+          </a:schemeClr>
+        </a:solidFill>
+        <a:round/>
+      </a:ln>
+    </cs:spPr>
+  </cs:seriesLine>
+  <cs:title>
+    <cs:lnRef idx="0"/>
+    <cs:fillRef idx="0"/>
+    <cs:effectRef idx="0"/>
+    <cs:fontRef idx="minor">
+      <a:schemeClr val="tx1">
+        <a:lumMod val="65000"/>
+        <a:lumOff val="35000"/>
+      </a:schemeClr>
+    </cs:fontRef>
+    <cs:defRPr sz="1400" b="0" kern="1200" spc="0" baseline="0"/>
+  </cs:title>
+  <cs:trendline>
+    <cs:lnRef idx="0">
+      <cs:styleClr val="auto"/>
+    </cs:lnRef>
+    <cs:fillRef idx="0"/>
+    <cs:effectRef idx="0"/>
+    <cs:fontRef idx="minor">
+      <a:schemeClr val="tx1"/>
+    </cs:fontRef>
+    <cs:spPr>
+      <a:ln w="19050" cap="rnd">
+        <a:solidFill>
+          <a:schemeClr val="phClr"/>
+        </a:solidFill>
+        <a:prstDash val="sysDot"/>
+      </a:ln>
+    </cs:spPr>
+  </cs:trendline>
+  <cs:trendlineLabel>
+    <cs:lnRef idx="0"/>
+    <cs:fillRef idx="0"/>
+    <cs:effectRef idx="0"/>
+    <cs:fontRef idx="minor">
+      <a:schemeClr val="tx1">
+        <a:lumMod val="65000"/>
+        <a:lumOff val="35000"/>
+      </a:schemeClr>
+    </cs:fontRef>
+    <cs:defRPr sz="900" kern="1200"/>
+  </cs:trendlineLabel>
+  <cs:upBar>
+    <cs:lnRef idx="0"/>
+    <cs:fillRef idx="0"/>
+    <cs:effectRef idx="0"/>
+    <cs:fontRef idx="minor">
+      <a:schemeClr val="dk1"/>
+    </cs:fontRef>
+    <cs:spPr>
+      <a:solidFill>
+        <a:schemeClr val="lt1"/>
+      </a:solidFill>
+      <a:ln w="9525">
+        <a:solidFill>
+          <a:schemeClr val="tx1">
+            <a:lumMod val="15000"/>
+            <a:lumOff val="85000"/>
+          </a:schemeClr>
+        </a:solidFill>
+      </a:ln>
+    </cs:spPr>
+  </cs:upBar>
+  <cs:valueAxis>
+    <cs:lnRef idx="0"/>
+    <cs:fillRef idx="0"/>
+    <cs:effectRef idx="0"/>
+    <cs:fontRef idx="minor">
+      <a:schemeClr val="tx1">
+        <a:lumMod val="65000"/>
+        <a:lumOff val="35000"/>
+      </a:schemeClr>
+    </cs:fontRef>
+    <cs:defRPr sz="900" kern="1200"/>
+  </cs:valueAxis>
+  <cs:wall>
+    <cs:lnRef idx="0"/>
+    <cs:fillRef idx="0"/>
+    <cs:effectRef idx="0"/>
+    <cs:fontRef idx="minor">
+      <a:schemeClr val="tx1"/>
+    </cs:fontRef>
+    <cs:spPr>
+      <a:noFill/>
+      <a:ln>
+        <a:noFill/>
+      </a:ln>
+    </cs:spPr>
+  </cs:wall>
+</cs:chartStyle>
+</file>
+
+<file path=ppt/drawings/drawing1.xml><?xml version="1.0" encoding="utf-8"?>
+<c:userShapes xmlns:c="http://schemas.openxmlformats.org/drawingml/2006/chart">
+  <cdr:relSizeAnchor xmlns:cdr="http://schemas.openxmlformats.org/drawingml/2006/chartDrawing">
+    <cdr:from>
+      <cdr:x>0.32367</cdr:x>
+      <cdr:y>0.91213</cdr:y>
+    </cdr:from>
+    <cdr:to>
+      <cdr:x>0.75406</cdr:x>
+      <cdr:y>0.98243</cdr:y>
+    </cdr:to>
+    <cdr:sp macro="" textlink="">
+      <cdr:nvSpPr>
+        <cdr:cNvPr id="3" name="テキスト ボックス 2"/>
+        <cdr:cNvSpPr txBox="1"/>
+      </cdr:nvSpPr>
+      <cdr:spPr>
+        <a:xfrm xmlns:a="http://schemas.openxmlformats.org/drawingml/2006/main">
+          <a:off x="2657476" y="4943476"/>
+          <a:ext cx="3533775" cy="381000"/>
+        </a:xfrm>
+        <a:prstGeom xmlns:a="http://schemas.openxmlformats.org/drawingml/2006/main" prst="rect">
+          <a:avLst/>
+        </a:prstGeom>
+      </cdr:spPr>
+      <cdr:txBody>
+        <a:bodyPr xmlns:a="http://schemas.openxmlformats.org/drawingml/2006/main" vertOverflow="clip" wrap="square" rtlCol="0"/>
+        <a:lstStyle xmlns:a="http://schemas.openxmlformats.org/drawingml/2006/main"/>
+        <a:p xmlns:a="http://schemas.openxmlformats.org/drawingml/2006/main">
+          <a:endParaRPr lang="ja-JP" altLang="en-US" sz="1100"/>
+        </a:p>
+      </cdr:txBody>
+    </cdr:sp>
+  </cdr:relSizeAnchor>
+</c:userShapes>
+</file>
+
 <file path=ppt/notesMasters/notesMaster1.xml><?xml version="1.0" encoding="utf-8"?>
 <p:notesMaster xmlns:a="http://schemas.openxmlformats.org/drawingml/2006/main" xmlns:r="http://schemas.openxmlformats.org/officeDocument/2006/relationships" xmlns:p="http://schemas.openxmlformats.org/presentationml/2006/main">
   <p:cSld>
@@ -208,7 +5382,7 @@
           <a:p>
             <a:fld id="{2C83DA3F-CE44-4E22-9124-8C8C64E748F6}" type="datetimeFigureOut">
               <a:rPr kumimoji="1" lang="ja-JP" altLang="en-US" smtClean="0"/>
-              <a:t>2016/1/20</a:t>
+              <a:t>2016/1/21</a:t>
             </a:fld>
             <a:endParaRPr kumimoji="1" lang="ja-JP" altLang="en-US"/>
           </a:p>
@@ -723,7 +5897,7 @@
           <a:p>
             <a:fld id="{0B96769B-B9C0-4B49-81F7-E4975E5AF6C7}" type="datetime1">
               <a:rPr kumimoji="1" lang="ja-JP" altLang="en-US" smtClean="0"/>
-              <a:t>2016/1/20</a:t>
+              <a:t>2016/1/21</a:t>
             </a:fld>
             <a:endParaRPr kumimoji="1" lang="ja-JP" altLang="en-US"/>
           </a:p>
@@ -925,7 +6099,7 @@
           <a:p>
             <a:fld id="{21D791E9-018D-4864-9DE0-79351FDC3C88}" type="datetime1">
               <a:rPr kumimoji="1" lang="ja-JP" altLang="en-US" smtClean="0"/>
-              <a:t>2016/1/20</a:t>
+              <a:t>2016/1/21</a:t>
             </a:fld>
             <a:endParaRPr kumimoji="1" lang="ja-JP" altLang="en-US"/>
           </a:p>
@@ -1137,7 +6311,7 @@
           <a:p>
             <a:fld id="{A3EBF394-0FCB-4491-BB96-6FD1AD5ACA48}" type="datetime1">
               <a:rPr kumimoji="1" lang="ja-JP" altLang="en-US" smtClean="0"/>
-              <a:t>2016/1/20</a:t>
+              <a:t>2016/1/21</a:t>
             </a:fld>
             <a:endParaRPr kumimoji="1" lang="ja-JP" altLang="en-US"/>
           </a:p>
@@ -1339,7 +6513,7 @@
           <a:p>
             <a:fld id="{D1AF1532-6C79-4CF2-BB4B-316731A1E715}" type="datetime1">
               <a:rPr kumimoji="1" lang="ja-JP" altLang="en-US" smtClean="0"/>
-              <a:t>2016/1/20</a:t>
+              <a:t>2016/1/21</a:t>
             </a:fld>
             <a:endParaRPr kumimoji="1" lang="ja-JP" altLang="en-US"/>
           </a:p>
@@ -1583,7 +6757,7 @@
           <a:p>
             <a:fld id="{633EFF04-AEC4-4523-A2A4-74BD901522E7}" type="datetime1">
               <a:rPr kumimoji="1" lang="ja-JP" altLang="en-US" smtClean="0"/>
-              <a:t>2016/1/20</a:t>
+              <a:t>2016/1/21</a:t>
             </a:fld>
             <a:endParaRPr kumimoji="1" lang="ja-JP" altLang="en-US"/>
           </a:p>
@@ -1879,7 +7053,7 @@
           <a:p>
             <a:fld id="{59DAC28E-6C6F-4932-8288-FB6D982A5941}" type="datetime1">
               <a:rPr kumimoji="1" lang="ja-JP" altLang="en-US" smtClean="0"/>
-              <a:t>2016/1/20</a:t>
+              <a:t>2016/1/21</a:t>
             </a:fld>
             <a:endParaRPr kumimoji="1" lang="ja-JP" altLang="en-US"/>
           </a:p>
@@ -2310,7 +7484,7 @@
           <a:p>
             <a:fld id="{D2796696-9CCC-4ACE-9811-1746F3DC00C5}" type="datetime1">
               <a:rPr kumimoji="1" lang="ja-JP" altLang="en-US" smtClean="0"/>
-              <a:t>2016/1/20</a:t>
+              <a:t>2016/1/21</a:t>
             </a:fld>
             <a:endParaRPr kumimoji="1" lang="ja-JP" altLang="en-US"/>
           </a:p>
@@ -2428,7 +7602,7 @@
           <a:p>
             <a:fld id="{09FCD385-FB67-456A-A533-AFC4CF27D27F}" type="datetime1">
               <a:rPr kumimoji="1" lang="ja-JP" altLang="en-US" smtClean="0"/>
-              <a:t>2016/1/20</a:t>
+              <a:t>2016/1/21</a:t>
             </a:fld>
             <a:endParaRPr kumimoji="1" lang="ja-JP" altLang="en-US"/>
           </a:p>
@@ -2523,7 +7697,7 @@
           <a:p>
             <a:fld id="{7287CF5B-2E73-4FE8-90EB-966EB57BE942}" type="datetime1">
               <a:rPr kumimoji="1" lang="ja-JP" altLang="en-US" smtClean="0"/>
-              <a:t>2016/1/20</a:t>
+              <a:t>2016/1/21</a:t>
             </a:fld>
             <a:endParaRPr kumimoji="1" lang="ja-JP" altLang="en-US"/>
           </a:p>
@@ -2832,7 +8006,7 @@
           <a:p>
             <a:fld id="{7BC724DA-BD4C-4502-B5BC-A499976C0E92}" type="datetime1">
               <a:rPr kumimoji="1" lang="ja-JP" altLang="en-US" smtClean="0"/>
-              <a:t>2016/1/20</a:t>
+              <a:t>2016/1/21</a:t>
             </a:fld>
             <a:endParaRPr kumimoji="1" lang="ja-JP" altLang="en-US"/>
           </a:p>
@@ -3089,7 +8263,7 @@
           <a:p>
             <a:fld id="{FA3D4487-E0E5-4B7D-9309-A4120D87A295}" type="datetime1">
               <a:rPr kumimoji="1" lang="ja-JP" altLang="en-US" smtClean="0"/>
-              <a:t>2016/1/20</a:t>
+              <a:t>2016/1/21</a:t>
             </a:fld>
             <a:endParaRPr kumimoji="1" lang="ja-JP" altLang="en-US"/>
           </a:p>
@@ -3334,7 +8508,7 @@
           <a:p>
             <a:fld id="{CB8F93D6-20FE-4C13-9106-9D89D48F39FE}" type="datetime1">
               <a:rPr kumimoji="1" lang="ja-JP" altLang="en-US" smtClean="0"/>
-              <a:t>2016/1/20</a:t>
+              <a:t>2016/1/21</a:t>
             </a:fld>
             <a:endParaRPr kumimoji="1" lang="ja-JP" altLang="en-US"/>
           </a:p>
@@ -3910,52 +9084,194 @@
           <a:lstStyle/>
           <a:p>
             <a:fld id="{FF293082-CEC9-41F6-8937-D05229BF80C6}" type="slidenum">
-              <a:rPr kumimoji="1" lang="ja-JP" altLang="en-US" smtClean="0"/>
+              <a:rPr kumimoji="1" lang="ja-JP" altLang="en-US" sz="3200" smtClean="0"/>
               <a:t>10</a:t>
             </a:fld>
-            <a:endParaRPr kumimoji="1" lang="ja-JP" altLang="en-US"/>
-          </a:p>
-        </p:txBody>
-      </p:sp>
-      <p:pic>
-        <p:nvPicPr>
-          <p:cNvPr id="3" name="図 2"/>
-          <p:cNvPicPr>
-            <a:picLocks noChangeAspect="1"/>
-          </p:cNvPicPr>
+            <a:endParaRPr kumimoji="1" lang="ja-JP" altLang="en-US" sz="3200"/>
+          </a:p>
+        </p:txBody>
+      </p:sp>
+      <p:sp>
+        <p:nvSpPr>
+          <p:cNvPr id="3" name="円/楕円 2"/>
+          <p:cNvSpPr/>
           <p:nvPr/>
-        </p:nvPicPr>
-        <p:blipFill>
-          <a:blip r:embed="rId2">
-            <a:extLst>
-              <a:ext uri="{28A0092B-C50C-407E-A947-70E740481C1C}">
-                <a14:useLocalDpi xmlns:a14="http://schemas.microsoft.com/office/drawing/2010/main" val="0"/>
-              </a:ext>
-            </a:extLst>
-          </a:blip>
-          <a:stretch>
-            <a:fillRect/>
-          </a:stretch>
-        </p:blipFill>
+        </p:nvSpPr>
         <p:spPr>
           <a:xfrm>
-            <a:off x="935884" y="958924"/>
-            <a:ext cx="7356848" cy="5164290"/>
+            <a:off x="631902" y="617638"/>
+            <a:ext cx="3895493" cy="639336"/>
+          </a:xfrm>
+          <a:prstGeom prst="ellipse">
+            <a:avLst/>
+          </a:prstGeom>
+        </p:spPr>
+        <p:style>
+          <a:lnRef idx="2">
+            <a:schemeClr val="accent1">
+              <a:shade val="50000"/>
+            </a:schemeClr>
+          </a:lnRef>
+          <a:fillRef idx="1">
+            <a:schemeClr val="accent1"/>
+          </a:fillRef>
+          <a:effectRef idx="0">
+            <a:schemeClr val="accent1"/>
+          </a:effectRef>
+          <a:fontRef idx="minor">
+            <a:schemeClr val="lt1"/>
+          </a:fontRef>
+        </p:style>
+        <p:txBody>
+          <a:bodyPr rtlCol="0" anchor="ctr"/>
+          <a:lstStyle/>
+          <a:p>
+            <a:pPr algn="ctr"/>
+            <a:r>
+              <a:rPr kumimoji="1" lang="en-US" altLang="ja-JP" sz="2800" dirty="0" smtClean="0"/>
+              <a:t>DOM</a:t>
+            </a:r>
+            <a:r>
+              <a:rPr kumimoji="1" lang="ja-JP" altLang="en-US" sz="2800" dirty="0" smtClean="0"/>
+              <a:t>パーサとは</a:t>
+            </a:r>
+            <a:endParaRPr kumimoji="1" lang="ja-JP" altLang="en-US" sz="2800" dirty="0"/>
+          </a:p>
+        </p:txBody>
+      </p:sp>
+      <p:sp>
+        <p:nvSpPr>
+          <p:cNvPr id="4" name="テキスト ボックス 3"/>
+          <p:cNvSpPr txBox="1"/>
+          <p:nvPr/>
+        </p:nvSpPr>
+        <p:spPr>
+          <a:xfrm>
+            <a:off x="917653" y="1817649"/>
+            <a:ext cx="7479215" cy="3970318"/>
           </a:xfrm>
           <a:prstGeom prst="rect">
             <a:avLst/>
           </a:prstGeom>
-          <a:ln>
-            <a:solidFill>
-              <a:schemeClr val="tx1"/>
-            </a:solidFill>
-          </a:ln>
+          <a:noFill/>
         </p:spPr>
-      </p:pic>
+        <p:txBody>
+          <a:bodyPr wrap="square" rtlCol="0">
+            <a:spAutoFit/>
+          </a:bodyPr>
+          <a:lstStyle/>
+          <a:p>
+            <a:r>
+              <a:rPr lang="en-US" altLang="ja-JP" sz="2800" dirty="0" smtClean="0"/>
+              <a:t>Web</a:t>
+            </a:r>
+            <a:r>
+              <a:rPr lang="ja-JP" altLang="en-US" sz="2800" dirty="0" smtClean="0"/>
+              <a:t>ブラウザなどに実装されている．</a:t>
+            </a:r>
+            <a:endParaRPr lang="en-US" altLang="ja-JP" sz="2800" dirty="0" smtClean="0"/>
+          </a:p>
+          <a:p>
+            <a:endParaRPr lang="en-US" altLang="ja-JP" sz="2800" dirty="0" smtClean="0"/>
+          </a:p>
+          <a:p>
+            <a:r>
+              <a:rPr lang="ja-JP" altLang="en-US" sz="2800" dirty="0" smtClean="0"/>
+              <a:t>内容や設定の変更，要素の追加や削除などを行う標準的な手段として用いられる．</a:t>
+            </a:r>
+            <a:endParaRPr lang="en-US" altLang="ja-JP" sz="2800" dirty="0"/>
+          </a:p>
+          <a:p>
+            <a:endParaRPr lang="en-US" altLang="ja-JP" sz="2800" dirty="0" smtClean="0"/>
+          </a:p>
+          <a:p>
+            <a:endParaRPr lang="en-US" altLang="ja-JP" sz="2800" dirty="0"/>
+          </a:p>
+          <a:p>
+            <a:r>
+              <a:rPr lang="ja-JP" altLang="en-US" sz="2800" dirty="0" smtClean="0"/>
+              <a:t>文書の</a:t>
+            </a:r>
+            <a:r>
+              <a:rPr lang="ja-JP" altLang="en-US" sz="2800" dirty="0"/>
+              <a:t>最上位</a:t>
+            </a:r>
+            <a:r>
+              <a:rPr lang="ja-JP" altLang="en-US" sz="2800" dirty="0" smtClean="0"/>
+              <a:t>の</a:t>
+            </a:r>
+            <a:r>
+              <a:rPr lang="ja-JP" altLang="en-US" sz="2800" dirty="0"/>
+              <a:t>要素</a:t>
+            </a:r>
+            <a:r>
+              <a:rPr lang="ja-JP" altLang="en-US" sz="2800" dirty="0" smtClean="0"/>
+              <a:t>を頂点として，各要素が包含関係に従って枝分かれしている木構造になっている．</a:t>
+            </a:r>
+            <a:endParaRPr lang="en-US" altLang="ja-JP" sz="2800" dirty="0" smtClean="0"/>
+          </a:p>
+        </p:txBody>
+      </p:sp>
+      <p:sp>
+        <p:nvSpPr>
+          <p:cNvPr id="5" name="テキスト ボックス 4"/>
+          <p:cNvSpPr txBox="1"/>
+          <p:nvPr/>
+        </p:nvSpPr>
+        <p:spPr>
+          <a:xfrm>
+            <a:off x="520389" y="1817649"/>
+            <a:ext cx="535259" cy="3108543"/>
+          </a:xfrm>
+          <a:prstGeom prst="rect">
+            <a:avLst/>
+          </a:prstGeom>
+          <a:noFill/>
+        </p:spPr>
+        <p:txBody>
+          <a:bodyPr wrap="square" rtlCol="0">
+            <a:spAutoFit/>
+          </a:bodyPr>
+          <a:lstStyle/>
+          <a:p>
+            <a:r>
+              <a:rPr lang="ja-JP" altLang="en-US" sz="2800" dirty="0" smtClean="0"/>
+              <a:t>・</a:t>
+            </a:r>
+            <a:endParaRPr lang="en-US" altLang="ja-JP" sz="2800" dirty="0" smtClean="0"/>
+          </a:p>
+          <a:p>
+            <a:endParaRPr lang="en-US" altLang="ja-JP" sz="2800" dirty="0" smtClean="0"/>
+          </a:p>
+          <a:p>
+            <a:r>
+              <a:rPr kumimoji="1" lang="ja-JP" altLang="en-US" sz="2800" dirty="0" smtClean="0"/>
+              <a:t>・</a:t>
+            </a:r>
+            <a:endParaRPr kumimoji="1" lang="en-US" altLang="ja-JP" sz="2800" dirty="0" smtClean="0"/>
+          </a:p>
+          <a:p>
+            <a:endParaRPr lang="en-US" altLang="ja-JP" sz="2800" dirty="0" smtClean="0"/>
+          </a:p>
+          <a:p>
+            <a:endParaRPr lang="en-US" altLang="ja-JP" sz="2800" dirty="0"/>
+          </a:p>
+          <a:p>
+            <a:endParaRPr kumimoji="1" lang="en-US" altLang="ja-JP" sz="2800" dirty="0" smtClean="0"/>
+          </a:p>
+          <a:p>
+            <a:r>
+              <a:rPr lang="ja-JP" altLang="en-US" sz="2800" dirty="0"/>
+              <a:t>・</a:t>
+            </a:r>
+            <a:endParaRPr kumimoji="1" lang="ja-JP" altLang="en-US" sz="2800" dirty="0"/>
+          </a:p>
+        </p:txBody>
+      </p:sp>
     </p:spTree>
     <p:extLst>
       <p:ext uri="{BB962C8B-B14F-4D97-AF65-F5344CB8AC3E}">
-        <p14:creationId xmlns:p14="http://schemas.microsoft.com/office/powerpoint/2010/main" val="3427439686"/>
+        <p14:creationId xmlns:p14="http://schemas.microsoft.com/office/powerpoint/2010/main" val="2782645266"/>
       </p:ext>
     </p:extLst>
   </p:cSld>
@@ -3998,10 +9314,181 @@
           <a:lstStyle/>
           <a:p>
             <a:fld id="{FF293082-CEC9-41F6-8937-D05229BF80C6}" type="slidenum">
-              <a:rPr kumimoji="1" lang="ja-JP" altLang="en-US" smtClean="0"/>
+              <a:rPr kumimoji="1" lang="ja-JP" altLang="en-US" sz="3200" smtClean="0"/>
               <a:t>11</a:t>
             </a:fld>
-            <a:endParaRPr kumimoji="1" lang="ja-JP" altLang="en-US"/>
+            <a:endParaRPr kumimoji="1" lang="ja-JP" altLang="en-US" sz="3200"/>
+          </a:p>
+        </p:txBody>
+      </p:sp>
+      <p:sp>
+        <p:nvSpPr>
+          <p:cNvPr id="3" name="テキスト ボックス 2"/>
+          <p:cNvSpPr txBox="1"/>
+          <p:nvPr/>
+        </p:nvSpPr>
+        <p:spPr>
+          <a:xfrm>
+            <a:off x="914400" y="1672682"/>
+            <a:ext cx="7437863" cy="2677656"/>
+          </a:xfrm>
+          <a:prstGeom prst="rect">
+            <a:avLst/>
+          </a:prstGeom>
+          <a:noFill/>
+        </p:spPr>
+        <p:txBody>
+          <a:bodyPr wrap="square" rtlCol="0">
+            <a:spAutoFit/>
+          </a:bodyPr>
+          <a:lstStyle/>
+          <a:p>
+            <a:r>
+              <a:rPr kumimoji="1" lang="ja-JP" altLang="en-US" sz="2800" dirty="0" smtClean="0"/>
+              <a:t>データマイニング</a:t>
+            </a:r>
+            <a:r>
+              <a:rPr kumimoji="1" lang="ja-JP" altLang="en-US" sz="2800" dirty="0" smtClean="0"/>
+              <a:t>を行い，</a:t>
+            </a:r>
+            <a:r>
+              <a:rPr kumimoji="1" lang="en-US" altLang="ja-JP" sz="2800" dirty="0" smtClean="0"/>
+              <a:t>Wikipedia</a:t>
+            </a:r>
+            <a:r>
+              <a:rPr kumimoji="1" lang="ja-JP" altLang="en-US" sz="2800" dirty="0" smtClean="0"/>
+              <a:t>での</a:t>
+            </a:r>
+            <a:r>
+              <a:rPr kumimoji="1" lang="ja-JP" altLang="en-US" sz="2800" dirty="0" smtClean="0"/>
+              <a:t>管理者の編集がどのように変化しているか調査する．</a:t>
+            </a:r>
+            <a:endParaRPr kumimoji="1" lang="en-US" altLang="ja-JP" sz="2800" dirty="0" smtClean="0"/>
+          </a:p>
+          <a:p>
+            <a:endParaRPr lang="en-US" altLang="ja-JP" sz="2800" dirty="0"/>
+          </a:p>
+          <a:p>
+            <a:r>
+              <a:rPr kumimoji="1" lang="ja-JP" altLang="en-US" sz="2800" dirty="0" smtClean="0"/>
+              <a:t>オープン</a:t>
+            </a:r>
+            <a:r>
+              <a:rPr kumimoji="1" lang="ja-JP" altLang="en-US" sz="2800" dirty="0" smtClean="0"/>
+              <a:t>な共同作業プロジェクトにおける，</a:t>
+            </a:r>
+            <a:endParaRPr kumimoji="1" lang="en-US" altLang="ja-JP" sz="2800" dirty="0" smtClean="0"/>
+          </a:p>
+          <a:p>
+            <a:r>
+              <a:rPr lang="ja-JP" altLang="en-US" sz="2800" dirty="0"/>
+              <a:t>ボトムアップ</a:t>
+            </a:r>
+            <a:r>
+              <a:rPr lang="ja-JP" altLang="en-US" sz="2800" dirty="0" smtClean="0"/>
+              <a:t>とトップダウンの適正な混合率を</a:t>
+            </a:r>
+            <a:r>
+              <a:rPr lang="ja-JP" altLang="en-US" sz="2800" dirty="0" smtClean="0"/>
+              <a:t>見つける．</a:t>
+            </a:r>
+            <a:endParaRPr lang="en-US" altLang="ja-JP" sz="2800" dirty="0" smtClean="0"/>
+          </a:p>
+        </p:txBody>
+      </p:sp>
+      <p:sp>
+        <p:nvSpPr>
+          <p:cNvPr id="4" name="テキスト ボックス 3"/>
+          <p:cNvSpPr txBox="1"/>
+          <p:nvPr/>
+        </p:nvSpPr>
+        <p:spPr>
+          <a:xfrm>
+            <a:off x="520389" y="1672682"/>
+            <a:ext cx="535259" cy="1815882"/>
+          </a:xfrm>
+          <a:prstGeom prst="rect">
+            <a:avLst/>
+          </a:prstGeom>
+          <a:noFill/>
+        </p:spPr>
+        <p:txBody>
+          <a:bodyPr wrap="square" rtlCol="0">
+            <a:spAutoFit/>
+          </a:bodyPr>
+          <a:lstStyle/>
+          <a:p>
+            <a:r>
+              <a:rPr lang="ja-JP" altLang="en-US" sz="2800" dirty="0" smtClean="0"/>
+              <a:t>・</a:t>
+            </a:r>
+            <a:endParaRPr lang="en-US" altLang="ja-JP" sz="2800" dirty="0" smtClean="0"/>
+          </a:p>
+          <a:p>
+            <a:endParaRPr lang="en-US" altLang="ja-JP" sz="2800" dirty="0" smtClean="0"/>
+          </a:p>
+          <a:p>
+            <a:endParaRPr lang="en-US" altLang="ja-JP" sz="2800" dirty="0" smtClean="0"/>
+          </a:p>
+          <a:p>
+            <a:r>
+              <a:rPr kumimoji="1" lang="ja-JP" altLang="en-US" sz="2800" dirty="0" smtClean="0"/>
+              <a:t>・</a:t>
+            </a:r>
+            <a:endParaRPr kumimoji="1" lang="en-US" altLang="ja-JP" sz="2800" dirty="0" smtClean="0"/>
+          </a:p>
+        </p:txBody>
+      </p:sp>
+    </p:spTree>
+    <p:extLst>
+      <p:ext uri="{BB962C8B-B14F-4D97-AF65-F5344CB8AC3E}">
+        <p14:creationId xmlns:p14="http://schemas.microsoft.com/office/powerpoint/2010/main" val="938603436"/>
+      </p:ext>
+    </p:extLst>
+  </p:cSld>
+  <p:clrMapOvr>
+    <a:masterClrMapping/>
+  </p:clrMapOvr>
+</p:sld>
+</file>
+
+<file path=ppt/slides/slide12.xml><?xml version="1.0" encoding="utf-8"?>
+<p:sld xmlns:a="http://schemas.openxmlformats.org/drawingml/2006/main" xmlns:r="http://schemas.openxmlformats.org/officeDocument/2006/relationships" xmlns:p="http://schemas.openxmlformats.org/presentationml/2006/main">
+  <p:cSld>
+    <p:spTree>
+      <p:nvGrpSpPr>
+        <p:cNvPr id="1" name=""/>
+        <p:cNvGrpSpPr/>
+        <p:nvPr/>
+      </p:nvGrpSpPr>
+      <p:grpSpPr>
+        <a:xfrm>
+          <a:off x="0" y="0"/>
+          <a:ext cx="0" cy="0"/>
+          <a:chOff x="0" y="0"/>
+          <a:chExt cx="0" cy="0"/>
+        </a:xfrm>
+      </p:grpSpPr>
+      <p:sp>
+        <p:nvSpPr>
+          <p:cNvPr id="2" name="スライド番号プレースホルダー 1"/>
+          <p:cNvSpPr>
+            <a:spLocks noGrp="1"/>
+          </p:cNvSpPr>
+          <p:nvPr>
+            <p:ph type="sldNum" sz="quarter" idx="12"/>
+          </p:nvPr>
+        </p:nvSpPr>
+        <p:spPr/>
+        <p:txBody>
+          <a:bodyPr/>
+          <a:lstStyle/>
+          <a:p>
+            <a:fld id="{FF293082-CEC9-41F6-8937-D05229BF80C6}" type="slidenum">
+              <a:rPr kumimoji="1" lang="ja-JP" altLang="en-US" sz="3200" smtClean="0"/>
+              <a:t>12</a:t>
+            </a:fld>
+            <a:endParaRPr kumimoji="1" lang="ja-JP" altLang="en-US" sz="3200"/>
           </a:p>
         </p:txBody>
       </p:sp>
@@ -4029,9 +9516,466 @@
           <a:p>
             <a:r>
               <a:rPr lang="ja-JP" altLang="en-US" sz="4000" dirty="0"/>
+              <a:t>結果</a:t>
+            </a:r>
+            <a:endParaRPr kumimoji="1" lang="ja-JP" altLang="en-US" sz="4000" dirty="0"/>
+          </a:p>
+        </p:txBody>
+      </p:sp>
+      <p:sp>
+        <p:nvSpPr>
+          <p:cNvPr id="6" name="テキスト ボックス 5"/>
+          <p:cNvSpPr txBox="1"/>
+          <p:nvPr/>
+        </p:nvSpPr>
+        <p:spPr>
+          <a:xfrm>
+            <a:off x="2092645" y="1060128"/>
+            <a:ext cx="4947557" cy="523220"/>
+          </a:xfrm>
+          <a:prstGeom prst="rect">
+            <a:avLst/>
+          </a:prstGeom>
+          <a:noFill/>
+        </p:spPr>
+        <p:txBody>
+          <a:bodyPr wrap="square" rtlCol="0">
+            <a:spAutoFit/>
+          </a:bodyPr>
+          <a:lstStyle/>
+          <a:p>
+            <a:pPr algn="ctr"/>
+            <a:r>
+              <a:rPr kumimoji="1" lang="ja-JP" altLang="en-US" sz="2800" dirty="0" smtClean="0"/>
+              <a:t>総月別編集回数</a:t>
+            </a:r>
+            <a:endParaRPr kumimoji="1" lang="ja-JP" altLang="en-US" sz="2800" dirty="0"/>
+          </a:p>
+        </p:txBody>
+      </p:sp>
+      <p:graphicFrame>
+        <p:nvGraphicFramePr>
+          <p:cNvPr id="7" name="グラフ 6"/>
+          <p:cNvGraphicFramePr>
+            <a:graphicFrameLocks/>
+          </p:cNvGraphicFramePr>
+          <p:nvPr>
+            <p:extLst>
+              <p:ext uri="{D42A27DB-BD31-4B8C-83A1-F6EECF244321}">
+                <p14:modId xmlns:p14="http://schemas.microsoft.com/office/powerpoint/2010/main" val="1078523698"/>
+              </p:ext>
+            </p:extLst>
+          </p:nvPr>
+        </p:nvGraphicFramePr>
+        <p:xfrm>
+          <a:off x="607741" y="1768014"/>
+          <a:ext cx="7744522" cy="4287098"/>
+        </p:xfrm>
+        <a:graphic>
+          <a:graphicData uri="http://schemas.openxmlformats.org/drawingml/2006/chart">
+            <c:chart xmlns:c="http://schemas.openxmlformats.org/drawingml/2006/chart" xmlns:r="http://schemas.openxmlformats.org/officeDocument/2006/relationships" r:id="rId2"/>
+          </a:graphicData>
+        </a:graphic>
+      </p:graphicFrame>
+    </p:spTree>
+    <p:extLst>
+      <p:ext uri="{BB962C8B-B14F-4D97-AF65-F5344CB8AC3E}">
+        <p14:creationId xmlns:p14="http://schemas.microsoft.com/office/powerpoint/2010/main" val="2972747541"/>
+      </p:ext>
+    </p:extLst>
+  </p:cSld>
+  <p:clrMapOvr>
+    <a:masterClrMapping/>
+  </p:clrMapOvr>
+  <p:timing>
+    <p:tnLst>
+      <p:par>
+        <p:cTn id="1" dur="indefinite" restart="never" nodeType="tmRoot"/>
+      </p:par>
+    </p:tnLst>
+  </p:timing>
+</p:sld>
+</file>
+
+<file path=ppt/slides/slide13.xml><?xml version="1.0" encoding="utf-8"?>
+<p:sld xmlns:a="http://schemas.openxmlformats.org/drawingml/2006/main" xmlns:r="http://schemas.openxmlformats.org/officeDocument/2006/relationships" xmlns:p="http://schemas.openxmlformats.org/presentationml/2006/main">
+  <p:cSld>
+    <p:spTree>
+      <p:nvGrpSpPr>
+        <p:cNvPr id="1" name=""/>
+        <p:cNvGrpSpPr/>
+        <p:nvPr/>
+      </p:nvGrpSpPr>
+      <p:grpSpPr>
+        <a:xfrm>
+          <a:off x="0" y="0"/>
+          <a:ext cx="0" cy="0"/>
+          <a:chOff x="0" y="0"/>
+          <a:chExt cx="0" cy="0"/>
+        </a:xfrm>
+      </p:grpSpPr>
+      <p:sp>
+        <p:nvSpPr>
+          <p:cNvPr id="2" name="スライド番号プレースホルダー 1"/>
+          <p:cNvSpPr>
+            <a:spLocks noGrp="1"/>
+          </p:cNvSpPr>
+          <p:nvPr>
+            <p:ph type="sldNum" sz="quarter" idx="12"/>
+          </p:nvPr>
+        </p:nvSpPr>
+        <p:spPr/>
+        <p:txBody>
+          <a:bodyPr/>
+          <a:lstStyle/>
+          <a:p>
+            <a:fld id="{FF293082-CEC9-41F6-8937-D05229BF80C6}" type="slidenum">
+              <a:rPr kumimoji="1" lang="ja-JP" altLang="en-US" sz="3200" smtClean="0"/>
+              <a:t>13</a:t>
+            </a:fld>
+            <a:endParaRPr kumimoji="1" lang="ja-JP" altLang="en-US" sz="3200"/>
+          </a:p>
+        </p:txBody>
+      </p:sp>
+      <p:graphicFrame>
+        <p:nvGraphicFramePr>
+          <p:cNvPr id="3" name="グラフ 2"/>
+          <p:cNvGraphicFramePr>
+            <a:graphicFrameLocks/>
+          </p:cNvGraphicFramePr>
+          <p:nvPr>
+            <p:extLst>
+              <p:ext uri="{D42A27DB-BD31-4B8C-83A1-F6EECF244321}">
+                <p14:modId xmlns:p14="http://schemas.microsoft.com/office/powerpoint/2010/main" val="956986671"/>
+              </p:ext>
+            </p:extLst>
+          </p:nvPr>
+        </p:nvGraphicFramePr>
+        <p:xfrm>
+          <a:off x="903515" y="1570264"/>
+          <a:ext cx="7483928" cy="4601936"/>
+        </p:xfrm>
+        <a:graphic>
+          <a:graphicData uri="http://schemas.openxmlformats.org/drawingml/2006/chart">
+            <c:chart xmlns:c="http://schemas.openxmlformats.org/drawingml/2006/chart" xmlns:r="http://schemas.openxmlformats.org/officeDocument/2006/relationships" r:id="rId2"/>
+          </a:graphicData>
+        </a:graphic>
+      </p:graphicFrame>
+      <p:sp>
+        <p:nvSpPr>
+          <p:cNvPr id="4" name="テキスト ボックス 3"/>
+          <p:cNvSpPr txBox="1"/>
+          <p:nvPr/>
+        </p:nvSpPr>
+        <p:spPr>
+          <a:xfrm>
+            <a:off x="1534886" y="693359"/>
+            <a:ext cx="6221186" cy="523220"/>
+          </a:xfrm>
+          <a:prstGeom prst="rect">
+            <a:avLst/>
+          </a:prstGeom>
+          <a:noFill/>
+        </p:spPr>
+        <p:txBody>
+          <a:bodyPr wrap="square" rtlCol="0">
+            <a:spAutoFit/>
+          </a:bodyPr>
+          <a:lstStyle/>
+          <a:p>
+            <a:pPr algn="ctr"/>
+            <a:r>
+              <a:rPr kumimoji="1" lang="ja-JP" altLang="en-US" sz="2800" dirty="0" smtClean="0"/>
+              <a:t>管理者のみの月別編集回数</a:t>
+            </a:r>
+            <a:endParaRPr kumimoji="1" lang="ja-JP" altLang="en-US" sz="2800" dirty="0"/>
+          </a:p>
+        </p:txBody>
+      </p:sp>
+    </p:spTree>
+    <p:extLst>
+      <p:ext uri="{BB962C8B-B14F-4D97-AF65-F5344CB8AC3E}">
+        <p14:creationId xmlns:p14="http://schemas.microsoft.com/office/powerpoint/2010/main" val="1570999881"/>
+      </p:ext>
+    </p:extLst>
+  </p:cSld>
+  <p:clrMapOvr>
+    <a:masterClrMapping/>
+  </p:clrMapOvr>
+</p:sld>
+</file>
+
+<file path=ppt/slides/slide14.xml><?xml version="1.0" encoding="utf-8"?>
+<p:sld xmlns:a="http://schemas.openxmlformats.org/drawingml/2006/main" xmlns:r="http://schemas.openxmlformats.org/officeDocument/2006/relationships" xmlns:p="http://schemas.openxmlformats.org/presentationml/2006/main">
+  <p:cSld>
+    <p:spTree>
+      <p:nvGrpSpPr>
+        <p:cNvPr id="1" name=""/>
+        <p:cNvGrpSpPr/>
+        <p:nvPr/>
+      </p:nvGrpSpPr>
+      <p:grpSpPr>
+        <a:xfrm>
+          <a:off x="0" y="0"/>
+          <a:ext cx="0" cy="0"/>
+          <a:chOff x="0" y="0"/>
+          <a:chExt cx="0" cy="0"/>
+        </a:xfrm>
+      </p:grpSpPr>
+      <p:sp>
+        <p:nvSpPr>
+          <p:cNvPr id="2" name="スライド番号プレースホルダー 1"/>
+          <p:cNvSpPr>
+            <a:spLocks noGrp="1"/>
+          </p:cNvSpPr>
+          <p:nvPr>
+            <p:ph type="sldNum" sz="quarter" idx="12"/>
+          </p:nvPr>
+        </p:nvSpPr>
+        <p:spPr/>
+        <p:txBody>
+          <a:bodyPr/>
+          <a:lstStyle/>
+          <a:p>
+            <a:fld id="{FF293082-CEC9-41F6-8937-D05229BF80C6}" type="slidenum">
+              <a:rPr kumimoji="1" lang="ja-JP" altLang="en-US" sz="3200" smtClean="0"/>
+              <a:t>14</a:t>
+            </a:fld>
+            <a:endParaRPr kumimoji="1" lang="ja-JP" altLang="en-US" sz="3200" dirty="0"/>
+          </a:p>
+        </p:txBody>
+      </p:sp>
+      <p:graphicFrame>
+        <p:nvGraphicFramePr>
+          <p:cNvPr id="4" name="グラフ 3"/>
+          <p:cNvGraphicFramePr>
+            <a:graphicFrameLocks/>
+          </p:cNvGraphicFramePr>
+          <p:nvPr>
+            <p:extLst>
+              <p:ext uri="{D42A27DB-BD31-4B8C-83A1-F6EECF244321}">
+                <p14:modId xmlns:p14="http://schemas.microsoft.com/office/powerpoint/2010/main" val="827470872"/>
+              </p:ext>
+            </p:extLst>
+          </p:nvPr>
+        </p:nvGraphicFramePr>
+        <p:xfrm>
+          <a:off x="368753" y="984476"/>
+          <a:ext cx="8391526" cy="5073424"/>
+        </p:xfrm>
+        <a:graphic>
+          <a:graphicData uri="http://schemas.openxmlformats.org/drawingml/2006/chart">
+            <c:chart xmlns:c="http://schemas.openxmlformats.org/drawingml/2006/chart" xmlns:r="http://schemas.openxmlformats.org/officeDocument/2006/relationships" r:id="rId2"/>
+          </a:graphicData>
+        </a:graphic>
+      </p:graphicFrame>
+      <p:sp>
+        <p:nvSpPr>
+          <p:cNvPr id="5" name="テキスト ボックス 4"/>
+          <p:cNvSpPr txBox="1"/>
+          <p:nvPr/>
+        </p:nvSpPr>
+        <p:spPr>
+          <a:xfrm>
+            <a:off x="1506991" y="179359"/>
+            <a:ext cx="6115050" cy="523220"/>
+          </a:xfrm>
+          <a:prstGeom prst="rect">
+            <a:avLst/>
+          </a:prstGeom>
+          <a:noFill/>
+        </p:spPr>
+        <p:txBody>
+          <a:bodyPr wrap="square" rtlCol="0">
+            <a:spAutoFit/>
+          </a:bodyPr>
+          <a:lstStyle/>
+          <a:p>
+            <a:pPr algn="ctr"/>
+            <a:r>
+              <a:rPr kumimoji="1" lang="ja-JP" altLang="en-US" sz="2800" dirty="0" smtClean="0"/>
+              <a:t>管理者の月別編集回数の割合</a:t>
+            </a:r>
+            <a:endParaRPr kumimoji="1" lang="ja-JP" altLang="en-US" sz="2800" dirty="0"/>
+          </a:p>
+        </p:txBody>
+      </p:sp>
+    </p:spTree>
+    <p:extLst>
+      <p:ext uri="{BB962C8B-B14F-4D97-AF65-F5344CB8AC3E}">
+        <p14:creationId xmlns:p14="http://schemas.microsoft.com/office/powerpoint/2010/main" val="3427439686"/>
+      </p:ext>
+    </p:extLst>
+  </p:cSld>
+  <p:clrMapOvr>
+    <a:masterClrMapping/>
+  </p:clrMapOvr>
+</p:sld>
+</file>
+
+<file path=ppt/slides/slide15.xml><?xml version="1.0" encoding="utf-8"?>
+<p:sld xmlns:a="http://schemas.openxmlformats.org/drawingml/2006/main" xmlns:r="http://schemas.openxmlformats.org/officeDocument/2006/relationships" xmlns:p="http://schemas.openxmlformats.org/presentationml/2006/main">
+  <p:cSld>
+    <p:spTree>
+      <p:nvGrpSpPr>
+        <p:cNvPr id="1" name=""/>
+        <p:cNvGrpSpPr/>
+        <p:nvPr/>
+      </p:nvGrpSpPr>
+      <p:grpSpPr>
+        <a:xfrm>
+          <a:off x="0" y="0"/>
+          <a:ext cx="0" cy="0"/>
+          <a:chOff x="0" y="0"/>
+          <a:chExt cx="0" cy="0"/>
+        </a:xfrm>
+      </p:grpSpPr>
+      <p:sp>
+        <p:nvSpPr>
+          <p:cNvPr id="2" name="スライド番号プレースホルダー 1"/>
+          <p:cNvSpPr>
+            <a:spLocks noGrp="1"/>
+          </p:cNvSpPr>
+          <p:nvPr>
+            <p:ph type="sldNum" sz="quarter" idx="12"/>
+          </p:nvPr>
+        </p:nvSpPr>
+        <p:spPr/>
+        <p:txBody>
+          <a:bodyPr/>
+          <a:lstStyle/>
+          <a:p>
+            <a:fld id="{FF293082-CEC9-41F6-8937-D05229BF80C6}" type="slidenum">
+              <a:rPr kumimoji="1" lang="ja-JP" altLang="en-US" sz="3200" smtClean="0"/>
+              <a:t>15</a:t>
+            </a:fld>
+            <a:endParaRPr kumimoji="1" lang="ja-JP" altLang="en-US" sz="3200"/>
+          </a:p>
+        </p:txBody>
+      </p:sp>
+      <p:sp>
+        <p:nvSpPr>
+          <p:cNvPr id="3" name="テキスト ボックス 2"/>
+          <p:cNvSpPr txBox="1"/>
+          <p:nvPr/>
+        </p:nvSpPr>
+        <p:spPr>
+          <a:xfrm>
+            <a:off x="607741" y="412595"/>
+            <a:ext cx="3958683" cy="707886"/>
+          </a:xfrm>
+          <a:prstGeom prst="rect">
+            <a:avLst/>
+          </a:prstGeom>
+          <a:noFill/>
+        </p:spPr>
+        <p:txBody>
+          <a:bodyPr wrap="square" rtlCol="0">
+            <a:spAutoFit/>
+          </a:bodyPr>
+          <a:lstStyle/>
+          <a:p>
+            <a:r>
+              <a:rPr lang="ja-JP" altLang="en-US" sz="4000" dirty="0"/>
               <a:t>考察</a:t>
             </a:r>
             <a:endParaRPr kumimoji="1" lang="ja-JP" altLang="en-US" sz="4000" dirty="0"/>
+          </a:p>
+        </p:txBody>
+      </p:sp>
+      <p:sp>
+        <p:nvSpPr>
+          <p:cNvPr id="4" name="テキスト ボックス 3"/>
+          <p:cNvSpPr txBox="1"/>
+          <p:nvPr/>
+        </p:nvSpPr>
+        <p:spPr>
+          <a:xfrm>
+            <a:off x="735980" y="1918010"/>
+            <a:ext cx="7779370" cy="1815882"/>
+          </a:xfrm>
+          <a:prstGeom prst="rect">
+            <a:avLst/>
+          </a:prstGeom>
+          <a:noFill/>
+        </p:spPr>
+        <p:txBody>
+          <a:bodyPr wrap="square" rtlCol="0">
+            <a:spAutoFit/>
+          </a:bodyPr>
+          <a:lstStyle/>
+          <a:p>
+            <a:r>
+              <a:rPr kumimoji="1" lang="ja-JP" altLang="en-US" sz="2800" dirty="0" smtClean="0"/>
+              <a:t>管理者が編集をする必要性が薄れてきている</a:t>
+            </a:r>
+            <a:endParaRPr kumimoji="1" lang="en-US" altLang="ja-JP" sz="2800" dirty="0" smtClean="0"/>
+          </a:p>
+          <a:p>
+            <a:endParaRPr lang="en-US" altLang="ja-JP" sz="2800" dirty="0"/>
+          </a:p>
+          <a:p>
+            <a:r>
+              <a:rPr lang="ja-JP" altLang="en-US" sz="2800" dirty="0" smtClean="0"/>
+              <a:t>管理者の月別編集回数の割合によると，</a:t>
+            </a:r>
+            <a:r>
+              <a:rPr lang="en-US" altLang="ja-JP" sz="2800" dirty="0" smtClean="0"/>
+              <a:t>2007</a:t>
+            </a:r>
+            <a:r>
+              <a:rPr lang="ja-JP" altLang="en-US" sz="2800" dirty="0" smtClean="0"/>
+              <a:t>年の</a:t>
+            </a:r>
+            <a:r>
+              <a:rPr lang="en-US" altLang="ja-JP" sz="2800" dirty="0" smtClean="0"/>
+              <a:t>8</a:t>
+            </a:r>
+            <a:r>
+              <a:rPr lang="ja-JP" altLang="en-US" sz="2800" dirty="0" smtClean="0"/>
+              <a:t>月ごろから安定して低い割合で運用している</a:t>
+            </a:r>
+            <a:endParaRPr kumimoji="1" lang="ja-JP" altLang="en-US" sz="2800" dirty="0"/>
+          </a:p>
+        </p:txBody>
+      </p:sp>
+      <p:sp>
+        <p:nvSpPr>
+          <p:cNvPr id="5" name="テキスト ボックス 4"/>
+          <p:cNvSpPr txBox="1"/>
+          <p:nvPr/>
+        </p:nvSpPr>
+        <p:spPr>
+          <a:xfrm>
+            <a:off x="340111" y="1918010"/>
+            <a:ext cx="535259" cy="1384995"/>
+          </a:xfrm>
+          <a:prstGeom prst="rect">
+            <a:avLst/>
+          </a:prstGeom>
+          <a:noFill/>
+        </p:spPr>
+        <p:txBody>
+          <a:bodyPr wrap="square" rtlCol="0">
+            <a:spAutoFit/>
+          </a:bodyPr>
+          <a:lstStyle/>
+          <a:p>
+            <a:r>
+              <a:rPr lang="ja-JP" altLang="en-US" sz="2800" dirty="0" smtClean="0"/>
+              <a:t>・</a:t>
+            </a:r>
+            <a:endParaRPr lang="en-US" altLang="ja-JP" sz="2800" dirty="0" smtClean="0"/>
+          </a:p>
+          <a:p>
+            <a:endParaRPr lang="en-US" altLang="ja-JP" sz="2800" dirty="0" smtClean="0"/>
+          </a:p>
+          <a:p>
+            <a:r>
+              <a:rPr kumimoji="1" lang="ja-JP" altLang="en-US" sz="2800" dirty="0" smtClean="0"/>
+              <a:t>・</a:t>
+            </a:r>
+            <a:endParaRPr kumimoji="1" lang="en-US" altLang="ja-JP" sz="2800" dirty="0" smtClean="0"/>
           </a:p>
         </p:txBody>
       </p:sp>
@@ -4055,7 +9999,7 @@
 </p:sld>
 </file>
 
-<file path=ppt/slides/slide12.xml><?xml version="1.0" encoding="utf-8"?>
+<file path=ppt/slides/slide16.xml><?xml version="1.0" encoding="utf-8"?>
 <p:sld xmlns:a="http://schemas.openxmlformats.org/drawingml/2006/main" xmlns:r="http://schemas.openxmlformats.org/officeDocument/2006/relationships" xmlns:p="http://schemas.openxmlformats.org/presentationml/2006/main">
   <p:cSld>
     <p:spTree>
@@ -4088,10 +10032,10 @@
           <a:lstStyle/>
           <a:p>
             <a:fld id="{FF293082-CEC9-41F6-8937-D05229BF80C6}" type="slidenum">
-              <a:rPr kumimoji="1" lang="ja-JP" altLang="en-US" smtClean="0"/>
-              <a:t>12</a:t>
+              <a:rPr kumimoji="1" lang="ja-JP" altLang="en-US" sz="3200" smtClean="0"/>
+              <a:t>16</a:t>
             </a:fld>
-            <a:endParaRPr kumimoji="1" lang="ja-JP" altLang="en-US"/>
+            <a:endParaRPr kumimoji="1" lang="ja-JP" altLang="en-US" sz="3200"/>
           </a:p>
         </p:txBody>
       </p:sp>
@@ -4126,6 +10070,121 @@
               <a:t>め</a:t>
             </a:r>
             <a:endParaRPr kumimoji="1" lang="ja-JP" altLang="en-US" sz="4000" dirty="0"/>
+          </a:p>
+        </p:txBody>
+      </p:sp>
+      <p:sp>
+        <p:nvSpPr>
+          <p:cNvPr id="4" name="テキスト ボックス 3"/>
+          <p:cNvSpPr txBox="1"/>
+          <p:nvPr/>
+        </p:nvSpPr>
+        <p:spPr>
+          <a:xfrm>
+            <a:off x="607741" y="1750741"/>
+            <a:ext cx="7917366" cy="3108543"/>
+          </a:xfrm>
+          <a:prstGeom prst="rect">
+            <a:avLst/>
+          </a:prstGeom>
+          <a:noFill/>
+        </p:spPr>
+        <p:txBody>
+          <a:bodyPr wrap="square" rtlCol="0">
+            <a:spAutoFit/>
+          </a:bodyPr>
+          <a:lstStyle/>
+          <a:p>
+            <a:r>
+              <a:rPr kumimoji="1" lang="en-US" altLang="ja-JP" sz="2800" dirty="0" smtClean="0"/>
+              <a:t>Wikipedia</a:t>
+            </a:r>
+            <a:r>
+              <a:rPr kumimoji="1" lang="ja-JP" altLang="en-US" sz="2800" dirty="0" smtClean="0"/>
+              <a:t>の編集履歴データをビッグデータ処理技術を用いてデータマイニングした</a:t>
+            </a:r>
+            <a:endParaRPr kumimoji="1" lang="en-US" altLang="ja-JP" sz="2800" dirty="0" smtClean="0"/>
+          </a:p>
+          <a:p>
+            <a:endParaRPr lang="en-US" altLang="ja-JP" sz="2800" dirty="0"/>
+          </a:p>
+          <a:p>
+            <a:r>
+              <a:rPr kumimoji="1" lang="ja-JP" altLang="en-US" sz="2800" dirty="0" smtClean="0"/>
+              <a:t>取得したデータを可視化した．</a:t>
+            </a:r>
+            <a:endParaRPr kumimoji="1" lang="en-US" altLang="ja-JP" sz="2800" dirty="0" smtClean="0"/>
+          </a:p>
+          <a:p>
+            <a:endParaRPr lang="en-US" altLang="ja-JP" sz="2800" dirty="0"/>
+          </a:p>
+          <a:p>
+            <a:r>
+              <a:rPr lang="ja-JP" altLang="en-US" sz="2800" dirty="0" smtClean="0"/>
+              <a:t>日本語版</a:t>
+            </a:r>
+            <a:r>
+              <a:rPr lang="en-US" altLang="ja-JP" sz="2800" dirty="0" smtClean="0"/>
+              <a:t>Wikipedia</a:t>
+            </a:r>
+            <a:r>
+              <a:rPr lang="ja-JP" altLang="en-US" sz="2800" dirty="0" smtClean="0"/>
+              <a:t>では，管理者が編集を行うことは必要なことではないと考えた</a:t>
+            </a:r>
+            <a:endParaRPr kumimoji="1" lang="ja-JP" altLang="en-US" sz="2800" dirty="0"/>
+          </a:p>
+        </p:txBody>
+      </p:sp>
+      <p:sp>
+        <p:nvSpPr>
+          <p:cNvPr id="5" name="テキスト ボックス 4"/>
+          <p:cNvSpPr txBox="1"/>
+          <p:nvPr/>
+        </p:nvSpPr>
+        <p:spPr>
+          <a:xfrm>
+            <a:off x="340111" y="1750740"/>
+            <a:ext cx="535259" cy="2677656"/>
+          </a:xfrm>
+          <a:prstGeom prst="rect">
+            <a:avLst/>
+          </a:prstGeom>
+          <a:noFill/>
+        </p:spPr>
+        <p:txBody>
+          <a:bodyPr wrap="square" rtlCol="0">
+            <a:spAutoFit/>
+          </a:bodyPr>
+          <a:lstStyle/>
+          <a:p>
+            <a:r>
+              <a:rPr lang="ja-JP" altLang="en-US" sz="2800" dirty="0" smtClean="0"/>
+              <a:t>・</a:t>
+            </a:r>
+            <a:endParaRPr lang="en-US" altLang="ja-JP" sz="2800" dirty="0" smtClean="0"/>
+          </a:p>
+          <a:p>
+            <a:endParaRPr lang="en-US" altLang="ja-JP" sz="2800" dirty="0" smtClean="0"/>
+          </a:p>
+          <a:p>
+            <a:endParaRPr lang="en-US" altLang="ja-JP" sz="2800" dirty="0" smtClean="0"/>
+          </a:p>
+          <a:p>
+            <a:r>
+              <a:rPr kumimoji="1" lang="ja-JP" altLang="en-US" sz="2800" dirty="0" smtClean="0"/>
+              <a:t>・</a:t>
+            </a:r>
+            <a:endParaRPr kumimoji="1" lang="en-US" altLang="ja-JP" sz="2800" dirty="0" smtClean="0"/>
+          </a:p>
+          <a:p>
+            <a:endParaRPr lang="en-US" altLang="ja-JP" sz="2800" dirty="0" smtClean="0"/>
+          </a:p>
+          <a:p>
+            <a:r>
+              <a:rPr lang="ja-JP" altLang="en-US" sz="2800" dirty="0"/>
+              <a:t>・</a:t>
+            </a:r>
+            <a:endParaRPr lang="en-US" altLang="ja-JP" sz="2800" dirty="0"/>
           </a:p>
         </p:txBody>
       </p:sp>
@@ -4220,22 +10279,14 @@
           <a:p>
             <a:r>
               <a:rPr kumimoji="1" lang="ja-JP" altLang="en-US" sz="3200" dirty="0" smtClean="0"/>
-              <a:t>１</a:t>
-            </a:r>
-            <a:r>
-              <a:rPr kumimoji="1" lang="ja-JP" altLang="en-US" sz="3200" dirty="0" smtClean="0"/>
-              <a:t>．研究背景</a:t>
+              <a:t>１．研究背景</a:t>
             </a:r>
             <a:endParaRPr kumimoji="1" lang="en-US" altLang="ja-JP" sz="3200" dirty="0" smtClean="0"/>
           </a:p>
           <a:p>
             <a:r>
               <a:rPr lang="ja-JP" altLang="en-US" sz="3200" dirty="0" smtClean="0"/>
-              <a:t>２</a:t>
-            </a:r>
-            <a:r>
-              <a:rPr lang="ja-JP" altLang="en-US" sz="3200" dirty="0" smtClean="0"/>
-              <a:t>．研究目的</a:t>
+              <a:t>２．研究目的</a:t>
             </a:r>
             <a:endParaRPr lang="en-US" altLang="ja-JP" sz="3200" dirty="0" smtClean="0"/>
           </a:p>
@@ -4288,7 +10339,7 @@
               <a:rPr kumimoji="1" lang="ja-JP" altLang="en-US" sz="3200" smtClean="0"/>
               <a:t>2</a:t>
             </a:fld>
-            <a:endParaRPr kumimoji="1" lang="ja-JP" altLang="en-US" sz="3200"/>
+            <a:endParaRPr kumimoji="1" lang="ja-JP" altLang="en-US" sz="3200" dirty="0"/>
           </a:p>
         </p:txBody>
       </p:sp>
@@ -4345,10 +10396,10 @@
           <a:lstStyle/>
           <a:p>
             <a:fld id="{FF293082-CEC9-41F6-8937-D05229BF80C6}" type="slidenum">
-              <a:rPr kumimoji="1" lang="ja-JP" altLang="en-US" smtClean="0"/>
+              <a:rPr kumimoji="1" lang="ja-JP" altLang="en-US" sz="3200" smtClean="0"/>
               <a:t>3</a:t>
             </a:fld>
-            <a:endParaRPr kumimoji="1" lang="ja-JP" altLang="en-US"/>
+            <a:endParaRPr kumimoji="1" lang="ja-JP" altLang="en-US" sz="3200"/>
           </a:p>
         </p:txBody>
       </p:sp>
@@ -4390,8 +10441,8 @@
         </p:nvSpPr>
         <p:spPr>
           <a:xfrm>
-            <a:off x="535258" y="1248595"/>
-            <a:ext cx="8062332" cy="4832092"/>
+            <a:off x="802887" y="1248595"/>
+            <a:ext cx="8062332" cy="4401205"/>
           </a:xfrm>
           <a:prstGeom prst="rect">
             <a:avLst/>
@@ -4405,56 +10456,121 @@
           <a:lstStyle/>
           <a:p>
             <a:r>
+              <a:rPr lang="en-US" altLang="ja-JP" sz="2800" dirty="0" smtClean="0"/>
+              <a:t>Wikipedia</a:t>
+            </a:r>
+            <a:r>
+              <a:rPr lang="ja-JP" altLang="en-US" sz="2800" dirty="0" smtClean="0"/>
+              <a:t>はボランティアによって成長した．</a:t>
+            </a:r>
+            <a:endParaRPr lang="en-US" altLang="ja-JP" sz="2800" dirty="0" smtClean="0"/>
+          </a:p>
+          <a:p>
+            <a:endParaRPr kumimoji="1" lang="en-US" altLang="ja-JP" sz="2800" dirty="0"/>
+          </a:p>
+          <a:p>
+            <a:r>
+              <a:rPr lang="ja-JP" altLang="en-US" sz="2800" dirty="0" smtClean="0"/>
+              <a:t>不特定</a:t>
+            </a:r>
+            <a:r>
+              <a:rPr lang="ja-JP" altLang="en-US" sz="2800" dirty="0" smtClean="0"/>
+              <a:t>多数の人が自由に参加するオンライン百科事典プロジェクト．</a:t>
+            </a:r>
+            <a:endParaRPr lang="en-US" altLang="ja-JP" sz="2800" dirty="0" smtClean="0"/>
+          </a:p>
+          <a:p>
+            <a:endParaRPr kumimoji="1" lang="en-US" altLang="ja-JP" sz="2800" dirty="0" smtClean="0"/>
+          </a:p>
+          <a:p>
+            <a:r>
+              <a:rPr lang="ja-JP" altLang="en-US" sz="2800" dirty="0" smtClean="0"/>
+              <a:t>不特定</a:t>
+            </a:r>
+            <a:r>
+              <a:rPr lang="ja-JP" altLang="en-US" sz="2800" dirty="0" smtClean="0"/>
+              <a:t>多数の人たちで動いてるプロジェクトだが，かなりの良質を保っている．</a:t>
+            </a:r>
+            <a:endParaRPr lang="en-US" altLang="ja-JP" sz="2800" dirty="0"/>
+          </a:p>
+          <a:p>
+            <a:endParaRPr kumimoji="1" lang="en-US" altLang="ja-JP" sz="2800" dirty="0"/>
+          </a:p>
+          <a:p>
+            <a:r>
+              <a:rPr lang="en-US" altLang="ja-JP" sz="2800" dirty="0" smtClean="0"/>
+              <a:t>Wikipedia</a:t>
+            </a:r>
+            <a:r>
+              <a:rPr lang="ja-JP" altLang="en-US" sz="2800" dirty="0" smtClean="0"/>
+              <a:t>と似たようなプロジェクトをやってみようとした企業はいくつかあるが，どこも上手くいっていない．</a:t>
+            </a:r>
+            <a:endParaRPr lang="en-US" altLang="ja-JP" sz="2800" dirty="0" smtClean="0"/>
+          </a:p>
+        </p:txBody>
+      </p:sp>
+      <p:sp>
+        <p:nvSpPr>
+          <p:cNvPr id="5" name="テキスト ボックス 4"/>
+          <p:cNvSpPr txBox="1"/>
+          <p:nvPr/>
+        </p:nvSpPr>
+        <p:spPr>
+          <a:xfrm>
+            <a:off x="535258" y="1248595"/>
+            <a:ext cx="535259" cy="3970318"/>
+          </a:xfrm>
+          <a:prstGeom prst="rect">
+            <a:avLst/>
+          </a:prstGeom>
+          <a:noFill/>
+        </p:spPr>
+        <p:txBody>
+          <a:bodyPr wrap="square" rtlCol="0">
+            <a:spAutoFit/>
+          </a:bodyPr>
+          <a:lstStyle/>
+          <a:p>
+            <a:r>
+              <a:rPr lang="ja-JP" altLang="en-US" sz="2800" dirty="0" smtClean="0"/>
+              <a:t>・</a:t>
+            </a:r>
+            <a:endParaRPr lang="en-US" altLang="ja-JP" sz="2800" dirty="0" smtClean="0"/>
+          </a:p>
+          <a:p>
+            <a:endParaRPr lang="en-US" altLang="ja-JP" sz="2800" dirty="0" smtClean="0"/>
+          </a:p>
+          <a:p>
+            <a:r>
               <a:rPr kumimoji="1" lang="ja-JP" altLang="en-US" sz="2800" dirty="0" smtClean="0"/>
               <a:t>・</a:t>
             </a:r>
-            <a:r>
-              <a:rPr lang="en-US" altLang="ja-JP" sz="2800" dirty="0" smtClean="0"/>
-              <a:t>Wikipedia</a:t>
-            </a:r>
-            <a:r>
-              <a:rPr lang="ja-JP" altLang="en-US" sz="2800" dirty="0" smtClean="0"/>
-              <a:t>はボランティアによって成長した．</a:t>
-            </a:r>
+            <a:endParaRPr kumimoji="1" lang="en-US" altLang="ja-JP" sz="2800" dirty="0" smtClean="0"/>
+          </a:p>
+          <a:p>
             <a:endParaRPr lang="en-US" altLang="ja-JP" sz="2800" dirty="0" smtClean="0"/>
           </a:p>
           <a:p>
-            <a:endParaRPr kumimoji="1" lang="en-US" altLang="ja-JP" sz="2800" dirty="0"/>
-          </a:p>
-          <a:p>
-            <a:r>
-              <a:rPr lang="ja-JP" altLang="en-US" sz="2800" dirty="0" smtClean="0"/>
-              <a:t>・不特定多数の人が自由に参加するオンライン百科事典プロジェクト．</a:t>
-            </a:r>
-            <a:endParaRPr lang="en-US" altLang="ja-JP" sz="2800" dirty="0" smtClean="0"/>
-          </a:p>
-          <a:p>
             <a:endParaRPr kumimoji="1" lang="en-US" altLang="ja-JP" sz="2800" dirty="0" smtClean="0"/>
-          </a:p>
-          <a:p>
-            <a:r>
-              <a:rPr lang="ja-JP" altLang="en-US" sz="2800" dirty="0" smtClean="0"/>
-              <a:t>・不特定多数の人たちで動いてるプロジェクトだが，かなりの良質を保っている．</a:t>
-            </a:r>
-            <a:endParaRPr lang="en-US" altLang="ja-JP" sz="2800" dirty="0"/>
-          </a:p>
-          <a:p>
-            <a:endParaRPr kumimoji="1" lang="en-US" altLang="ja-JP" sz="2800" dirty="0"/>
           </a:p>
           <a:p>
             <a:r>
               <a:rPr lang="ja-JP" altLang="en-US" sz="2800" dirty="0" smtClean="0"/>
               <a:t>・</a:t>
             </a:r>
-            <a:r>
-              <a:rPr lang="en-US" altLang="ja-JP" sz="2800" dirty="0" smtClean="0"/>
-              <a:t>Wikipedia</a:t>
-            </a:r>
-            <a:r>
-              <a:rPr lang="ja-JP" altLang="en-US" sz="2800" dirty="0" smtClean="0"/>
-              <a:t>と似たようなプロジェクトをやってみようとした企業はいくつかあるが，どこも上手くいっていない．</a:t>
-            </a:r>
             <a:endParaRPr lang="en-US" altLang="ja-JP" sz="2800" dirty="0" smtClean="0"/>
+          </a:p>
+          <a:p>
+            <a:endParaRPr kumimoji="1" lang="en-US" altLang="ja-JP" sz="2800" dirty="0"/>
+          </a:p>
+          <a:p>
+            <a:endParaRPr lang="en-US" altLang="ja-JP" sz="2800" dirty="0" smtClean="0"/>
+          </a:p>
+          <a:p>
+            <a:r>
+              <a:rPr kumimoji="1" lang="ja-JP" altLang="en-US" sz="2800" dirty="0"/>
+              <a:t>・</a:t>
+            </a:r>
           </a:p>
         </p:txBody>
       </p:sp>
@@ -4511,10 +10627,10 @@
           <a:lstStyle/>
           <a:p>
             <a:fld id="{FF293082-CEC9-41F6-8937-D05229BF80C6}" type="slidenum">
-              <a:rPr kumimoji="1" lang="ja-JP" altLang="en-US" smtClean="0"/>
+              <a:rPr kumimoji="1" lang="ja-JP" altLang="en-US" sz="3200" smtClean="0"/>
               <a:t>4</a:t>
             </a:fld>
-            <a:endParaRPr kumimoji="1" lang="ja-JP" altLang="en-US"/>
+            <a:endParaRPr kumimoji="1" lang="ja-JP" altLang="en-US" sz="3200" dirty="0"/>
           </a:p>
         </p:txBody>
       </p:sp>
@@ -4745,10 +10861,10 @@
           <a:lstStyle/>
           <a:p>
             <a:fld id="{FF293082-CEC9-41F6-8937-D05229BF80C6}" type="slidenum">
-              <a:rPr kumimoji="1" lang="ja-JP" altLang="en-US" smtClean="0"/>
+              <a:rPr kumimoji="1" lang="ja-JP" altLang="en-US" sz="3200" smtClean="0"/>
               <a:t>5</a:t>
             </a:fld>
-            <a:endParaRPr kumimoji="1" lang="ja-JP" altLang="en-US"/>
+            <a:endParaRPr kumimoji="1" lang="ja-JP" altLang="en-US" sz="3200"/>
           </a:p>
         </p:txBody>
       </p:sp>
@@ -4805,16 +10921,20 @@
           <a:lstStyle/>
           <a:p>
             <a:r>
-              <a:rPr kumimoji="1" lang="ja-JP" altLang="en-US" sz="2800" dirty="0" smtClean="0"/>
-              <a:t>・</a:t>
-            </a:r>
-            <a:r>
               <a:rPr kumimoji="1" lang="en-US" altLang="ja-JP" sz="2800" dirty="0" smtClean="0"/>
               <a:t>Wikipedia</a:t>
             </a:r>
             <a:r>
               <a:rPr kumimoji="1" lang="ja-JP" altLang="en-US" sz="2800" dirty="0" smtClean="0"/>
-              <a:t>の管理者と一般編集者の割合はどのように変化していってるのか</a:t>
+              <a:t>の管理者と一般編集者の割合はどのように変化していってる</a:t>
+            </a:r>
+            <a:r>
+              <a:rPr kumimoji="1" lang="ja-JP" altLang="en-US" sz="2800" dirty="0" smtClean="0"/>
+              <a:t>の</a:t>
+            </a:r>
+            <a:r>
+              <a:rPr lang="ja-JP" altLang="en-US" sz="2800" dirty="0" smtClean="0"/>
+              <a:t>か．</a:t>
             </a:r>
             <a:endParaRPr kumimoji="1" lang="ja-JP" altLang="en-US" sz="2800" dirty="0"/>
           </a:p>
@@ -4872,7 +10992,7 @@
         </p:nvSpPr>
         <p:spPr>
           <a:xfrm>
-            <a:off x="685800" y="4452988"/>
+            <a:off x="971551" y="4452988"/>
             <a:ext cx="7543799" cy="1815882"/>
           </a:xfrm>
           <a:prstGeom prst="rect">
@@ -4887,28 +11007,102 @@
           <a:lstStyle/>
           <a:p>
             <a:r>
+              <a:rPr kumimoji="1" lang="en-US" altLang="ja-JP" sz="2800" dirty="0" smtClean="0"/>
+              <a:t>Wikipedia</a:t>
+            </a:r>
+            <a:r>
+              <a:rPr kumimoji="1" lang="ja-JP" altLang="en-US" sz="2800" dirty="0" smtClean="0"/>
+              <a:t>はプロジェクトである．</a:t>
+            </a:r>
+            <a:endParaRPr kumimoji="1" lang="en-US" altLang="ja-JP" sz="2800" dirty="0" smtClean="0"/>
+          </a:p>
+          <a:p>
+            <a:endParaRPr lang="en-US" altLang="ja-JP" sz="2800" dirty="0"/>
+          </a:p>
+          <a:p>
+            <a:r>
+              <a:rPr kumimoji="1" lang="ja-JP" altLang="en-US" sz="2800" dirty="0" smtClean="0"/>
+              <a:t>管理者</a:t>
+            </a:r>
+            <a:r>
+              <a:rPr kumimoji="1" lang="ja-JP" altLang="en-US" sz="2800" dirty="0" smtClean="0"/>
+              <a:t>と一般編集者のバランスのマネジメントが必要であるのではないの</a:t>
+            </a:r>
+            <a:r>
+              <a:rPr kumimoji="1" lang="ja-JP" altLang="en-US" sz="2800" dirty="0" smtClean="0"/>
+              <a:t>か．</a:t>
+            </a:r>
+            <a:endParaRPr kumimoji="1" lang="ja-JP" altLang="en-US" sz="2800" dirty="0"/>
+          </a:p>
+        </p:txBody>
+      </p:sp>
+      <p:sp>
+        <p:nvSpPr>
+          <p:cNvPr id="9" name="テキスト ボックス 8"/>
+          <p:cNvSpPr txBox="1"/>
+          <p:nvPr/>
+        </p:nvSpPr>
+        <p:spPr>
+          <a:xfrm>
+            <a:off x="635618" y="4452988"/>
+            <a:ext cx="535259" cy="1384995"/>
+          </a:xfrm>
+          <a:prstGeom prst="rect">
+            <a:avLst/>
+          </a:prstGeom>
+          <a:noFill/>
+        </p:spPr>
+        <p:txBody>
+          <a:bodyPr wrap="square" rtlCol="0">
+            <a:spAutoFit/>
+          </a:bodyPr>
+          <a:lstStyle/>
+          <a:p>
+            <a:r>
+              <a:rPr lang="ja-JP" altLang="en-US" sz="2800" dirty="0" smtClean="0"/>
+              <a:t>・</a:t>
+            </a:r>
+            <a:endParaRPr lang="en-US" altLang="ja-JP" sz="2800" dirty="0" smtClean="0"/>
+          </a:p>
+          <a:p>
+            <a:endParaRPr lang="en-US" altLang="ja-JP" sz="2800" dirty="0" smtClean="0"/>
+          </a:p>
+          <a:p>
+            <a:r>
               <a:rPr kumimoji="1" lang="ja-JP" altLang="en-US" sz="2800" dirty="0" smtClean="0"/>
               <a:t>・</a:t>
             </a:r>
-            <a:r>
-              <a:rPr kumimoji="1" lang="en-US" altLang="ja-JP" sz="2800" dirty="0" smtClean="0"/>
-              <a:t>Wikipedia</a:t>
-            </a:r>
-            <a:r>
-              <a:rPr kumimoji="1" lang="ja-JP" altLang="en-US" sz="2800" dirty="0" smtClean="0"/>
-              <a:t>はプロジェクトである．</a:t>
-            </a:r>
             <a:endParaRPr kumimoji="1" lang="en-US" altLang="ja-JP" sz="2800" dirty="0" smtClean="0"/>
           </a:p>
-          <a:p>
-            <a:endParaRPr lang="en-US" altLang="ja-JP" sz="2800" dirty="0"/>
-          </a:p>
-          <a:p>
-            <a:r>
-              <a:rPr kumimoji="1" lang="ja-JP" altLang="en-US" sz="2800" dirty="0" smtClean="0"/>
-              <a:t>・管理者と一般編集者のバランスのマネジメントが必要であるのではないのか</a:t>
-            </a:r>
-            <a:endParaRPr kumimoji="1" lang="ja-JP" altLang="en-US" sz="2800" dirty="0"/>
+        </p:txBody>
+      </p:sp>
+      <p:sp>
+        <p:nvSpPr>
+          <p:cNvPr id="10" name="テキスト ボックス 9"/>
+          <p:cNvSpPr txBox="1"/>
+          <p:nvPr/>
+        </p:nvSpPr>
+        <p:spPr>
+          <a:xfrm>
+            <a:off x="646769" y="1424906"/>
+            <a:ext cx="535259" cy="523220"/>
+          </a:xfrm>
+          <a:prstGeom prst="rect">
+            <a:avLst/>
+          </a:prstGeom>
+          <a:noFill/>
+        </p:spPr>
+        <p:txBody>
+          <a:bodyPr wrap="square" rtlCol="0">
+            <a:spAutoFit/>
+          </a:bodyPr>
+          <a:lstStyle/>
+          <a:p>
+            <a:r>
+              <a:rPr lang="ja-JP" altLang="en-US" sz="2800" dirty="0" smtClean="0"/>
+              <a:t>・</a:t>
+            </a:r>
+            <a:endParaRPr lang="en-US" altLang="ja-JP" sz="2800" dirty="0" smtClean="0"/>
           </a:p>
         </p:txBody>
       </p:sp>
@@ -4973,10 +11167,10 @@
           <a:lstStyle/>
           <a:p>
             <a:fld id="{FF293082-CEC9-41F6-8937-D05229BF80C6}" type="slidenum">
-              <a:rPr kumimoji="1" lang="ja-JP" altLang="en-US" smtClean="0"/>
+              <a:rPr kumimoji="1" lang="ja-JP" altLang="en-US" sz="3600" smtClean="0"/>
               <a:t>6</a:t>
             </a:fld>
-            <a:endParaRPr kumimoji="1" lang="ja-JP" altLang="en-US"/>
+            <a:endParaRPr kumimoji="1" lang="ja-JP" altLang="en-US" sz="3600"/>
           </a:p>
         </p:txBody>
       </p:sp>
@@ -5133,10 +11327,10 @@
           <a:lstStyle/>
           <a:p>
             <a:fld id="{FF293082-CEC9-41F6-8937-D05229BF80C6}" type="slidenum">
-              <a:rPr kumimoji="1" lang="ja-JP" altLang="en-US" smtClean="0"/>
+              <a:rPr kumimoji="1" lang="ja-JP" altLang="en-US" sz="3200" smtClean="0"/>
               <a:t>7</a:t>
             </a:fld>
-            <a:endParaRPr kumimoji="1" lang="ja-JP" altLang="en-US"/>
+            <a:endParaRPr kumimoji="1" lang="ja-JP" altLang="en-US" sz="3200"/>
           </a:p>
         </p:txBody>
       </p:sp>
@@ -5162,7 +11356,7 @@
         </p:blipFill>
         <p:spPr>
           <a:xfrm>
-            <a:off x="1342663" y="1405069"/>
+            <a:off x="1342661" y="1170893"/>
             <a:ext cx="6463007" cy="4761816"/>
           </a:xfrm>
           <a:prstGeom prst="rect">
@@ -5199,6 +11393,41 @@
             <a:r>
               <a:rPr lang="ja-JP" altLang="en-US" sz="2800" dirty="0" smtClean="0"/>
               <a:t>ファイル</a:t>
+            </a:r>
+            <a:endParaRPr kumimoji="1" lang="ja-JP" altLang="en-US" sz="2800" dirty="0"/>
+          </a:p>
+        </p:txBody>
+      </p:sp>
+      <p:sp>
+        <p:nvSpPr>
+          <p:cNvPr id="5" name="テキスト ボックス 4"/>
+          <p:cNvSpPr txBox="1"/>
+          <p:nvPr/>
+        </p:nvSpPr>
+        <p:spPr>
+          <a:xfrm>
+            <a:off x="2329450" y="6094741"/>
+            <a:ext cx="4489427" cy="523220"/>
+          </a:xfrm>
+          <a:prstGeom prst="rect">
+            <a:avLst/>
+          </a:prstGeom>
+          <a:noFill/>
+        </p:spPr>
+        <p:txBody>
+          <a:bodyPr wrap="square" rtlCol="0">
+            <a:spAutoFit/>
+          </a:bodyPr>
+          <a:lstStyle/>
+          <a:p>
+            <a:pPr algn="ctr"/>
+            <a:r>
+              <a:rPr lang="ja-JP" altLang="en-US" sz="2800" dirty="0" smtClean="0"/>
+              <a:t>解凍後の容量は約</a:t>
+            </a:r>
+            <a:r>
+              <a:rPr lang="en-US" altLang="ja-JP" sz="2800" dirty="0" smtClean="0"/>
+              <a:t>25GB</a:t>
             </a:r>
             <a:endParaRPr kumimoji="1" lang="ja-JP" altLang="en-US" sz="2800" dirty="0"/>
           </a:p>
@@ -5250,10 +11479,10 @@
           <a:lstStyle/>
           <a:p>
             <a:fld id="{FF293082-CEC9-41F6-8937-D05229BF80C6}" type="slidenum">
-              <a:rPr kumimoji="1" lang="ja-JP" altLang="en-US" smtClean="0"/>
+              <a:rPr kumimoji="1" lang="ja-JP" altLang="en-US" sz="3200" smtClean="0"/>
               <a:t>8</a:t>
             </a:fld>
-            <a:endParaRPr kumimoji="1" lang="ja-JP" altLang="en-US"/>
+            <a:endParaRPr kumimoji="1" lang="ja-JP" altLang="en-US" sz="3200"/>
           </a:p>
         </p:txBody>
       </p:sp>
@@ -5265,8 +11494,8 @@
         </p:nvSpPr>
         <p:spPr>
           <a:xfrm>
-            <a:off x="501805" y="1505414"/>
-            <a:ext cx="7437863" cy="2677656"/>
+            <a:off x="669471" y="587829"/>
+            <a:ext cx="7364186" cy="523220"/>
           </a:xfrm>
           <a:prstGeom prst="rect">
             <a:avLst/>
@@ -5280,20 +11509,143 @@
           <a:lstStyle/>
           <a:p>
             <a:r>
+              <a:rPr lang="en-US" altLang="ja-JP" sz="2800" dirty="0" smtClean="0"/>
+              <a:t>XML</a:t>
+            </a:r>
+            <a:r>
+              <a:rPr lang="ja-JP" altLang="en-US" sz="2800" dirty="0" smtClean="0"/>
+              <a:t>形式のファイルを扱う方法</a:t>
+            </a:r>
+            <a:endParaRPr kumimoji="1" lang="ja-JP" altLang="en-US" sz="2800" dirty="0"/>
+          </a:p>
+        </p:txBody>
+      </p:sp>
+      <p:sp>
+        <p:nvSpPr>
+          <p:cNvPr id="5" name="テキスト ボックス 4"/>
+          <p:cNvSpPr txBox="1"/>
+          <p:nvPr/>
+        </p:nvSpPr>
+        <p:spPr>
+          <a:xfrm>
+            <a:off x="814038" y="2865863"/>
+            <a:ext cx="8040030" cy="3108543"/>
+          </a:xfrm>
+          <a:prstGeom prst="rect">
+            <a:avLst/>
+          </a:prstGeom>
+          <a:noFill/>
+        </p:spPr>
+        <p:txBody>
+          <a:bodyPr wrap="square" rtlCol="0">
+            <a:spAutoFit/>
+          </a:bodyPr>
+          <a:lstStyle/>
+          <a:p>
+            <a:r>
+              <a:rPr lang="en-US" altLang="ja-JP" sz="2800" dirty="0" smtClean="0"/>
+              <a:t>XML</a:t>
+            </a:r>
+            <a:r>
+              <a:rPr lang="ja-JP" altLang="en-US" sz="2800" dirty="0" smtClean="0"/>
+              <a:t>文書を利用しやすい形に変換するソフトウェア．</a:t>
+            </a:r>
+            <a:endParaRPr lang="en-US" altLang="ja-JP" sz="2800" dirty="0" smtClean="0"/>
+          </a:p>
+          <a:p>
+            <a:endParaRPr kumimoji="1" lang="en-US" altLang="ja-JP" sz="2800" dirty="0"/>
+          </a:p>
+          <a:p>
+            <a:r>
+              <a:rPr lang="en-US" altLang="ja-JP" sz="2800" dirty="0" smtClean="0"/>
+              <a:t>XML</a:t>
+            </a:r>
+            <a:r>
+              <a:rPr lang="ja-JP" altLang="en-US" sz="2800" dirty="0" smtClean="0"/>
+              <a:t>文書はテキストファイルの形で存在するため，そのままソフトで利用することが出来ない．</a:t>
+            </a:r>
+            <a:endParaRPr lang="en-US" altLang="ja-JP" sz="2800" dirty="0" smtClean="0"/>
+          </a:p>
+          <a:p>
+            <a:endParaRPr kumimoji="1" lang="en-US" altLang="ja-JP" sz="2800" dirty="0"/>
+          </a:p>
+          <a:p>
+            <a:r>
+              <a:rPr lang="ja-JP" altLang="en-US" sz="2800" dirty="0" smtClean="0"/>
+              <a:t>次の最も広く</a:t>
+            </a:r>
+            <a:r>
+              <a:rPr lang="ja-JP" altLang="en-US" sz="2800" dirty="0"/>
+              <a:t>利用</a:t>
+            </a:r>
+            <a:r>
+              <a:rPr lang="ja-JP" altLang="en-US" sz="2800" dirty="0" smtClean="0"/>
+              <a:t>されてい</a:t>
+            </a:r>
+            <a:r>
+              <a:rPr lang="ja-JP" altLang="en-US" sz="2800" dirty="0"/>
+              <a:t>る</a:t>
+            </a:r>
+            <a:r>
+              <a:rPr lang="ja-JP" altLang="en-US" sz="2800" dirty="0" smtClean="0"/>
+              <a:t>標準的な</a:t>
+            </a:r>
+            <a:r>
+              <a:rPr lang="en-US" altLang="ja-JP" sz="2800" dirty="0" smtClean="0"/>
+              <a:t>API</a:t>
+            </a:r>
+            <a:r>
+              <a:rPr lang="ja-JP" altLang="en-US" sz="2800" dirty="0" smtClean="0"/>
+              <a:t>がある．</a:t>
+            </a:r>
+            <a:endParaRPr lang="en-US" altLang="ja-JP" sz="2800" dirty="0" smtClean="0"/>
+          </a:p>
+          <a:p>
+            <a:r>
+              <a:rPr kumimoji="1" lang="en-US" altLang="ja-JP" sz="2800" dirty="0" smtClean="0"/>
+              <a:t>SAX</a:t>
+            </a:r>
+            <a:r>
               <a:rPr kumimoji="1" lang="ja-JP" altLang="en-US" sz="2800" dirty="0" smtClean="0"/>
-              <a:t>・データマイニングを行い，</a:t>
+              <a:t>パーサ，</a:t>
             </a:r>
             <a:r>
               <a:rPr kumimoji="1" lang="en-US" altLang="ja-JP" sz="2800" dirty="0" smtClean="0"/>
-              <a:t>Wikipedia</a:t>
-            </a:r>
-            <a:r>
-              <a:rPr kumimoji="1" lang="ja-JP" altLang="en-US" sz="2800" dirty="0" err="1" smtClean="0"/>
-              <a:t>での</a:t>
+              <a:t>DOM</a:t>
             </a:r>
             <a:r>
               <a:rPr kumimoji="1" lang="ja-JP" altLang="en-US" sz="2800" dirty="0" smtClean="0"/>
-              <a:t>管理者の編集がどのように変化しているか調査する．</a:t>
+              <a:t>パーサ．</a:t>
+            </a:r>
+            <a:endParaRPr kumimoji="1" lang="ja-JP" altLang="en-US" sz="2800" dirty="0"/>
+          </a:p>
+        </p:txBody>
+      </p:sp>
+      <p:sp>
+        <p:nvSpPr>
+          <p:cNvPr id="6" name="テキスト ボックス 5"/>
+          <p:cNvSpPr txBox="1"/>
+          <p:nvPr/>
+        </p:nvSpPr>
+        <p:spPr>
+          <a:xfrm>
+            <a:off x="557561" y="2875508"/>
+            <a:ext cx="379539" cy="2677656"/>
+          </a:xfrm>
+          <a:prstGeom prst="rect">
+            <a:avLst/>
+          </a:prstGeom>
+          <a:noFill/>
+        </p:spPr>
+        <p:txBody>
+          <a:bodyPr wrap="square" rtlCol="0">
+            <a:spAutoFit/>
+          </a:bodyPr>
+          <a:lstStyle/>
+          <a:p>
+            <a:r>
+              <a:rPr kumimoji="1" lang="ja-JP" altLang="en-US" sz="2800" dirty="0" smtClean="0"/>
+              <a:t>・</a:t>
             </a:r>
             <a:endParaRPr kumimoji="1" lang="en-US" altLang="ja-JP" sz="2800" dirty="0" smtClean="0"/>
           </a:p>
@@ -5303,18 +11655,68 @@
           <a:p>
             <a:r>
               <a:rPr kumimoji="1" lang="ja-JP" altLang="en-US" sz="2800" dirty="0" smtClean="0"/>
-              <a:t>・オープンな共同作業プロジェクトにおける，</a:t>
+              <a:t>・</a:t>
             </a:r>
             <a:endParaRPr kumimoji="1" lang="en-US" altLang="ja-JP" sz="2800" dirty="0" smtClean="0"/>
           </a:p>
           <a:p>
+            <a:endParaRPr kumimoji="1" lang="en-US" altLang="ja-JP" sz="2800" dirty="0" smtClean="0"/>
+          </a:p>
+          <a:p>
+            <a:endParaRPr kumimoji="1" lang="en-US" altLang="ja-JP" sz="2800" dirty="0" smtClean="0"/>
+          </a:p>
+          <a:p>
             <a:r>
               <a:rPr lang="ja-JP" altLang="en-US" sz="2800" dirty="0"/>
-              <a:t>ボトムアップ</a:t>
-            </a:r>
-            <a:r>
-              <a:rPr lang="ja-JP" altLang="en-US" sz="2800" dirty="0" smtClean="0"/>
-              <a:t>とトップダウンの適正な混合率を見つける</a:t>
+              <a:t>・</a:t>
+            </a:r>
+            <a:endParaRPr kumimoji="1" lang="ja-JP" altLang="en-US" sz="2800" dirty="0"/>
+          </a:p>
+        </p:txBody>
+      </p:sp>
+      <p:sp>
+        <p:nvSpPr>
+          <p:cNvPr id="7" name="円/楕円 6"/>
+          <p:cNvSpPr/>
+          <p:nvPr/>
+        </p:nvSpPr>
+        <p:spPr>
+          <a:xfrm>
+            <a:off x="557561" y="1708641"/>
+            <a:ext cx="3144644" cy="735980"/>
+          </a:xfrm>
+          <a:prstGeom prst="ellipse">
+            <a:avLst/>
+          </a:prstGeom>
+        </p:spPr>
+        <p:style>
+          <a:lnRef idx="2">
+            <a:schemeClr val="accent1">
+              <a:shade val="50000"/>
+            </a:schemeClr>
+          </a:lnRef>
+          <a:fillRef idx="1">
+            <a:schemeClr val="accent1"/>
+          </a:fillRef>
+          <a:effectRef idx="0">
+            <a:schemeClr val="accent1"/>
+          </a:effectRef>
+          <a:fontRef idx="minor">
+            <a:schemeClr val="lt1"/>
+          </a:fontRef>
+        </p:style>
+        <p:txBody>
+          <a:bodyPr rtlCol="0" anchor="ctr"/>
+          <a:lstStyle/>
+          <a:p>
+            <a:pPr algn="ctr"/>
+            <a:r>
+              <a:rPr kumimoji="1" lang="en-US" altLang="ja-JP" sz="2800" dirty="0" smtClean="0"/>
+              <a:t>XML</a:t>
+            </a:r>
+            <a:r>
+              <a:rPr kumimoji="1" lang="ja-JP" altLang="en-US" sz="2800" dirty="0" smtClean="0"/>
+              <a:t>パーサ</a:t>
             </a:r>
             <a:endParaRPr kumimoji="1" lang="ja-JP" altLang="en-US" sz="2800" dirty="0"/>
           </a:p>
@@ -5323,7 +11725,7 @@
     </p:spTree>
     <p:extLst>
       <p:ext uri="{BB962C8B-B14F-4D97-AF65-F5344CB8AC3E}">
-        <p14:creationId xmlns:p14="http://schemas.microsoft.com/office/powerpoint/2010/main" val="938603436"/>
+        <p14:creationId xmlns:p14="http://schemas.microsoft.com/office/powerpoint/2010/main" val="1336836078"/>
       </p:ext>
     </p:extLst>
   </p:cSld>
@@ -5366,23 +11768,71 @@
           <a:lstStyle/>
           <a:p>
             <a:fld id="{FF293082-CEC9-41F6-8937-D05229BF80C6}" type="slidenum">
-              <a:rPr kumimoji="1" lang="ja-JP" altLang="en-US" smtClean="0"/>
+              <a:rPr kumimoji="1" lang="ja-JP" altLang="en-US" sz="3200" smtClean="0"/>
               <a:t>9</a:t>
             </a:fld>
-            <a:endParaRPr kumimoji="1" lang="ja-JP" altLang="en-US"/>
-          </a:p>
-        </p:txBody>
-      </p:sp>
-      <p:sp>
-        <p:nvSpPr>
-          <p:cNvPr id="3" name="テキスト ボックス 2"/>
+            <a:endParaRPr kumimoji="1" lang="ja-JP" altLang="en-US" sz="3200"/>
+          </a:p>
+        </p:txBody>
+      </p:sp>
+      <p:sp>
+        <p:nvSpPr>
+          <p:cNvPr id="4" name="円/楕円 3"/>
+          <p:cNvSpPr/>
+          <p:nvPr/>
+        </p:nvSpPr>
+        <p:spPr>
+          <a:xfrm>
+            <a:off x="397725" y="923611"/>
+            <a:ext cx="3583260" cy="568712"/>
+          </a:xfrm>
+          <a:prstGeom prst="ellipse">
+            <a:avLst/>
+          </a:prstGeom>
+        </p:spPr>
+        <p:style>
+          <a:lnRef idx="2">
+            <a:schemeClr val="accent1">
+              <a:shade val="50000"/>
+            </a:schemeClr>
+          </a:lnRef>
+          <a:fillRef idx="1">
+            <a:schemeClr val="accent1"/>
+          </a:fillRef>
+          <a:effectRef idx="0">
+            <a:schemeClr val="accent1"/>
+          </a:effectRef>
+          <a:fontRef idx="minor">
+            <a:schemeClr val="lt1"/>
+          </a:fontRef>
+        </p:style>
+        <p:txBody>
+          <a:bodyPr rtlCol="0" anchor="ctr"/>
+          <a:lstStyle/>
+          <a:p>
+            <a:pPr algn="ctr"/>
+            <a:r>
+              <a:rPr kumimoji="1" lang="en-US" altLang="ja-JP" sz="2800" dirty="0" smtClean="0"/>
+              <a:t>SAX</a:t>
+            </a:r>
+            <a:r>
+              <a:rPr kumimoji="1" lang="ja-JP" altLang="en-US" sz="2800" dirty="0" smtClean="0"/>
+              <a:t>パーサとは</a:t>
+            </a:r>
+            <a:endParaRPr kumimoji="1" lang="ja-JP" altLang="en-US" sz="2800" dirty="0"/>
+          </a:p>
+        </p:txBody>
+      </p:sp>
+      <p:sp>
+        <p:nvSpPr>
+          <p:cNvPr id="7" name="テキスト ボックス 6"/>
           <p:cNvSpPr txBox="1"/>
           <p:nvPr/>
         </p:nvSpPr>
         <p:spPr>
           <a:xfrm>
-            <a:off x="607741" y="412595"/>
-            <a:ext cx="3958683" cy="707886"/>
+            <a:off x="835409" y="1913968"/>
+            <a:ext cx="7317062" cy="2246769"/>
           </a:xfrm>
           <a:prstGeom prst="rect">
             <a:avLst/>
@@ -5396,65 +11846,87 @@
           <a:lstStyle/>
           <a:p>
             <a:r>
-              <a:rPr lang="ja-JP" altLang="en-US" sz="4000" dirty="0"/>
-              <a:t>結果</a:t>
-            </a:r>
-            <a:endParaRPr kumimoji="1" lang="ja-JP" altLang="en-US" sz="4000" dirty="0"/>
-          </a:p>
-        </p:txBody>
-      </p:sp>
-      <p:pic>
-        <p:nvPicPr>
-          <p:cNvPr id="4" name="図 3"/>
-          <p:cNvPicPr>
-            <a:picLocks noChangeAspect="1"/>
-          </p:cNvPicPr>
+              <a:rPr lang="en-US" altLang="ja-JP" sz="2800" dirty="0" smtClean="0"/>
+              <a:t>XML</a:t>
+            </a:r>
+            <a:r>
+              <a:rPr lang="ja-JP" altLang="en-US" sz="2800" dirty="0" smtClean="0"/>
+              <a:t>文書を先頭から一行ずつ順に読み込んで処理を行う．</a:t>
+            </a:r>
+            <a:endParaRPr lang="en-US" altLang="ja-JP" sz="2800" dirty="0" smtClean="0"/>
+          </a:p>
+          <a:p>
+            <a:endParaRPr kumimoji="1" lang="en-US" altLang="ja-JP" sz="2800" dirty="0"/>
+          </a:p>
+          <a:p>
+            <a:r>
+              <a:rPr lang="ja-JP" altLang="en-US" sz="2800" dirty="0" smtClean="0"/>
+              <a:t>巨大な</a:t>
+            </a:r>
+            <a:r>
+              <a:rPr lang="en-US" altLang="ja-JP" sz="2800" dirty="0" smtClean="0"/>
+              <a:t>XML</a:t>
+            </a:r>
+            <a:r>
+              <a:rPr lang="ja-JP" altLang="en-US" sz="2800" dirty="0" smtClean="0"/>
+              <a:t>文書を扱ってもメモリに負担がかからず高速に処理できる．</a:t>
+            </a:r>
+            <a:endParaRPr kumimoji="1" lang="en-US" altLang="ja-JP" sz="2800" dirty="0" smtClean="0"/>
+          </a:p>
+        </p:txBody>
+      </p:sp>
+      <p:sp>
+        <p:nvSpPr>
+          <p:cNvPr id="11" name="テキスト ボックス 10"/>
+          <p:cNvSpPr txBox="1"/>
           <p:nvPr/>
-        </p:nvPicPr>
-        <p:blipFill>
-          <a:blip r:embed="rId2">
-            <a:extLst>
-              <a:ext uri="{28A0092B-C50C-407E-A947-70E740481C1C}">
-                <a14:useLocalDpi xmlns:a14="http://schemas.microsoft.com/office/drawing/2010/main" val="0"/>
-              </a:ext>
-            </a:extLst>
-          </a:blip>
-          <a:stretch>
-            <a:fillRect/>
-          </a:stretch>
-        </p:blipFill>
+        </p:nvSpPr>
         <p:spPr>
           <a:xfrm>
-            <a:off x="485077" y="1263209"/>
-            <a:ext cx="8334072" cy="4830577"/>
+            <a:off x="567779" y="1923210"/>
+            <a:ext cx="535259" cy="1815882"/>
           </a:xfrm>
           <a:prstGeom prst="rect">
             <a:avLst/>
           </a:prstGeom>
-          <a:ln>
-            <a:solidFill>
-              <a:schemeClr val="tx1"/>
-            </a:solidFill>
-          </a:ln>
+          <a:noFill/>
         </p:spPr>
-      </p:pic>
+        <p:txBody>
+          <a:bodyPr wrap="square" rtlCol="0">
+            <a:spAutoFit/>
+          </a:bodyPr>
+          <a:lstStyle/>
+          <a:p>
+            <a:r>
+              <a:rPr lang="ja-JP" altLang="en-US" sz="2800" dirty="0" smtClean="0"/>
+              <a:t>・</a:t>
+            </a:r>
+            <a:endParaRPr lang="en-US" altLang="ja-JP" sz="2800" dirty="0" smtClean="0"/>
+          </a:p>
+          <a:p>
+            <a:endParaRPr kumimoji="1" lang="en-US" altLang="ja-JP" sz="2800" dirty="0"/>
+          </a:p>
+          <a:p>
+            <a:endParaRPr lang="en-US" altLang="ja-JP" sz="2800" dirty="0" smtClean="0"/>
+          </a:p>
+          <a:p>
+            <a:r>
+              <a:rPr kumimoji="1" lang="ja-JP" altLang="en-US" sz="2800" dirty="0"/>
+              <a:t>・</a:t>
+            </a:r>
+          </a:p>
+        </p:txBody>
+      </p:sp>
     </p:spTree>
     <p:extLst>
       <p:ext uri="{BB962C8B-B14F-4D97-AF65-F5344CB8AC3E}">
-        <p14:creationId xmlns:p14="http://schemas.microsoft.com/office/powerpoint/2010/main" val="2972747541"/>
+        <p14:creationId xmlns:p14="http://schemas.microsoft.com/office/powerpoint/2010/main" val="894730516"/>
       </p:ext>
     </p:extLst>
   </p:cSld>
   <p:clrMapOvr>
     <a:masterClrMapping/>
   </p:clrMapOvr>
-  <p:timing>
-    <p:tnLst>
-      <p:par>
-        <p:cTn id="1" dur="indefinite" restart="never" nodeType="tmRoot"/>
-      </p:par>
-    </p:tnLst>
-  </p:timing>
 </p:sld>
 </file>
 

--- a/卒論最終発表パワポ/石井康之最終発表.pptx
+++ b/卒論最終発表パワポ/石井康之最終発表.pptx
@@ -5,7 +5,7 @@
     <p:sldMasterId id="2147483660" r:id="rId1"/>
   </p:sldMasterIdLst>
   <p:notesMasterIdLst>
-    <p:notesMasterId r:id="rId18"/>
+    <p:notesMasterId r:id="rId19"/>
   </p:notesMasterIdLst>
   <p:sldIdLst>
     <p:sldId id="256" r:id="rId2"/>
@@ -20,10 +20,11 @@
     <p:sldId id="274" r:id="rId11"/>
     <p:sldId id="269" r:id="rId12"/>
     <p:sldId id="261" r:id="rId13"/>
-    <p:sldId id="271" r:id="rId14"/>
-    <p:sldId id="270" r:id="rId15"/>
-    <p:sldId id="262" r:id="rId16"/>
-    <p:sldId id="263" r:id="rId17"/>
+    <p:sldId id="275" r:id="rId14"/>
+    <p:sldId id="271" r:id="rId15"/>
+    <p:sldId id="270" r:id="rId16"/>
+    <p:sldId id="262" r:id="rId17"/>
+    <p:sldId id="263" r:id="rId18"/>
   </p:sldIdLst>
   <p:sldSz cx="9144000" cy="6858000" type="screen4x3"/>
   <p:notesSz cx="6858000" cy="9144000"/>
@@ -1166,11 +1167,11 @@
           <c:showBubbleSize val="0"/>
         </c:dLbls>
         <c:smooth val="0"/>
-        <c:axId val="181887136"/>
-        <c:axId val="367512512"/>
+        <c:axId val="240413152"/>
+        <c:axId val="240413712"/>
       </c:lineChart>
       <c:dateAx>
-        <c:axId val="181887136"/>
+        <c:axId val="240413152"/>
         <c:scaling>
           <c:orientation val="minMax"/>
         </c:scaling>
@@ -1213,14 +1214,14 @@
             <a:endParaRPr lang="ja-JP"/>
           </a:p>
         </c:txPr>
-        <c:crossAx val="367512512"/>
+        <c:crossAx val="240413712"/>
         <c:crosses val="autoZero"/>
         <c:auto val="1"/>
         <c:lblOffset val="100"/>
         <c:baseTimeUnit val="months"/>
       </c:dateAx>
       <c:valAx>
-        <c:axId val="367512512"/>
+        <c:axId val="240413712"/>
         <c:scaling>
           <c:orientation val="minMax"/>
         </c:scaling>
@@ -1271,7 +1272,7 @@
             <a:endParaRPr lang="ja-JP"/>
           </a:p>
         </c:txPr>
-        <c:crossAx val="181887136"/>
+        <c:crossAx val="240413152"/>
         <c:crosses val="autoZero"/>
         <c:crossBetween val="between"/>
       </c:valAx>
@@ -2300,11 +2301,11 @@
           <c:showBubbleSize val="0"/>
         </c:dLbls>
         <c:smooth val="0"/>
-        <c:axId val="374381104"/>
-        <c:axId val="374381664"/>
+        <c:axId val="240417632"/>
+        <c:axId val="239272304"/>
       </c:lineChart>
       <c:dateAx>
-        <c:axId val="374381104"/>
+        <c:axId val="240417632"/>
         <c:scaling>
           <c:orientation val="minMax"/>
         </c:scaling>
@@ -2347,14 +2348,14 @@
             <a:endParaRPr lang="ja-JP"/>
           </a:p>
         </c:txPr>
-        <c:crossAx val="374381664"/>
+        <c:crossAx val="239272304"/>
         <c:crosses val="autoZero"/>
         <c:auto val="1"/>
         <c:lblOffset val="100"/>
         <c:baseTimeUnit val="months"/>
       </c:dateAx>
       <c:valAx>
-        <c:axId val="374381664"/>
+        <c:axId val="239272304"/>
         <c:scaling>
           <c:orientation val="minMax"/>
         </c:scaling>
@@ -2405,7 +2406,7 @@
             <a:endParaRPr lang="ja-JP"/>
           </a:p>
         </c:txPr>
-        <c:crossAx val="374381104"/>
+        <c:crossAx val="240417632"/>
         <c:crosses val="autoZero"/>
         <c:crossBetween val="between"/>
       </c:valAx>
@@ -2470,10 +2471,10 @@
           <c:layoutTarget val="inner"/>
           <c:xMode val="edge"/>
           <c:yMode val="edge"/>
-          <c:x val="0.1383977762271984"/>
-          <c:y val="0.10241938430097755"/>
-          <c:w val="0.83840037045016846"/>
-          <c:h val="0.76520215228592736"/>
+          <c:x val="9.7535180132910265E-2"/>
+          <c:y val="8.3525776797885268E-2"/>
+          <c:w val="0.88985710108030425"/>
+          <c:h val="0.82728140611458023"/>
         </c:manualLayout>
       </c:layout>
       <c:lineChart>
@@ -3447,11 +3448,11 @@
           <c:showBubbleSize val="0"/>
         </c:dLbls>
         <c:smooth val="0"/>
-        <c:axId val="321678528"/>
-        <c:axId val="321671248"/>
+        <c:axId val="54015760"/>
+        <c:axId val="54016320"/>
       </c:lineChart>
       <c:dateAx>
-        <c:axId val="321678528"/>
+        <c:axId val="54015760"/>
         <c:scaling>
           <c:orientation val="minMax"/>
         </c:scaling>
@@ -3494,14 +3495,14 @@
             <a:endParaRPr lang="ja-JP"/>
           </a:p>
         </c:txPr>
-        <c:crossAx val="321671248"/>
+        <c:crossAx val="54016320"/>
         <c:crosses val="autoZero"/>
         <c:auto val="1"/>
         <c:lblOffset val="100"/>
         <c:baseTimeUnit val="months"/>
       </c:dateAx>
       <c:valAx>
-        <c:axId val="321671248"/>
+        <c:axId val="54016320"/>
         <c:scaling>
           <c:logBase val="10"/>
           <c:orientation val="minMax"/>
@@ -3553,7 +3554,7 @@
             <a:endParaRPr lang="ja-JP"/>
           </a:p>
         </c:txPr>
-        <c:crossAx val="321678528"/>
+        <c:crossAx val="54015760"/>
         <c:crosses val="autoZero"/>
         <c:crossBetween val="between"/>
       </c:valAx>
@@ -5382,7 +5383,7 @@
           <a:p>
             <a:fld id="{2C83DA3F-CE44-4E22-9124-8C8C64E748F6}" type="datetimeFigureOut">
               <a:rPr kumimoji="1" lang="ja-JP" altLang="en-US" smtClean="0"/>
-              <a:t>2016/1/21</a:t>
+              <a:t>2016/1/28</a:t>
             </a:fld>
             <a:endParaRPr kumimoji="1" lang="ja-JP" altLang="en-US"/>
           </a:p>
@@ -5897,7 +5898,7 @@
           <a:p>
             <a:fld id="{0B96769B-B9C0-4B49-81F7-E4975E5AF6C7}" type="datetime1">
               <a:rPr kumimoji="1" lang="ja-JP" altLang="en-US" smtClean="0"/>
-              <a:t>2016/1/21</a:t>
+              <a:t>2016/1/28</a:t>
             </a:fld>
             <a:endParaRPr kumimoji="1" lang="ja-JP" altLang="en-US"/>
           </a:p>
@@ -6099,7 +6100,7 @@
           <a:p>
             <a:fld id="{21D791E9-018D-4864-9DE0-79351FDC3C88}" type="datetime1">
               <a:rPr kumimoji="1" lang="ja-JP" altLang="en-US" smtClean="0"/>
-              <a:t>2016/1/21</a:t>
+              <a:t>2016/1/28</a:t>
             </a:fld>
             <a:endParaRPr kumimoji="1" lang="ja-JP" altLang="en-US"/>
           </a:p>
@@ -6311,7 +6312,7 @@
           <a:p>
             <a:fld id="{A3EBF394-0FCB-4491-BB96-6FD1AD5ACA48}" type="datetime1">
               <a:rPr kumimoji="1" lang="ja-JP" altLang="en-US" smtClean="0"/>
-              <a:t>2016/1/21</a:t>
+              <a:t>2016/1/28</a:t>
             </a:fld>
             <a:endParaRPr kumimoji="1" lang="ja-JP" altLang="en-US"/>
           </a:p>
@@ -6513,7 +6514,7 @@
           <a:p>
             <a:fld id="{D1AF1532-6C79-4CF2-BB4B-316731A1E715}" type="datetime1">
               <a:rPr kumimoji="1" lang="ja-JP" altLang="en-US" smtClean="0"/>
-              <a:t>2016/1/21</a:t>
+              <a:t>2016/1/28</a:t>
             </a:fld>
             <a:endParaRPr kumimoji="1" lang="ja-JP" altLang="en-US"/>
           </a:p>
@@ -6757,7 +6758,7 @@
           <a:p>
             <a:fld id="{633EFF04-AEC4-4523-A2A4-74BD901522E7}" type="datetime1">
               <a:rPr kumimoji="1" lang="ja-JP" altLang="en-US" smtClean="0"/>
-              <a:t>2016/1/21</a:t>
+              <a:t>2016/1/28</a:t>
             </a:fld>
             <a:endParaRPr kumimoji="1" lang="ja-JP" altLang="en-US"/>
           </a:p>
@@ -7053,7 +7054,7 @@
           <a:p>
             <a:fld id="{59DAC28E-6C6F-4932-8288-FB6D982A5941}" type="datetime1">
               <a:rPr kumimoji="1" lang="ja-JP" altLang="en-US" smtClean="0"/>
-              <a:t>2016/1/21</a:t>
+              <a:t>2016/1/28</a:t>
             </a:fld>
             <a:endParaRPr kumimoji="1" lang="ja-JP" altLang="en-US"/>
           </a:p>
@@ -7484,7 +7485,7 @@
           <a:p>
             <a:fld id="{D2796696-9CCC-4ACE-9811-1746F3DC00C5}" type="datetime1">
               <a:rPr kumimoji="1" lang="ja-JP" altLang="en-US" smtClean="0"/>
-              <a:t>2016/1/21</a:t>
+              <a:t>2016/1/28</a:t>
             </a:fld>
             <a:endParaRPr kumimoji="1" lang="ja-JP" altLang="en-US"/>
           </a:p>
@@ -7602,7 +7603,7 @@
           <a:p>
             <a:fld id="{09FCD385-FB67-456A-A533-AFC4CF27D27F}" type="datetime1">
               <a:rPr kumimoji="1" lang="ja-JP" altLang="en-US" smtClean="0"/>
-              <a:t>2016/1/21</a:t>
+              <a:t>2016/1/28</a:t>
             </a:fld>
             <a:endParaRPr kumimoji="1" lang="ja-JP" altLang="en-US"/>
           </a:p>
@@ -7697,7 +7698,7 @@
           <a:p>
             <a:fld id="{7287CF5B-2E73-4FE8-90EB-966EB57BE942}" type="datetime1">
               <a:rPr kumimoji="1" lang="ja-JP" altLang="en-US" smtClean="0"/>
-              <a:t>2016/1/21</a:t>
+              <a:t>2016/1/28</a:t>
             </a:fld>
             <a:endParaRPr kumimoji="1" lang="ja-JP" altLang="en-US"/>
           </a:p>
@@ -8006,7 +8007,7 @@
           <a:p>
             <a:fld id="{7BC724DA-BD4C-4502-B5BC-A499976C0E92}" type="datetime1">
               <a:rPr kumimoji="1" lang="ja-JP" altLang="en-US" smtClean="0"/>
-              <a:t>2016/1/21</a:t>
+              <a:t>2016/1/28</a:t>
             </a:fld>
             <a:endParaRPr kumimoji="1" lang="ja-JP" altLang="en-US"/>
           </a:p>
@@ -8263,7 +8264,7 @@
           <a:p>
             <a:fld id="{FA3D4487-E0E5-4B7D-9309-A4120D87A295}" type="datetime1">
               <a:rPr kumimoji="1" lang="ja-JP" altLang="en-US" smtClean="0"/>
-              <a:t>2016/1/21</a:t>
+              <a:t>2016/1/28</a:t>
             </a:fld>
             <a:endParaRPr kumimoji="1" lang="ja-JP" altLang="en-US"/>
           </a:p>
@@ -8508,7 +8509,7 @@
           <a:p>
             <a:fld id="{CB8F93D6-20FE-4C13-9106-9D89D48F39FE}" type="datetime1">
               <a:rPr kumimoji="1" lang="ja-JP" altLang="en-US" smtClean="0"/>
-              <a:t>2016/1/21</a:t>
+              <a:t>2016/1/28</a:t>
             </a:fld>
             <a:endParaRPr kumimoji="1" lang="ja-JP" altLang="en-US"/>
           </a:p>
@@ -8966,7 +8967,7 @@
         <p:spPr>
           <a:xfrm>
             <a:off x="3389971" y="4036741"/>
-            <a:ext cx="5620215" cy="2062103"/>
+            <a:ext cx="5620215" cy="1569660"/>
           </a:xfrm>
           <a:prstGeom prst="rect">
             <a:avLst/>
@@ -8980,15 +8981,8 @@
           <a:lstStyle/>
           <a:p>
             <a:r>
-              <a:rPr kumimoji="1" lang="ja-JP" altLang="en-US" sz="3200" dirty="0" smtClean="0"/>
+              <a:rPr kumimoji="1" lang="ja-JP" altLang="en-US" sz="3200" smtClean="0"/>
               <a:t>プロジェクトマネジメントコース</a:t>
-            </a:r>
-            <a:endParaRPr kumimoji="1" lang="en-US" altLang="ja-JP" sz="3200" dirty="0" smtClean="0"/>
-          </a:p>
-          <a:p>
-            <a:r>
-              <a:rPr lang="ja-JP" altLang="en-US" sz="3200" dirty="0" smtClean="0"/>
-              <a:t>ソフトウェア開発グループ</a:t>
             </a:r>
             <a:endParaRPr lang="en-US" altLang="ja-JP" sz="3200" dirty="0" smtClean="0"/>
           </a:p>
@@ -9345,11 +9339,7 @@
           <a:p>
             <a:r>
               <a:rPr kumimoji="1" lang="ja-JP" altLang="en-US" sz="2800" dirty="0" smtClean="0"/>
-              <a:t>データマイニング</a:t>
-            </a:r>
-            <a:r>
-              <a:rPr kumimoji="1" lang="ja-JP" altLang="en-US" sz="2800" dirty="0" smtClean="0"/>
-              <a:t>を行い，</a:t>
+              <a:t>データマイニングを行い，</a:t>
             </a:r>
             <a:r>
               <a:rPr kumimoji="1" lang="en-US" altLang="ja-JP" sz="2800" dirty="0" smtClean="0"/>
@@ -9357,25 +9347,17 @@
             </a:r>
             <a:r>
               <a:rPr kumimoji="1" lang="ja-JP" altLang="en-US" sz="2800" dirty="0" smtClean="0"/>
-              <a:t>での</a:t>
-            </a:r>
+              <a:t>での管理者の編集がどのように変化しているか調査する．</a:t>
+            </a:r>
+            <a:endParaRPr kumimoji="1" lang="en-US" altLang="ja-JP" sz="2800" dirty="0" smtClean="0"/>
+          </a:p>
+          <a:p>
+            <a:endParaRPr lang="en-US" altLang="ja-JP" sz="2800" dirty="0"/>
+          </a:p>
+          <a:p>
             <a:r>
               <a:rPr kumimoji="1" lang="ja-JP" altLang="en-US" sz="2800" dirty="0" smtClean="0"/>
-              <a:t>管理者の編集がどのように変化しているか調査する．</a:t>
-            </a:r>
-            <a:endParaRPr kumimoji="1" lang="en-US" altLang="ja-JP" sz="2800" dirty="0" smtClean="0"/>
-          </a:p>
-          <a:p>
-            <a:endParaRPr lang="en-US" altLang="ja-JP" sz="2800" dirty="0"/>
-          </a:p>
-          <a:p>
-            <a:r>
-              <a:rPr kumimoji="1" lang="ja-JP" altLang="en-US" sz="2800" dirty="0" smtClean="0"/>
-              <a:t>オープン</a:t>
-            </a:r>
-            <a:r>
-              <a:rPr kumimoji="1" lang="ja-JP" altLang="en-US" sz="2800" dirty="0" smtClean="0"/>
-              <a:t>な共同作業プロジェクトにおける，</a:t>
+              <a:t>オープンな共同作業プロジェクトにおける，</a:t>
             </a:r>
             <a:endParaRPr kumimoji="1" lang="en-US" altLang="ja-JP" sz="2800" dirty="0" smtClean="0"/>
           </a:p>
@@ -9386,11 +9368,7 @@
             </a:r>
             <a:r>
               <a:rPr lang="ja-JP" altLang="en-US" sz="2800" dirty="0" smtClean="0"/>
-              <a:t>とトップダウンの適正な混合率を</a:t>
-            </a:r>
-            <a:r>
-              <a:rPr lang="ja-JP" altLang="en-US" sz="2800" dirty="0" smtClean="0"/>
-              <a:t>見つける．</a:t>
+              <a:t>とトップダウンの適正な混合率を見つける．</a:t>
             </a:r>
             <a:endParaRPr lang="en-US" altLang="ja-JP" sz="2800" dirty="0" smtClean="0"/>
           </a:p>
@@ -9488,7 +9466,7 @@
               <a:rPr kumimoji="1" lang="ja-JP" altLang="en-US" sz="3200" smtClean="0"/>
               <a:t>12</a:t>
             </a:fld>
-            <a:endParaRPr kumimoji="1" lang="ja-JP" altLang="en-US" sz="3200"/>
+            <a:endParaRPr kumimoji="1" lang="ja-JP" altLang="en-US" sz="3200" dirty="0"/>
           </a:p>
         </p:txBody>
       </p:sp>
@@ -9577,6 +9555,152 @@
           </a:graphicData>
         </a:graphic>
       </p:graphicFrame>
+      <p:sp>
+        <p:nvSpPr>
+          <p:cNvPr id="4" name="円/楕円 3"/>
+          <p:cNvSpPr/>
+          <p:nvPr/>
+        </p:nvSpPr>
+        <p:spPr>
+          <a:xfrm>
+            <a:off x="6623825" y="2130520"/>
+            <a:ext cx="568712" cy="1449021"/>
+          </a:xfrm>
+          <a:prstGeom prst="ellipse">
+            <a:avLst/>
+          </a:prstGeom>
+          <a:noFill/>
+          <a:ln w="19050">
+            <a:solidFill>
+              <a:srgbClr val="FF0000"/>
+            </a:solidFill>
+          </a:ln>
+        </p:spPr>
+        <p:style>
+          <a:lnRef idx="2">
+            <a:schemeClr val="accent1">
+              <a:shade val="50000"/>
+            </a:schemeClr>
+          </a:lnRef>
+          <a:fillRef idx="1">
+            <a:schemeClr val="accent1"/>
+          </a:fillRef>
+          <a:effectRef idx="0">
+            <a:schemeClr val="accent1"/>
+          </a:effectRef>
+          <a:fontRef idx="minor">
+            <a:schemeClr val="lt1"/>
+          </a:fontRef>
+        </p:style>
+        <p:txBody>
+          <a:bodyPr rtlCol="0" anchor="ctr"/>
+          <a:lstStyle/>
+          <a:p>
+            <a:pPr algn="ctr"/>
+            <a:endParaRPr kumimoji="1" lang="ja-JP" altLang="en-US"/>
+          </a:p>
+        </p:txBody>
+      </p:sp>
+      <p:sp>
+        <p:nvSpPr>
+          <p:cNvPr id="5" name="円/楕円 4"/>
+          <p:cNvSpPr/>
+          <p:nvPr/>
+        </p:nvSpPr>
+        <p:spPr>
+          <a:xfrm>
+            <a:off x="6196293" y="512956"/>
+            <a:ext cx="2858496" cy="1070392"/>
+          </a:xfrm>
+          <a:prstGeom prst="ellipse">
+            <a:avLst/>
+          </a:prstGeom>
+        </p:spPr>
+        <p:style>
+          <a:lnRef idx="2">
+            <a:schemeClr val="accent1">
+              <a:shade val="50000"/>
+            </a:schemeClr>
+          </a:lnRef>
+          <a:fillRef idx="1">
+            <a:schemeClr val="accent1"/>
+          </a:fillRef>
+          <a:effectRef idx="0">
+            <a:schemeClr val="accent1"/>
+          </a:effectRef>
+          <a:fontRef idx="minor">
+            <a:schemeClr val="lt1"/>
+          </a:fontRef>
+        </p:style>
+        <p:txBody>
+          <a:bodyPr rtlCol="0" anchor="ctr"/>
+          <a:lstStyle/>
+          <a:p>
+            <a:pPr algn="ctr"/>
+            <a:r>
+              <a:rPr lang="ja-JP" altLang="en-US" dirty="0"/>
+              <a:t>急激</a:t>
+            </a:r>
+            <a:r>
+              <a:rPr lang="ja-JP" altLang="en-US" dirty="0" smtClean="0"/>
+              <a:t>に</a:t>
+            </a:r>
+            <a:r>
+              <a:rPr kumimoji="1" lang="ja-JP" altLang="en-US" dirty="0" smtClean="0"/>
+              <a:t>伸びていた</a:t>
+            </a:r>
+            <a:r>
+              <a:rPr lang="ja-JP" altLang="en-US" dirty="0" smtClean="0"/>
+              <a:t>時期</a:t>
+            </a:r>
+            <a:r>
+              <a:rPr kumimoji="1" lang="ja-JP" altLang="en-US" dirty="0" smtClean="0"/>
+              <a:t>があった</a:t>
+            </a:r>
+            <a:endParaRPr kumimoji="1" lang="ja-JP" altLang="en-US" dirty="0"/>
+          </a:p>
+        </p:txBody>
+      </p:sp>
+      <p:sp>
+        <p:nvSpPr>
+          <p:cNvPr id="8" name="下矢印 7"/>
+          <p:cNvSpPr/>
+          <p:nvPr/>
+        </p:nvSpPr>
+        <p:spPr>
+          <a:xfrm>
+            <a:off x="6815286" y="1583348"/>
+            <a:ext cx="185789" cy="465455"/>
+          </a:xfrm>
+          <a:prstGeom prst="downArrow">
+            <a:avLst/>
+          </a:prstGeom>
+        </p:spPr>
+        <p:style>
+          <a:lnRef idx="2">
+            <a:schemeClr val="accent1">
+              <a:shade val="50000"/>
+            </a:schemeClr>
+          </a:lnRef>
+          <a:fillRef idx="1">
+            <a:schemeClr val="accent1"/>
+          </a:fillRef>
+          <a:effectRef idx="0">
+            <a:schemeClr val="accent1"/>
+          </a:effectRef>
+          <a:fontRef idx="minor">
+            <a:schemeClr val="lt1"/>
+          </a:fontRef>
+        </p:style>
+        <p:txBody>
+          <a:bodyPr rtlCol="0" anchor="ctr"/>
+          <a:lstStyle/>
+          <a:p>
+            <a:pPr algn="ctr"/>
+            <a:endParaRPr kumimoji="1" lang="ja-JP" altLang="en-US"/>
+          </a:p>
+        </p:txBody>
+      </p:sp>
     </p:spTree>
     <p:extLst>
       <p:ext uri="{BB962C8B-B14F-4D97-AF65-F5344CB8AC3E}">
@@ -9637,40 +9761,16 @@
           </a:p>
         </p:txBody>
       </p:sp>
-      <p:graphicFrame>
-        <p:nvGraphicFramePr>
-          <p:cNvPr id="3" name="グラフ 2"/>
-          <p:cNvGraphicFramePr>
-            <a:graphicFrameLocks/>
-          </p:cNvGraphicFramePr>
-          <p:nvPr>
-            <p:extLst>
-              <p:ext uri="{D42A27DB-BD31-4B8C-83A1-F6EECF244321}">
-                <p14:modId xmlns:p14="http://schemas.microsoft.com/office/powerpoint/2010/main" val="956986671"/>
-              </p:ext>
-            </p:extLst>
-          </p:nvPr>
-        </p:nvGraphicFramePr>
-        <p:xfrm>
-          <a:off x="903515" y="1570264"/>
-          <a:ext cx="7483928" cy="4601936"/>
-        </p:xfrm>
-        <a:graphic>
-          <a:graphicData uri="http://schemas.openxmlformats.org/drawingml/2006/chart">
-            <c:chart xmlns:c="http://schemas.openxmlformats.org/drawingml/2006/chart" xmlns:r="http://schemas.openxmlformats.org/officeDocument/2006/relationships" r:id="rId2"/>
-          </a:graphicData>
-        </a:graphic>
-      </p:graphicFrame>
-      <p:sp>
-        <p:nvSpPr>
-          <p:cNvPr id="4" name="テキスト ボックス 3"/>
+      <p:sp>
+        <p:nvSpPr>
+          <p:cNvPr id="3" name="テキスト ボックス 2"/>
           <p:cNvSpPr txBox="1"/>
           <p:nvPr/>
         </p:nvSpPr>
         <p:spPr>
           <a:xfrm>
-            <a:off x="1534886" y="693359"/>
-            <a:ext cx="6221186" cy="523220"/>
+            <a:off x="319601" y="491416"/>
+            <a:ext cx="7095960" cy="523220"/>
           </a:xfrm>
           <a:prstGeom prst="rect">
             <a:avLst/>
@@ -9686,16 +9786,84 @@
             <a:pPr algn="ctr"/>
             <a:r>
               <a:rPr kumimoji="1" lang="ja-JP" altLang="en-US" sz="2800" dirty="0" smtClean="0"/>
-              <a:t>管理者のみの月別編集回数</a:t>
+              <a:t>２０１３年</a:t>
+            </a:r>
+            <a:r>
+              <a:rPr kumimoji="1" lang="en-US" altLang="ja-JP" sz="2800" dirty="0" smtClean="0"/>
+              <a:t>3</a:t>
+            </a:r>
+            <a:r>
+              <a:rPr kumimoji="1" lang="ja-JP" altLang="en-US" sz="2800" dirty="0" smtClean="0"/>
+              <a:t>月ごろに編集回数が伸びた要因</a:t>
             </a:r>
             <a:endParaRPr kumimoji="1" lang="ja-JP" altLang="en-US" sz="2800" dirty="0"/>
           </a:p>
         </p:txBody>
       </p:sp>
+      <p:pic>
+        <p:nvPicPr>
+          <p:cNvPr id="5" name="図 4"/>
+          <p:cNvPicPr>
+            <a:picLocks noChangeAspect="1"/>
+          </p:cNvPicPr>
+          <p:nvPr/>
+        </p:nvPicPr>
+        <p:blipFill>
+          <a:blip r:embed="rId2">
+            <a:extLst>
+              <a:ext uri="{28A0092B-C50C-407E-A947-70E740481C1C}">
+                <a14:useLocalDpi xmlns:a14="http://schemas.microsoft.com/office/drawing/2010/main" val="0"/>
+              </a:ext>
+            </a:extLst>
+          </a:blip>
+          <a:stretch>
+            <a:fillRect/>
+          </a:stretch>
+        </p:blipFill>
+        <p:spPr>
+          <a:xfrm>
+            <a:off x="319601" y="2511111"/>
+            <a:ext cx="4743053" cy="2250460"/>
+          </a:xfrm>
+          <a:prstGeom prst="rect">
+            <a:avLst/>
+          </a:prstGeom>
+        </p:spPr>
+      </p:pic>
+      <p:pic>
+        <p:nvPicPr>
+          <p:cNvPr id="6" name="図 5"/>
+          <p:cNvPicPr>
+            <a:picLocks noChangeAspect="1"/>
+          </p:cNvPicPr>
+          <p:nvPr/>
+        </p:nvPicPr>
+        <p:blipFill>
+          <a:blip r:embed="rId3">
+            <a:extLst>
+              <a:ext uri="{28A0092B-C50C-407E-A947-70E740481C1C}">
+                <a14:useLocalDpi xmlns:a14="http://schemas.microsoft.com/office/drawing/2010/main" val="0"/>
+              </a:ext>
+            </a:extLst>
+          </a:blip>
+          <a:stretch>
+            <a:fillRect/>
+          </a:stretch>
+        </p:blipFill>
+        <p:spPr>
+          <a:xfrm>
+            <a:off x="5460991" y="1570648"/>
+            <a:ext cx="2905530" cy="4229690"/>
+          </a:xfrm>
+          <a:prstGeom prst="rect">
+            <a:avLst/>
+          </a:prstGeom>
+        </p:spPr>
+      </p:pic>
     </p:spTree>
     <p:extLst>
       <p:ext uri="{BB962C8B-B14F-4D97-AF65-F5344CB8AC3E}">
-        <p14:creationId xmlns:p14="http://schemas.microsoft.com/office/powerpoint/2010/main" val="1570999881"/>
+        <p14:creationId xmlns:p14="http://schemas.microsoft.com/office/powerpoint/2010/main" val="2746525540"/>
       </p:ext>
     </p:extLst>
   </p:cSld>
@@ -9741,27 +9909,27 @@
               <a:rPr kumimoji="1" lang="ja-JP" altLang="en-US" sz="3200" smtClean="0"/>
               <a:t>14</a:t>
             </a:fld>
-            <a:endParaRPr kumimoji="1" lang="ja-JP" altLang="en-US" sz="3200" dirty="0"/>
+            <a:endParaRPr kumimoji="1" lang="ja-JP" altLang="en-US" sz="3200"/>
           </a:p>
         </p:txBody>
       </p:sp>
       <p:graphicFrame>
         <p:nvGraphicFramePr>
-          <p:cNvPr id="4" name="グラフ 3"/>
+          <p:cNvPr id="3" name="グラフ 2"/>
           <p:cNvGraphicFramePr>
             <a:graphicFrameLocks/>
           </p:cNvGraphicFramePr>
           <p:nvPr>
             <p:extLst>
               <p:ext uri="{D42A27DB-BD31-4B8C-83A1-F6EECF244321}">
-                <p14:modId xmlns:p14="http://schemas.microsoft.com/office/powerpoint/2010/main" val="827470872"/>
+                <p14:modId xmlns:p14="http://schemas.microsoft.com/office/powerpoint/2010/main" val="956986671"/>
               </p:ext>
             </p:extLst>
           </p:nvPr>
         </p:nvGraphicFramePr>
         <p:xfrm>
-          <a:off x="368753" y="984476"/>
-          <a:ext cx="8391526" cy="5073424"/>
+          <a:off x="903515" y="1570264"/>
+          <a:ext cx="7483928" cy="4601936"/>
         </p:xfrm>
         <a:graphic>
           <a:graphicData uri="http://schemas.openxmlformats.org/drawingml/2006/chart">
@@ -9771,14 +9939,14 @@
       </p:graphicFrame>
       <p:sp>
         <p:nvSpPr>
-          <p:cNvPr id="5" name="テキスト ボックス 4"/>
+          <p:cNvPr id="4" name="テキスト ボックス 3"/>
           <p:cNvSpPr txBox="1"/>
           <p:nvPr/>
         </p:nvSpPr>
         <p:spPr>
           <a:xfrm>
-            <a:off x="1506991" y="179359"/>
-            <a:ext cx="6115050" cy="523220"/>
+            <a:off x="1534886" y="693359"/>
+            <a:ext cx="6221186" cy="523220"/>
           </a:xfrm>
           <a:prstGeom prst="rect">
             <a:avLst/>
@@ -9794,7 +9962,7 @@
             <a:pPr algn="ctr"/>
             <a:r>
               <a:rPr kumimoji="1" lang="ja-JP" altLang="en-US" sz="2800" dirty="0" smtClean="0"/>
-              <a:t>管理者の月別編集回数の割合</a:t>
+              <a:t>管理者のみの月別編集回数</a:t>
             </a:r>
             <a:endParaRPr kumimoji="1" lang="ja-JP" altLang="en-US" sz="2800" dirty="0"/>
           </a:p>
@@ -9803,7 +9971,7 @@
     </p:spTree>
     <p:extLst>
       <p:ext uri="{BB962C8B-B14F-4D97-AF65-F5344CB8AC3E}">
-        <p14:creationId xmlns:p14="http://schemas.microsoft.com/office/powerpoint/2010/main" val="3427439686"/>
+        <p14:creationId xmlns:p14="http://schemas.microsoft.com/office/powerpoint/2010/main" val="1570999881"/>
       </p:ext>
     </p:extLst>
   </p:cSld>
@@ -9849,6 +10017,130 @@
               <a:rPr kumimoji="1" lang="ja-JP" altLang="en-US" sz="3200" smtClean="0"/>
               <a:t>15</a:t>
             </a:fld>
+            <a:endParaRPr kumimoji="1" lang="ja-JP" altLang="en-US" sz="3200" dirty="0"/>
+          </a:p>
+        </p:txBody>
+      </p:sp>
+      <p:graphicFrame>
+        <p:nvGraphicFramePr>
+          <p:cNvPr id="4" name="グラフ 3"/>
+          <p:cNvGraphicFramePr>
+            <a:graphicFrameLocks/>
+          </p:cNvGraphicFramePr>
+          <p:nvPr>
+            <p:extLst>
+              <p:ext uri="{D42A27DB-BD31-4B8C-83A1-F6EECF244321}">
+                <p14:modId xmlns:p14="http://schemas.microsoft.com/office/powerpoint/2010/main" val="2830764646"/>
+              </p:ext>
+            </p:extLst>
+          </p:nvPr>
+        </p:nvGraphicFramePr>
+        <p:xfrm>
+          <a:off x="368753" y="1282927"/>
+          <a:ext cx="8391526" cy="4705278"/>
+        </p:xfrm>
+        <a:graphic>
+          <a:graphicData uri="http://schemas.openxmlformats.org/drawingml/2006/chart">
+            <c:chart xmlns:c="http://schemas.openxmlformats.org/drawingml/2006/chart" xmlns:r="http://schemas.openxmlformats.org/officeDocument/2006/relationships" r:id="rId2"/>
+          </a:graphicData>
+        </a:graphic>
+      </p:graphicFrame>
+      <p:sp>
+        <p:nvSpPr>
+          <p:cNvPr id="5" name="テキスト ボックス 4"/>
+          <p:cNvSpPr txBox="1"/>
+          <p:nvPr/>
+        </p:nvSpPr>
+        <p:spPr>
+          <a:xfrm>
+            <a:off x="1506991" y="239610"/>
+            <a:ext cx="6115050" cy="954107"/>
+          </a:xfrm>
+          <a:prstGeom prst="rect">
+            <a:avLst/>
+          </a:prstGeom>
+          <a:noFill/>
+        </p:spPr>
+        <p:txBody>
+          <a:bodyPr wrap="square" rtlCol="0">
+            <a:spAutoFit/>
+          </a:bodyPr>
+          <a:lstStyle/>
+          <a:p>
+            <a:pPr algn="ctr"/>
+            <a:r>
+              <a:rPr kumimoji="1" lang="en-US" altLang="ja-JP" sz="2800" dirty="0" smtClean="0"/>
+              <a:t>1</a:t>
+            </a:r>
+            <a:r>
+              <a:rPr kumimoji="1" lang="ja-JP" altLang="en-US" sz="2800" dirty="0" smtClean="0"/>
+              <a:t>ヶ月ごとの総編集回数における</a:t>
+            </a:r>
+            <a:endParaRPr kumimoji="1" lang="en-US" altLang="ja-JP" sz="2800" dirty="0" smtClean="0"/>
+          </a:p>
+          <a:p>
+            <a:pPr algn="ctr"/>
+            <a:r>
+              <a:rPr kumimoji="1" lang="ja-JP" altLang="en-US" sz="2800" dirty="0" smtClean="0"/>
+              <a:t>管理者の編集の</a:t>
+            </a:r>
+            <a:r>
+              <a:rPr kumimoji="1" lang="ja-JP" altLang="en-US" sz="2800" dirty="0" smtClean="0"/>
+              <a:t>割合</a:t>
+            </a:r>
+            <a:endParaRPr kumimoji="1" lang="ja-JP" altLang="en-US" sz="2800" dirty="0"/>
+          </a:p>
+        </p:txBody>
+      </p:sp>
+    </p:spTree>
+    <p:extLst>
+      <p:ext uri="{BB962C8B-B14F-4D97-AF65-F5344CB8AC3E}">
+        <p14:creationId xmlns:p14="http://schemas.microsoft.com/office/powerpoint/2010/main" val="3427439686"/>
+      </p:ext>
+    </p:extLst>
+  </p:cSld>
+  <p:clrMapOvr>
+    <a:masterClrMapping/>
+  </p:clrMapOvr>
+</p:sld>
+</file>
+
+<file path=ppt/slides/slide16.xml><?xml version="1.0" encoding="utf-8"?>
+<p:sld xmlns:a="http://schemas.openxmlformats.org/drawingml/2006/main" xmlns:r="http://schemas.openxmlformats.org/officeDocument/2006/relationships" xmlns:p="http://schemas.openxmlformats.org/presentationml/2006/main">
+  <p:cSld>
+    <p:spTree>
+      <p:nvGrpSpPr>
+        <p:cNvPr id="1" name=""/>
+        <p:cNvGrpSpPr/>
+        <p:nvPr/>
+      </p:nvGrpSpPr>
+      <p:grpSpPr>
+        <a:xfrm>
+          <a:off x="0" y="0"/>
+          <a:ext cx="0" cy="0"/>
+          <a:chOff x="0" y="0"/>
+          <a:chExt cx="0" cy="0"/>
+        </a:xfrm>
+      </p:grpSpPr>
+      <p:sp>
+        <p:nvSpPr>
+          <p:cNvPr id="2" name="スライド番号プレースホルダー 1"/>
+          <p:cNvSpPr>
+            <a:spLocks noGrp="1"/>
+          </p:cNvSpPr>
+          <p:nvPr>
+            <p:ph type="sldNum" sz="quarter" idx="12"/>
+          </p:nvPr>
+        </p:nvSpPr>
+        <p:spPr/>
+        <p:txBody>
+          <a:bodyPr/>
+          <a:lstStyle/>
+          <a:p>
+            <a:fld id="{FF293082-CEC9-41F6-8937-D05229BF80C6}" type="slidenum">
+              <a:rPr kumimoji="1" lang="ja-JP" altLang="en-US" sz="3200" smtClean="0"/>
+              <a:t>16</a:t>
+            </a:fld>
             <a:endParaRPr kumimoji="1" lang="ja-JP" altLang="en-US" sz="3200"/>
           </a:p>
         </p:txBody>
@@ -9999,7 +10291,7 @@
 </p:sld>
 </file>
 
-<file path=ppt/slides/slide16.xml><?xml version="1.0" encoding="utf-8"?>
+<file path=ppt/slides/slide17.xml><?xml version="1.0" encoding="utf-8"?>
 <p:sld xmlns:a="http://schemas.openxmlformats.org/drawingml/2006/main" xmlns:r="http://schemas.openxmlformats.org/officeDocument/2006/relationships" xmlns:p="http://schemas.openxmlformats.org/presentationml/2006/main">
   <p:cSld>
     <p:spTree>
@@ -10033,7 +10325,7 @@
           <a:p>
             <a:fld id="{FF293082-CEC9-41F6-8937-D05229BF80C6}" type="slidenum">
               <a:rPr kumimoji="1" lang="ja-JP" altLang="en-US" sz="3200" smtClean="0"/>
-              <a:t>16</a:t>
+              <a:t>17</a:t>
             </a:fld>
             <a:endParaRPr kumimoji="1" lang="ja-JP" altLang="en-US" sz="3200"/>
           </a:p>
@@ -10471,25 +10763,17 @@
           <a:p>
             <a:r>
               <a:rPr lang="ja-JP" altLang="en-US" sz="2800" dirty="0" smtClean="0"/>
-              <a:t>不特定</a:t>
-            </a:r>
+              <a:t>不特定多数の人が自由に参加するオンライン百科事典プロジェクト．</a:t>
+            </a:r>
+            <a:endParaRPr lang="en-US" altLang="ja-JP" sz="2800" dirty="0" smtClean="0"/>
+          </a:p>
+          <a:p>
+            <a:endParaRPr kumimoji="1" lang="en-US" altLang="ja-JP" sz="2800" dirty="0" smtClean="0"/>
+          </a:p>
+          <a:p>
             <a:r>
               <a:rPr lang="ja-JP" altLang="en-US" sz="2800" dirty="0" smtClean="0"/>
-              <a:t>多数の人が自由に参加するオンライン百科事典プロジェクト．</a:t>
-            </a:r>
-            <a:endParaRPr lang="en-US" altLang="ja-JP" sz="2800" dirty="0" smtClean="0"/>
-          </a:p>
-          <a:p>
-            <a:endParaRPr kumimoji="1" lang="en-US" altLang="ja-JP" sz="2800" dirty="0" smtClean="0"/>
-          </a:p>
-          <a:p>
-            <a:r>
-              <a:rPr lang="ja-JP" altLang="en-US" sz="2800" dirty="0" smtClean="0"/>
-              <a:t>不特定</a:t>
-            </a:r>
-            <a:r>
-              <a:rPr lang="ja-JP" altLang="en-US" sz="2800" dirty="0" smtClean="0"/>
-              <a:t>多数の人たちで動いてるプロジェクトだが，かなりの良質を保っている．</a:t>
+              <a:t>不特定多数の人たちで動いてるプロジェクトだが，かなりの良質を保っている．</a:t>
             </a:r>
             <a:endParaRPr lang="en-US" altLang="ja-JP" sz="2800" dirty="0"/>
           </a:p>
@@ -10737,7 +11021,7 @@
         <p:spPr>
           <a:xfrm>
             <a:off x="535255" y="4393581"/>
-            <a:ext cx="7828157" cy="1384995"/>
+            <a:ext cx="7828157" cy="954107"/>
           </a:xfrm>
           <a:prstGeom prst="rect">
             <a:avLst/>
@@ -10752,24 +11036,56 @@
           <a:p>
             <a:pPr algn="ctr"/>
             <a:r>
+              <a:rPr lang="en-US" altLang="ja-JP" sz="2800" dirty="0" smtClean="0"/>
+              <a:t>Wikipedia</a:t>
+            </a:r>
+            <a:r>
+              <a:rPr lang="ja-JP" altLang="en-US" sz="2800" dirty="0" smtClean="0"/>
+              <a:t>はボトムアップの力で成長したと見えるが、</a:t>
+            </a:r>
+            <a:endParaRPr lang="en-US" altLang="ja-JP" sz="2800" dirty="0" smtClean="0"/>
+          </a:p>
+          <a:p>
+            <a:pPr algn="ctr"/>
+            <a:r>
               <a:rPr kumimoji="1" lang="ja-JP" altLang="en-US" sz="2800" dirty="0" smtClean="0"/>
-              <a:t>トップダウンは「管理者」を，</a:t>
-            </a:r>
-            <a:endParaRPr kumimoji="1" lang="en-US" altLang="ja-JP" sz="2800" dirty="0" smtClean="0"/>
-          </a:p>
-          <a:p>
-            <a:pPr algn="ctr"/>
+              <a:t>実は</a:t>
+            </a:r>
+            <a:r>
+              <a:rPr kumimoji="1" lang="ja-JP" altLang="en-US" sz="2800" dirty="0"/>
+              <a:t>入念</a:t>
+            </a:r>
             <a:r>
               <a:rPr kumimoji="1" lang="ja-JP" altLang="en-US" sz="2800" dirty="0" smtClean="0"/>
-              <a:t>ボトムアップは「一般編集者」</a:t>
-            </a:r>
-            <a:endParaRPr kumimoji="1" lang="en-US" altLang="ja-JP" sz="2800" dirty="0" smtClean="0"/>
-          </a:p>
-          <a:p>
-            <a:pPr algn="ctr"/>
+              <a:t>なトップ</a:t>
+            </a:r>
+            <a:r>
+              <a:rPr kumimoji="1" lang="ja-JP" altLang="en-US" sz="2800" dirty="0"/>
+              <a:t>ダウン</a:t>
+            </a:r>
             <a:r>
               <a:rPr kumimoji="1" lang="ja-JP" altLang="en-US" sz="2800" dirty="0" smtClean="0"/>
-              <a:t>のことではないかと考えた．</a:t>
+              <a:t>の</a:t>
+            </a:r>
+            <a:r>
+              <a:rPr kumimoji="1" lang="ja-JP" altLang="en-US" sz="2800" dirty="0"/>
+              <a:t>仕組</a:t>
+            </a:r>
+            <a:r>
+              <a:rPr kumimoji="1" lang="ja-JP" altLang="en-US" sz="2800" dirty="0" smtClean="0"/>
+              <a:t>みが</a:t>
+            </a:r>
+            <a:r>
+              <a:rPr kumimoji="1" lang="ja-JP" altLang="en-US" sz="2800" dirty="0"/>
+              <a:t>施</a:t>
+            </a:r>
+            <a:r>
+              <a:rPr kumimoji="1" lang="ja-JP" altLang="en-US" sz="2800" dirty="0" smtClean="0"/>
+              <a:t>されてい</a:t>
+            </a:r>
+            <a:r>
+              <a:rPr kumimoji="1" lang="ja-JP" altLang="en-US" sz="2800" dirty="0"/>
+              <a:t>る</a:t>
             </a:r>
             <a:endParaRPr kumimoji="1" lang="ja-JP" altLang="en-US" sz="2800" dirty="0"/>
           </a:p>
@@ -10926,11 +11242,7 @@
             </a:r>
             <a:r>
               <a:rPr kumimoji="1" lang="ja-JP" altLang="en-US" sz="2800" dirty="0" smtClean="0"/>
-              <a:t>の管理者と一般編集者の割合はどのように変化していってる</a:t>
-            </a:r>
-            <a:r>
-              <a:rPr kumimoji="1" lang="ja-JP" altLang="en-US" sz="2800" dirty="0" smtClean="0"/>
-              <a:t>の</a:t>
+              <a:t>の管理者と一般編集者の割合はどのように変化していってるの</a:t>
             </a:r>
             <a:r>
               <a:rPr lang="ja-JP" altLang="en-US" sz="2800" dirty="0" smtClean="0"/>
@@ -11022,15 +11334,15 @@
           <a:p>
             <a:r>
               <a:rPr kumimoji="1" lang="ja-JP" altLang="en-US" sz="2800" dirty="0" smtClean="0"/>
-              <a:t>管理者</a:t>
+              <a:t>管理者と一般編集者の</a:t>
             </a:r>
             <a:r>
               <a:rPr kumimoji="1" lang="ja-JP" altLang="en-US" sz="2800" dirty="0" smtClean="0"/>
-              <a:t>と一般編集者のバランスのマネジメントが必要であるのではないの</a:t>
+              <a:t>バランスを取るマネジメント</a:t>
             </a:r>
             <a:r>
               <a:rPr kumimoji="1" lang="ja-JP" altLang="en-US" sz="2800" dirty="0" smtClean="0"/>
-              <a:t>か．</a:t>
+              <a:t>が必要であるのではないのか．</a:t>
             </a:r>
             <a:endParaRPr kumimoji="1" lang="ja-JP" altLang="en-US" sz="2800" dirty="0"/>
           </a:p>
@@ -11356,8 +11668,8 @@
         </p:blipFill>
         <p:spPr>
           <a:xfrm>
-            <a:off x="1342661" y="1170893"/>
-            <a:ext cx="6463007" cy="4761816"/>
+            <a:off x="245327" y="1525506"/>
+            <a:ext cx="5194330" cy="4641274"/>
           </a:xfrm>
           <a:prstGeom prst="rect">
             <a:avLst/>
@@ -11386,9 +11698,10 @@
           </a:bodyPr>
           <a:lstStyle/>
           <a:p>
+            <a:pPr algn="ctr"/>
             <a:r>
               <a:rPr lang="en-US" altLang="ja-JP" sz="2800" dirty="0" smtClean="0"/>
-              <a:t>jawiki-20150901-stub-meta-history.xml.gz</a:t>
+              <a:t>stub-meta-history.xml.gz</a:t>
             </a:r>
             <a:r>
               <a:rPr lang="ja-JP" altLang="en-US" sz="2800" dirty="0" smtClean="0"/>
@@ -11406,8 +11719,8 @@
         </p:nvSpPr>
         <p:spPr>
           <a:xfrm>
-            <a:off x="2329450" y="6094741"/>
-            <a:ext cx="4489427" cy="523220"/>
+            <a:off x="5439657" y="1819203"/>
+            <a:ext cx="3609343" cy="954107"/>
           </a:xfrm>
           <a:prstGeom prst="rect">
             <a:avLst/>
@@ -11423,11 +11736,70 @@
             <a:pPr algn="ctr"/>
             <a:r>
               <a:rPr lang="ja-JP" altLang="en-US" sz="2800" dirty="0" smtClean="0"/>
-              <a:t>解凍後の容量は約</a:t>
+              <a:t>解凍後の容量は</a:t>
+            </a:r>
+            <a:endParaRPr lang="en-US" altLang="ja-JP" sz="2800" dirty="0" smtClean="0"/>
+          </a:p>
+          <a:p>
+            <a:pPr algn="ctr"/>
+            <a:r>
+              <a:rPr lang="ja-JP" altLang="en-US" sz="2800" dirty="0" smtClean="0"/>
+              <a:t>約</a:t>
             </a:r>
             <a:r>
               <a:rPr lang="en-US" altLang="ja-JP" sz="2800" dirty="0" smtClean="0"/>
               <a:t>25GB</a:t>
+            </a:r>
+          </a:p>
+        </p:txBody>
+      </p:sp>
+      <p:sp>
+        <p:nvSpPr>
+          <p:cNvPr id="7" name="角丸四角形 6"/>
+          <p:cNvSpPr/>
+          <p:nvPr/>
+        </p:nvSpPr>
+        <p:spPr>
+          <a:xfrm>
+            <a:off x="5776332" y="2877015"/>
+            <a:ext cx="3272668" cy="2185639"/>
+          </a:xfrm>
+          <a:prstGeom prst="roundRect">
+            <a:avLst/>
+          </a:prstGeom>
+        </p:spPr>
+        <p:style>
+          <a:lnRef idx="2">
+            <a:schemeClr val="accent1">
+              <a:shade val="50000"/>
+            </a:schemeClr>
+          </a:lnRef>
+          <a:fillRef idx="1">
+            <a:schemeClr val="accent1"/>
+          </a:fillRef>
+          <a:effectRef idx="0">
+            <a:schemeClr val="accent1"/>
+          </a:effectRef>
+          <a:fontRef idx="minor">
+            <a:schemeClr val="lt1"/>
+          </a:fontRef>
+        </p:style>
+        <p:txBody>
+          <a:bodyPr rtlCol="0" anchor="ctr"/>
+          <a:lstStyle/>
+          <a:p>
+            <a:pPr algn="ctr"/>
+            <a:r>
+              <a:rPr kumimoji="1" lang="ja-JP" altLang="en-US" sz="2800" dirty="0" smtClean="0"/>
+              <a:t>扱うには</a:t>
+            </a:r>
+            <a:endParaRPr kumimoji="1" lang="en-US" altLang="ja-JP" sz="2800" dirty="0" smtClean="0"/>
+          </a:p>
+          <a:p>
+            <a:pPr algn="ctr"/>
+            <a:r>
+              <a:rPr kumimoji="1" lang="ja-JP" altLang="en-US" sz="2800" dirty="0" smtClean="0"/>
+              <a:t>ビッグデータ処理技術が必要</a:t>
             </a:r>
             <a:endParaRPr kumimoji="1" lang="ja-JP" altLang="en-US" sz="2800" dirty="0"/>
           </a:p>
@@ -11783,8 +12155,8 @@
         </p:nvSpPr>
         <p:spPr>
           <a:xfrm>
-            <a:off x="397725" y="923611"/>
-            <a:ext cx="3583260" cy="568712"/>
+            <a:off x="397725" y="847493"/>
+            <a:ext cx="3583260" cy="644830"/>
           </a:xfrm>
           <a:prstGeom prst="ellipse">
             <a:avLst/>
